--- a/TrabalhoPratico/Relatorio/imagens/Figuras_aux.pptx
+++ b/TrabalhoPratico/Relatorio/imagens/Figuras_aux.pptx
@@ -6,13 +6,16 @@
   </p:sldMasterIdLst>
   <p:sldIdLst>
     <p:sldId id="256" r:id="rId2"/>
-    <p:sldId id="258" r:id="rId3"/>
-    <p:sldId id="257" r:id="rId4"/>
-    <p:sldId id="259" r:id="rId5"/>
-    <p:sldId id="260" r:id="rId6"/>
-    <p:sldId id="261" r:id="rId7"/>
-    <p:sldId id="262" r:id="rId8"/>
-    <p:sldId id="263" r:id="rId9"/>
+    <p:sldId id="264" r:id="rId3"/>
+    <p:sldId id="265" r:id="rId4"/>
+    <p:sldId id="266" r:id="rId5"/>
+    <p:sldId id="258" r:id="rId6"/>
+    <p:sldId id="257" r:id="rId7"/>
+    <p:sldId id="259" r:id="rId8"/>
+    <p:sldId id="260" r:id="rId9"/>
+    <p:sldId id="263" r:id="rId10"/>
+    <p:sldId id="261" r:id="rId11"/>
+    <p:sldId id="262" r:id="rId12"/>
   </p:sldIdLst>
   <p:sldSz cx="12192000" cy="6858000"/>
   <p:notesSz cx="6858000" cy="9144000"/>
@@ -161,10 +164,9 @@
           </a:lstStyle>
           <a:p>
             <a:r>
-              <a:rPr lang="en-US" smtClean="0"/>
+              <a:rPr lang="en-US"/>
               <a:t>Click to edit Master title style</a:t>
             </a:r>
-            <a:endParaRPr lang="en-US"/>
           </a:p>
         </p:txBody>
       </p:sp>
@@ -226,10 +228,9 @@
           </a:lstStyle>
           <a:p>
             <a:r>
-              <a:rPr lang="en-US" smtClean="0"/>
+              <a:rPr lang="en-US"/>
               <a:t>Click to edit Master subtitle style</a:t>
             </a:r>
-            <a:endParaRPr lang="en-US"/>
           </a:p>
         </p:txBody>
       </p:sp>
@@ -250,7 +251,7 @@
           <a:p>
             <a:fld id="{BB920FFC-E5A4-4B76-8187-60E5249649A5}" type="datetimeFigureOut">
               <a:rPr lang="en-US" smtClean="0"/>
-              <a:t>3/5/2016</a:t>
+              <a:t>05-Mar-17</a:t>
             </a:fld>
             <a:endParaRPr lang="en-US"/>
           </a:p>
@@ -344,10 +345,9 @@
           <a:lstStyle/>
           <a:p>
             <a:r>
-              <a:rPr lang="en-US" smtClean="0"/>
+              <a:rPr lang="en-US"/>
               <a:t>Click to edit Master title style</a:t>
             </a:r>
-            <a:endParaRPr lang="en-US"/>
           </a:p>
         </p:txBody>
       </p:sp>
@@ -368,38 +368,37 @@
           <a:p>
             <a:pPr lvl="0"/>
             <a:r>
-              <a:rPr lang="en-US" smtClean="0"/>
+              <a:rPr lang="en-US"/>
               <a:t>Edit Master text styles</a:t>
             </a:r>
           </a:p>
           <a:p>
             <a:pPr lvl="1"/>
             <a:r>
-              <a:rPr lang="en-US" smtClean="0"/>
+              <a:rPr lang="en-US"/>
               <a:t>Second level</a:t>
             </a:r>
           </a:p>
           <a:p>
             <a:pPr lvl="2"/>
             <a:r>
-              <a:rPr lang="en-US" smtClean="0"/>
+              <a:rPr lang="en-US"/>
               <a:t>Third level</a:t>
             </a:r>
           </a:p>
           <a:p>
             <a:pPr lvl="3"/>
             <a:r>
-              <a:rPr lang="en-US" smtClean="0"/>
+              <a:rPr lang="en-US"/>
               <a:t>Fourth level</a:t>
             </a:r>
           </a:p>
           <a:p>
             <a:pPr lvl="4"/>
             <a:r>
-              <a:rPr lang="en-US" smtClean="0"/>
+              <a:rPr lang="en-US"/>
               <a:t>Fifth level</a:t>
             </a:r>
-            <a:endParaRPr lang="en-US"/>
           </a:p>
         </p:txBody>
       </p:sp>
@@ -420,7 +419,7 @@
           <a:p>
             <a:fld id="{BB920FFC-E5A4-4B76-8187-60E5249649A5}" type="datetimeFigureOut">
               <a:rPr lang="en-US" smtClean="0"/>
-              <a:t>3/5/2016</a:t>
+              <a:t>05-Mar-17</a:t>
             </a:fld>
             <a:endParaRPr lang="en-US"/>
           </a:p>
@@ -519,10 +518,9 @@
           <a:lstStyle/>
           <a:p>
             <a:r>
-              <a:rPr lang="en-US" smtClean="0"/>
+              <a:rPr lang="en-US"/>
               <a:t>Click to edit Master title style</a:t>
             </a:r>
-            <a:endParaRPr lang="en-US"/>
           </a:p>
         </p:txBody>
       </p:sp>
@@ -548,38 +546,37 @@
           <a:p>
             <a:pPr lvl="0"/>
             <a:r>
-              <a:rPr lang="en-US" smtClean="0"/>
+              <a:rPr lang="en-US"/>
               <a:t>Edit Master text styles</a:t>
             </a:r>
           </a:p>
           <a:p>
             <a:pPr lvl="1"/>
             <a:r>
-              <a:rPr lang="en-US" smtClean="0"/>
+              <a:rPr lang="en-US"/>
               <a:t>Second level</a:t>
             </a:r>
           </a:p>
           <a:p>
             <a:pPr lvl="2"/>
             <a:r>
-              <a:rPr lang="en-US" smtClean="0"/>
+              <a:rPr lang="en-US"/>
               <a:t>Third level</a:t>
             </a:r>
           </a:p>
           <a:p>
             <a:pPr lvl="3"/>
             <a:r>
-              <a:rPr lang="en-US" smtClean="0"/>
+              <a:rPr lang="en-US"/>
               <a:t>Fourth level</a:t>
             </a:r>
           </a:p>
           <a:p>
             <a:pPr lvl="4"/>
             <a:r>
-              <a:rPr lang="en-US" smtClean="0"/>
+              <a:rPr lang="en-US"/>
               <a:t>Fifth level</a:t>
             </a:r>
-            <a:endParaRPr lang="en-US"/>
           </a:p>
         </p:txBody>
       </p:sp>
@@ -600,7 +597,7 @@
           <a:p>
             <a:fld id="{BB920FFC-E5A4-4B76-8187-60E5249649A5}" type="datetimeFigureOut">
               <a:rPr lang="en-US" smtClean="0"/>
-              <a:t>3/5/2016</a:t>
+              <a:t>05-Mar-17</a:t>
             </a:fld>
             <a:endParaRPr lang="en-US"/>
           </a:p>
@@ -694,10 +691,9 @@
           <a:lstStyle/>
           <a:p>
             <a:r>
-              <a:rPr lang="en-US" smtClean="0"/>
+              <a:rPr lang="en-US"/>
               <a:t>Click to edit Master title style</a:t>
             </a:r>
-            <a:endParaRPr lang="en-US"/>
           </a:p>
         </p:txBody>
       </p:sp>
@@ -718,38 +714,37 @@
           <a:p>
             <a:pPr lvl="0"/>
             <a:r>
-              <a:rPr lang="en-US" smtClean="0"/>
+              <a:rPr lang="en-US"/>
               <a:t>Edit Master text styles</a:t>
             </a:r>
           </a:p>
           <a:p>
             <a:pPr lvl="1"/>
             <a:r>
-              <a:rPr lang="en-US" smtClean="0"/>
+              <a:rPr lang="en-US"/>
               <a:t>Second level</a:t>
             </a:r>
           </a:p>
           <a:p>
             <a:pPr lvl="2"/>
             <a:r>
-              <a:rPr lang="en-US" smtClean="0"/>
+              <a:rPr lang="en-US"/>
               <a:t>Third level</a:t>
             </a:r>
           </a:p>
           <a:p>
             <a:pPr lvl="3"/>
             <a:r>
-              <a:rPr lang="en-US" smtClean="0"/>
+              <a:rPr lang="en-US"/>
               <a:t>Fourth level</a:t>
             </a:r>
           </a:p>
           <a:p>
             <a:pPr lvl="4"/>
             <a:r>
-              <a:rPr lang="en-US" smtClean="0"/>
+              <a:rPr lang="en-US"/>
               <a:t>Fifth level</a:t>
             </a:r>
-            <a:endParaRPr lang="en-US"/>
           </a:p>
         </p:txBody>
       </p:sp>
@@ -770,7 +765,7 @@
           <a:p>
             <a:fld id="{BB920FFC-E5A4-4B76-8187-60E5249649A5}" type="datetimeFigureOut">
               <a:rPr lang="en-US" smtClean="0"/>
-              <a:t>3/5/2016</a:t>
+              <a:t>05-Mar-17</a:t>
             </a:fld>
             <a:endParaRPr lang="en-US"/>
           </a:p>
@@ -873,10 +868,9 @@
           </a:lstStyle>
           <a:p>
             <a:r>
-              <a:rPr lang="en-US" smtClean="0"/>
+              <a:rPr lang="en-US"/>
               <a:t>Click to edit Master title style</a:t>
             </a:r>
-            <a:endParaRPr lang="en-US"/>
           </a:p>
         </p:txBody>
       </p:sp>
@@ -993,7 +987,7 @@
           <a:p>
             <a:pPr lvl="0"/>
             <a:r>
-              <a:rPr lang="en-US" smtClean="0"/>
+              <a:rPr lang="en-US"/>
               <a:t>Edit Master text styles</a:t>
             </a:r>
           </a:p>
@@ -1016,7 +1010,7 @@
           <a:p>
             <a:fld id="{BB920FFC-E5A4-4B76-8187-60E5249649A5}" type="datetimeFigureOut">
               <a:rPr lang="en-US" smtClean="0"/>
-              <a:t>3/5/2016</a:t>
+              <a:t>05-Mar-17</a:t>
             </a:fld>
             <a:endParaRPr lang="en-US"/>
           </a:p>
@@ -1110,10 +1104,9 @@
           <a:lstStyle/>
           <a:p>
             <a:r>
-              <a:rPr lang="en-US" smtClean="0"/>
+              <a:rPr lang="en-US"/>
               <a:t>Click to edit Master title style</a:t>
             </a:r>
-            <a:endParaRPr lang="en-US"/>
           </a:p>
         </p:txBody>
       </p:sp>
@@ -1139,38 +1132,37 @@
           <a:p>
             <a:pPr lvl="0"/>
             <a:r>
-              <a:rPr lang="en-US" smtClean="0"/>
+              <a:rPr lang="en-US"/>
               <a:t>Edit Master text styles</a:t>
             </a:r>
           </a:p>
           <a:p>
             <a:pPr lvl="1"/>
             <a:r>
-              <a:rPr lang="en-US" smtClean="0"/>
+              <a:rPr lang="en-US"/>
               <a:t>Second level</a:t>
             </a:r>
           </a:p>
           <a:p>
             <a:pPr lvl="2"/>
             <a:r>
-              <a:rPr lang="en-US" smtClean="0"/>
+              <a:rPr lang="en-US"/>
               <a:t>Third level</a:t>
             </a:r>
           </a:p>
           <a:p>
             <a:pPr lvl="3"/>
             <a:r>
-              <a:rPr lang="en-US" smtClean="0"/>
+              <a:rPr lang="en-US"/>
               <a:t>Fourth level</a:t>
             </a:r>
           </a:p>
           <a:p>
             <a:pPr lvl="4"/>
             <a:r>
-              <a:rPr lang="en-US" smtClean="0"/>
+              <a:rPr lang="en-US"/>
               <a:t>Fifth level</a:t>
             </a:r>
-            <a:endParaRPr lang="en-US"/>
           </a:p>
         </p:txBody>
       </p:sp>
@@ -1196,38 +1188,37 @@
           <a:p>
             <a:pPr lvl="0"/>
             <a:r>
-              <a:rPr lang="en-US" smtClean="0"/>
+              <a:rPr lang="en-US"/>
               <a:t>Edit Master text styles</a:t>
             </a:r>
           </a:p>
           <a:p>
             <a:pPr lvl="1"/>
             <a:r>
-              <a:rPr lang="en-US" smtClean="0"/>
+              <a:rPr lang="en-US"/>
               <a:t>Second level</a:t>
             </a:r>
           </a:p>
           <a:p>
             <a:pPr lvl="2"/>
             <a:r>
-              <a:rPr lang="en-US" smtClean="0"/>
+              <a:rPr lang="en-US"/>
               <a:t>Third level</a:t>
             </a:r>
           </a:p>
           <a:p>
             <a:pPr lvl="3"/>
             <a:r>
-              <a:rPr lang="en-US" smtClean="0"/>
+              <a:rPr lang="en-US"/>
               <a:t>Fourth level</a:t>
             </a:r>
           </a:p>
           <a:p>
             <a:pPr lvl="4"/>
             <a:r>
-              <a:rPr lang="en-US" smtClean="0"/>
+              <a:rPr lang="en-US"/>
               <a:t>Fifth level</a:t>
             </a:r>
-            <a:endParaRPr lang="en-US"/>
           </a:p>
         </p:txBody>
       </p:sp>
@@ -1248,7 +1239,7 @@
           <a:p>
             <a:fld id="{BB920FFC-E5A4-4B76-8187-60E5249649A5}" type="datetimeFigureOut">
               <a:rPr lang="en-US" smtClean="0"/>
-              <a:t>3/5/2016</a:t>
+              <a:t>05-Mar-17</a:t>
             </a:fld>
             <a:endParaRPr lang="en-US"/>
           </a:p>
@@ -1347,10 +1338,9 @@
           <a:lstStyle/>
           <a:p>
             <a:r>
-              <a:rPr lang="en-US" smtClean="0"/>
+              <a:rPr lang="en-US"/>
               <a:t>Click to edit Master title style</a:t>
             </a:r>
-            <a:endParaRPr lang="en-US"/>
           </a:p>
         </p:txBody>
       </p:sp>
@@ -1413,7 +1403,7 @@
           <a:p>
             <a:pPr lvl="0"/>
             <a:r>
-              <a:rPr lang="en-US" smtClean="0"/>
+              <a:rPr lang="en-US"/>
               <a:t>Edit Master text styles</a:t>
             </a:r>
           </a:p>
@@ -1441,38 +1431,37 @@
           <a:p>
             <a:pPr lvl="0"/>
             <a:r>
-              <a:rPr lang="en-US" smtClean="0"/>
+              <a:rPr lang="en-US"/>
               <a:t>Edit Master text styles</a:t>
             </a:r>
           </a:p>
           <a:p>
             <a:pPr lvl="1"/>
             <a:r>
-              <a:rPr lang="en-US" smtClean="0"/>
+              <a:rPr lang="en-US"/>
               <a:t>Second level</a:t>
             </a:r>
           </a:p>
           <a:p>
             <a:pPr lvl="2"/>
             <a:r>
-              <a:rPr lang="en-US" smtClean="0"/>
+              <a:rPr lang="en-US"/>
               <a:t>Third level</a:t>
             </a:r>
           </a:p>
           <a:p>
             <a:pPr lvl="3"/>
             <a:r>
-              <a:rPr lang="en-US" smtClean="0"/>
+              <a:rPr lang="en-US"/>
               <a:t>Fourth level</a:t>
             </a:r>
           </a:p>
           <a:p>
             <a:pPr lvl="4"/>
             <a:r>
-              <a:rPr lang="en-US" smtClean="0"/>
+              <a:rPr lang="en-US"/>
               <a:t>Fifth level</a:t>
             </a:r>
-            <a:endParaRPr lang="en-US"/>
           </a:p>
         </p:txBody>
       </p:sp>
@@ -1535,7 +1524,7 @@
           <a:p>
             <a:pPr lvl="0"/>
             <a:r>
-              <a:rPr lang="en-US" smtClean="0"/>
+              <a:rPr lang="en-US"/>
               <a:t>Edit Master text styles</a:t>
             </a:r>
           </a:p>
@@ -1563,38 +1552,37 @@
           <a:p>
             <a:pPr lvl="0"/>
             <a:r>
-              <a:rPr lang="en-US" smtClean="0"/>
+              <a:rPr lang="en-US"/>
               <a:t>Edit Master text styles</a:t>
             </a:r>
           </a:p>
           <a:p>
             <a:pPr lvl="1"/>
             <a:r>
-              <a:rPr lang="en-US" smtClean="0"/>
+              <a:rPr lang="en-US"/>
               <a:t>Second level</a:t>
             </a:r>
           </a:p>
           <a:p>
             <a:pPr lvl="2"/>
             <a:r>
-              <a:rPr lang="en-US" smtClean="0"/>
+              <a:rPr lang="en-US"/>
               <a:t>Third level</a:t>
             </a:r>
           </a:p>
           <a:p>
             <a:pPr lvl="3"/>
             <a:r>
-              <a:rPr lang="en-US" smtClean="0"/>
+              <a:rPr lang="en-US"/>
               <a:t>Fourth level</a:t>
             </a:r>
           </a:p>
           <a:p>
             <a:pPr lvl="4"/>
             <a:r>
-              <a:rPr lang="en-US" smtClean="0"/>
+              <a:rPr lang="en-US"/>
               <a:t>Fifth level</a:t>
             </a:r>
-            <a:endParaRPr lang="en-US"/>
           </a:p>
         </p:txBody>
       </p:sp>
@@ -1615,7 +1603,7 @@
           <a:p>
             <a:fld id="{BB920FFC-E5A4-4B76-8187-60E5249649A5}" type="datetimeFigureOut">
               <a:rPr lang="en-US" smtClean="0"/>
-              <a:t>3/5/2016</a:t>
+              <a:t>05-Mar-17</a:t>
             </a:fld>
             <a:endParaRPr lang="en-US"/>
           </a:p>
@@ -1709,10 +1697,9 @@
           <a:lstStyle/>
           <a:p>
             <a:r>
-              <a:rPr lang="en-US" smtClean="0"/>
+              <a:rPr lang="en-US"/>
               <a:t>Click to edit Master title style</a:t>
             </a:r>
-            <a:endParaRPr lang="en-US"/>
           </a:p>
         </p:txBody>
       </p:sp>
@@ -1733,7 +1720,7 @@
           <a:p>
             <a:fld id="{BB920FFC-E5A4-4B76-8187-60E5249649A5}" type="datetimeFigureOut">
               <a:rPr lang="en-US" smtClean="0"/>
-              <a:t>3/5/2016</a:t>
+              <a:t>05-Mar-17</a:t>
             </a:fld>
             <a:endParaRPr lang="en-US"/>
           </a:p>
@@ -1828,7 +1815,7 @@
           <a:p>
             <a:fld id="{BB920FFC-E5A4-4B76-8187-60E5249649A5}" type="datetimeFigureOut">
               <a:rPr lang="en-US" smtClean="0"/>
-              <a:t>3/5/2016</a:t>
+              <a:t>05-Mar-17</a:t>
             </a:fld>
             <a:endParaRPr lang="en-US"/>
           </a:p>
@@ -1931,10 +1918,9 @@
           </a:lstStyle>
           <a:p>
             <a:r>
-              <a:rPr lang="en-US" smtClean="0"/>
+              <a:rPr lang="en-US"/>
               <a:t>Click to edit Master title style</a:t>
             </a:r>
-            <a:endParaRPr lang="en-US"/>
           </a:p>
         </p:txBody>
       </p:sp>
@@ -1988,38 +1974,37 @@
           <a:p>
             <a:pPr lvl="0"/>
             <a:r>
-              <a:rPr lang="en-US" smtClean="0"/>
+              <a:rPr lang="en-US"/>
               <a:t>Edit Master text styles</a:t>
             </a:r>
           </a:p>
           <a:p>
             <a:pPr lvl="1"/>
             <a:r>
-              <a:rPr lang="en-US" smtClean="0"/>
+              <a:rPr lang="en-US"/>
               <a:t>Second level</a:t>
             </a:r>
           </a:p>
           <a:p>
             <a:pPr lvl="2"/>
             <a:r>
-              <a:rPr lang="en-US" smtClean="0"/>
+              <a:rPr lang="en-US"/>
               <a:t>Third level</a:t>
             </a:r>
           </a:p>
           <a:p>
             <a:pPr lvl="3"/>
             <a:r>
-              <a:rPr lang="en-US" smtClean="0"/>
+              <a:rPr lang="en-US"/>
               <a:t>Fourth level</a:t>
             </a:r>
           </a:p>
           <a:p>
             <a:pPr lvl="4"/>
             <a:r>
-              <a:rPr lang="en-US" smtClean="0"/>
+              <a:rPr lang="en-US"/>
               <a:t>Fifth level</a:t>
             </a:r>
-            <a:endParaRPr lang="en-US"/>
           </a:p>
         </p:txBody>
       </p:sp>
@@ -2082,7 +2067,7 @@
           <a:p>
             <a:pPr lvl="0"/>
             <a:r>
-              <a:rPr lang="en-US" smtClean="0"/>
+              <a:rPr lang="en-US"/>
               <a:t>Edit Master text styles</a:t>
             </a:r>
           </a:p>
@@ -2105,7 +2090,7 @@
           <a:p>
             <a:fld id="{BB920FFC-E5A4-4B76-8187-60E5249649A5}" type="datetimeFigureOut">
               <a:rPr lang="en-US" smtClean="0"/>
-              <a:t>3/5/2016</a:t>
+              <a:t>05-Mar-17</a:t>
             </a:fld>
             <a:endParaRPr lang="en-US"/>
           </a:p>
@@ -2208,10 +2193,9 @@
           </a:lstStyle>
           <a:p>
             <a:r>
-              <a:rPr lang="en-US" smtClean="0"/>
+              <a:rPr lang="en-US"/>
               <a:t>Click to edit Master title style</a:t>
             </a:r>
-            <a:endParaRPr lang="en-US"/>
           </a:p>
         </p:txBody>
       </p:sp>
@@ -2335,7 +2319,7 @@
           <a:p>
             <a:pPr lvl="0"/>
             <a:r>
-              <a:rPr lang="en-US" smtClean="0"/>
+              <a:rPr lang="en-US"/>
               <a:t>Edit Master text styles</a:t>
             </a:r>
           </a:p>
@@ -2358,7 +2342,7 @@
           <a:p>
             <a:fld id="{BB920FFC-E5A4-4B76-8187-60E5249649A5}" type="datetimeFigureOut">
               <a:rPr lang="en-US" smtClean="0"/>
-              <a:t>3/5/2016</a:t>
+              <a:t>05-Mar-17</a:t>
             </a:fld>
             <a:endParaRPr lang="en-US"/>
           </a:p>
@@ -2467,10 +2451,9 @@
           <a:lstStyle/>
           <a:p>
             <a:r>
-              <a:rPr lang="en-US" smtClean="0"/>
+              <a:rPr lang="en-US"/>
               <a:t>Click to edit Master title style</a:t>
             </a:r>
-            <a:endParaRPr lang="en-US"/>
           </a:p>
         </p:txBody>
       </p:sp>
@@ -2501,38 +2484,37 @@
           <a:p>
             <a:pPr lvl="0"/>
             <a:r>
-              <a:rPr lang="en-US" smtClean="0"/>
+              <a:rPr lang="en-US"/>
               <a:t>Edit Master text styles</a:t>
             </a:r>
           </a:p>
           <a:p>
             <a:pPr lvl="1"/>
             <a:r>
-              <a:rPr lang="en-US" smtClean="0"/>
+              <a:rPr lang="en-US"/>
               <a:t>Second level</a:t>
             </a:r>
           </a:p>
           <a:p>
             <a:pPr lvl="2"/>
             <a:r>
-              <a:rPr lang="en-US" smtClean="0"/>
+              <a:rPr lang="en-US"/>
               <a:t>Third level</a:t>
             </a:r>
           </a:p>
           <a:p>
             <a:pPr lvl="3"/>
             <a:r>
-              <a:rPr lang="en-US" smtClean="0"/>
+              <a:rPr lang="en-US"/>
               <a:t>Fourth level</a:t>
             </a:r>
           </a:p>
           <a:p>
             <a:pPr lvl="4"/>
             <a:r>
-              <a:rPr lang="en-US" smtClean="0"/>
+              <a:rPr lang="en-US"/>
               <a:t>Fifth level</a:t>
             </a:r>
-            <a:endParaRPr lang="en-US"/>
           </a:p>
         </p:txBody>
       </p:sp>
@@ -2571,7 +2553,7 @@
           <a:p>
             <a:fld id="{BB920FFC-E5A4-4B76-8187-60E5249649A5}" type="datetimeFigureOut">
               <a:rPr lang="en-US" smtClean="0"/>
-              <a:t>3/5/2016</a:t>
+              <a:t>05-Mar-17</a:t>
             </a:fld>
             <a:endParaRPr lang="en-US"/>
           </a:p>
@@ -3117,7 +3099,7 @@
           <a:lstStyle/>
           <a:p>
             <a:r>
-              <a:rPr lang="en-US" sz="4000" b="1" dirty="0" smtClean="0">
+              <a:rPr lang="en-US" sz="4000" b="1" dirty="0">
                 <a:solidFill>
                   <a:srgbClr val="002060"/>
                 </a:solidFill>
@@ -3125,7 +3107,7 @@
               <a:t>A</a:t>
             </a:r>
             <a:r>
-              <a:rPr lang="en-US" sz="2800" b="1" dirty="0" smtClean="0">
+              <a:rPr lang="en-US" sz="2800" b="1" dirty="0">
                 <a:solidFill>
                   <a:srgbClr val="002060"/>
                 </a:solidFill>
@@ -3133,7 +3115,7 @@
               <a:t>(</a:t>
             </a:r>
             <a:r>
-              <a:rPr lang="en-US" sz="2800" b="1" dirty="0" err="1" smtClean="0">
+              <a:rPr lang="en-US" sz="2800" b="1" dirty="0" err="1">
                 <a:solidFill>
                   <a:srgbClr val="002060"/>
                 </a:solidFill>
@@ -3141,7 +3123,7 @@
               <a:t>ax,ay,az</a:t>
             </a:r>
             <a:r>
-              <a:rPr lang="en-US" sz="2800" b="1" dirty="0" smtClean="0">
+              <a:rPr lang="en-US" sz="2800" b="1" dirty="0">
                 <a:solidFill>
                   <a:srgbClr val="002060"/>
                 </a:solidFill>
@@ -3209,7 +3191,7 @@
           <a:lstStyle/>
           <a:p>
             <a:r>
-              <a:rPr lang="en-US" sz="4000" b="1" dirty="0" smtClean="0"/>
+              <a:rPr lang="en-US" sz="4000" b="1" dirty="0"/>
               <a:t>x</a:t>
             </a:r>
             <a:endParaRPr lang="en-US" b="1" dirty="0"/>
@@ -3313,7 +3295,7 @@
           <a:p>
             <a:pPr algn="ctr"/>
             <a:r>
-              <a:rPr lang="en-US" sz="2800" dirty="0" err="1" smtClean="0">
+              <a:rPr lang="en-US" sz="2800" dirty="0" err="1">
                 <a:solidFill>
                   <a:srgbClr val="00B050"/>
                 </a:solidFill>
@@ -3389,7 +3371,7 @@
           <a:p>
             <a:pPr algn="ctr"/>
             <a:r>
-              <a:rPr lang="en-US" sz="2800" dirty="0" err="1" smtClean="0">
+              <a:rPr lang="en-US" sz="2800" dirty="0" err="1">
                 <a:solidFill>
                   <a:srgbClr val="00B050"/>
                 </a:solidFill>
@@ -3427,7 +3409,7 @@
           <a:lstStyle/>
           <a:p>
             <a:r>
-              <a:rPr lang="en-US" sz="4000" b="1" dirty="0" smtClean="0">
+              <a:rPr lang="en-US" sz="4000" b="1" dirty="0">
                 <a:solidFill>
                   <a:srgbClr val="002060"/>
                 </a:solidFill>
@@ -3435,7 +3417,7 @@
               <a:t>B</a:t>
             </a:r>
             <a:r>
-              <a:rPr lang="en-US" sz="2800" b="1" dirty="0" smtClean="0">
+              <a:rPr lang="en-US" sz="2800" b="1" dirty="0">
                 <a:solidFill>
                   <a:srgbClr val="002060"/>
                 </a:solidFill>
@@ -3443,7 +3425,7 @@
               <a:t>(</a:t>
             </a:r>
             <a:r>
-              <a:rPr lang="en-US" sz="2800" b="1" dirty="0" err="1" smtClean="0">
+              <a:rPr lang="en-US" sz="2800" b="1" dirty="0" err="1">
                 <a:solidFill>
                   <a:srgbClr val="002060"/>
                 </a:solidFill>
@@ -3451,7 +3433,7 @@
               <a:t>bx,by,bz</a:t>
             </a:r>
             <a:r>
-              <a:rPr lang="en-US" sz="2800" b="1" dirty="0" smtClean="0">
+              <a:rPr lang="en-US" sz="2800" b="1" dirty="0">
                 <a:solidFill>
                   <a:srgbClr val="002060"/>
                 </a:solidFill>
@@ -3489,7 +3471,7 @@
           <a:lstStyle/>
           <a:p>
             <a:r>
-              <a:rPr lang="en-US" sz="4000" b="1" dirty="0" smtClean="0">
+              <a:rPr lang="en-US" sz="4000" b="1" dirty="0">
                 <a:solidFill>
                   <a:srgbClr val="002060"/>
                 </a:solidFill>
@@ -3497,7 +3479,7 @@
               <a:t>C</a:t>
             </a:r>
             <a:r>
-              <a:rPr lang="en-US" sz="2800" b="1" dirty="0" smtClean="0">
+              <a:rPr lang="en-US" sz="2800" b="1" dirty="0">
                 <a:solidFill>
                   <a:srgbClr val="002060"/>
                 </a:solidFill>
@@ -3505,7 +3487,7 @@
               <a:t>(</a:t>
             </a:r>
             <a:r>
-              <a:rPr lang="en-US" sz="2800" b="1" dirty="0" err="1" smtClean="0">
+              <a:rPr lang="en-US" sz="2800" b="1" dirty="0" err="1">
                 <a:solidFill>
                   <a:srgbClr val="002060"/>
                 </a:solidFill>
@@ -3513,7 +3495,7 @@
               <a:t>cx,cy,cz</a:t>
             </a:r>
             <a:r>
-              <a:rPr lang="en-US" sz="2800" b="1" dirty="0" smtClean="0">
+              <a:rPr lang="en-US" sz="2800" b="1" dirty="0">
                 <a:solidFill>
                   <a:srgbClr val="002060"/>
                 </a:solidFill>
@@ -3551,7 +3533,7 @@
           <a:lstStyle/>
           <a:p>
             <a:r>
-              <a:rPr lang="en-US" sz="4000" b="1" dirty="0" smtClean="0">
+              <a:rPr lang="en-US" sz="4000" b="1" dirty="0">
                 <a:solidFill>
                   <a:srgbClr val="002060"/>
                 </a:solidFill>
@@ -3559,7 +3541,7 @@
               <a:t>D</a:t>
             </a:r>
             <a:r>
-              <a:rPr lang="en-US" sz="2800" b="1" dirty="0" smtClean="0">
+              <a:rPr lang="en-US" sz="2800" b="1" dirty="0">
                 <a:solidFill>
                   <a:srgbClr val="002060"/>
                 </a:solidFill>
@@ -3567,7 +3549,7 @@
               <a:t>(</a:t>
             </a:r>
             <a:r>
-              <a:rPr lang="en-US" sz="2800" b="1" dirty="0" err="1" smtClean="0">
+              <a:rPr lang="en-US" sz="2800" b="1" dirty="0" err="1">
                 <a:solidFill>
                   <a:srgbClr val="002060"/>
                 </a:solidFill>
@@ -3575,7 +3557,7 @@
               <a:t>dx,dy,dz</a:t>
             </a:r>
             <a:r>
-              <a:rPr lang="en-US" sz="2800" b="1" dirty="0" smtClean="0">
+              <a:rPr lang="en-US" sz="2800" b="1" dirty="0">
                 <a:solidFill>
                   <a:srgbClr val="002060"/>
                 </a:solidFill>
@@ -3613,7 +3595,7 @@
           <a:lstStyle/>
           <a:p>
             <a:r>
-              <a:rPr lang="en-US" sz="4000" b="1" dirty="0" smtClean="0">
+              <a:rPr lang="en-US" sz="4000" b="1" dirty="0">
                 <a:solidFill>
                   <a:srgbClr val="002060"/>
                 </a:solidFill>
@@ -3621,7 +3603,7 @@
               <a:t>P</a:t>
             </a:r>
             <a:r>
-              <a:rPr lang="en-US" sz="2800" b="1" dirty="0" smtClean="0">
+              <a:rPr lang="en-US" sz="2800" b="1" dirty="0">
                 <a:solidFill>
                   <a:srgbClr val="002060"/>
                 </a:solidFill>
@@ -3629,7 +3611,7 @@
               <a:t>(</a:t>
             </a:r>
             <a:r>
-              <a:rPr lang="en-US" sz="2800" b="1" dirty="0" err="1" smtClean="0">
+              <a:rPr lang="en-US" sz="2800" b="1" dirty="0" err="1">
                 <a:solidFill>
                   <a:srgbClr val="002060"/>
                 </a:solidFill>
@@ -3637,7 +3619,7 @@
               <a:t>px,py,pz</a:t>
             </a:r>
             <a:r>
-              <a:rPr lang="en-US" sz="2800" b="1" dirty="0" smtClean="0">
+              <a:rPr lang="en-US" sz="2800" b="1" dirty="0">
                 <a:solidFill>
                   <a:srgbClr val="002060"/>
                 </a:solidFill>
@@ -3862,13 +3844,798 @@
   <p:clrMapOvr>
     <a:masterClrMapping/>
   </p:clrMapOvr>
-  <p:timing>
-    <p:tnLst>
-      <p:par>
-        <p:cTn id="1" dur="indefinite" restart="never" nodeType="tmRoot"/>
-      </p:par>
-    </p:tnLst>
-  </p:timing>
+</p:sld>
+</file>
+
+<file path=ppt/slides/slide10.xml><?xml version="1.0" encoding="utf-8"?>
+<p:sld xmlns:a="http://schemas.openxmlformats.org/drawingml/2006/main" xmlns:r="http://schemas.openxmlformats.org/officeDocument/2006/relationships" xmlns:p="http://schemas.openxmlformats.org/presentationml/2006/main">
+  <p:cSld>
+    <p:spTree>
+      <p:nvGrpSpPr>
+        <p:cNvPr id="1" name=""/>
+        <p:cNvGrpSpPr/>
+        <p:nvPr/>
+      </p:nvGrpSpPr>
+      <p:grpSpPr>
+        <a:xfrm>
+          <a:off x="0" y="0"/>
+          <a:ext cx="0" cy="0"/>
+          <a:chOff x="0" y="0"/>
+          <a:chExt cx="0" cy="0"/>
+        </a:xfrm>
+      </p:grpSpPr>
+      <p:pic>
+        <p:nvPicPr>
+          <p:cNvPr id="4" name="Picture 3"/>
+          <p:cNvPicPr>
+            <a:picLocks noChangeAspect="1"/>
+          </p:cNvPicPr>
+          <p:nvPr/>
+        </p:nvPicPr>
+        <p:blipFill>
+          <a:blip r:embed="rId2">
+            <a:extLst>
+              <a:ext uri="{28A0092B-C50C-407E-A947-70E740481C1C}">
+                <a14:useLocalDpi xmlns:a14="http://schemas.microsoft.com/office/drawing/2010/main" val="0"/>
+              </a:ext>
+            </a:extLst>
+          </a:blip>
+          <a:stretch>
+            <a:fillRect/>
+          </a:stretch>
+        </p:blipFill>
+        <p:spPr>
+          <a:xfrm>
+            <a:off x="1975592" y="1402080"/>
+            <a:ext cx="7975582" cy="4007371"/>
+          </a:xfrm>
+          <a:prstGeom prst="rect">
+            <a:avLst/>
+          </a:prstGeom>
+        </p:spPr>
+      </p:pic>
+      <p:sp>
+        <p:nvSpPr>
+          <p:cNvPr id="5" name="TextBox 4"/>
+          <p:cNvSpPr txBox="1"/>
+          <p:nvPr/>
+        </p:nvSpPr>
+        <p:spPr>
+          <a:xfrm>
+            <a:off x="5135880" y="2849880"/>
+            <a:ext cx="370614" cy="461665"/>
+          </a:xfrm>
+          <a:prstGeom prst="rect">
+            <a:avLst/>
+          </a:prstGeom>
+          <a:noFill/>
+        </p:spPr>
+        <p:txBody>
+          <a:bodyPr wrap="none" rtlCol="0">
+            <a:spAutoFit/>
+          </a:bodyPr>
+          <a:lstStyle/>
+          <a:p>
+            <a:r>
+              <a:rPr lang="en-US" sz="2400" b="1" dirty="0">
+                <a:solidFill>
+                  <a:srgbClr val="FF0000"/>
+                </a:solidFill>
+              </a:rPr>
+              <a:t>A</a:t>
+            </a:r>
+            <a:endParaRPr lang="en-US" b="1" dirty="0">
+              <a:solidFill>
+                <a:srgbClr val="FF0000"/>
+              </a:solidFill>
+            </a:endParaRPr>
+          </a:p>
+        </p:txBody>
+      </p:sp>
+      <p:sp>
+        <p:nvSpPr>
+          <p:cNvPr id="6" name="TextBox 5"/>
+          <p:cNvSpPr txBox="1"/>
+          <p:nvPr/>
+        </p:nvSpPr>
+        <p:spPr>
+          <a:xfrm>
+            <a:off x="4965813" y="4025217"/>
+            <a:ext cx="370614" cy="461665"/>
+          </a:xfrm>
+          <a:prstGeom prst="rect">
+            <a:avLst/>
+          </a:prstGeom>
+          <a:noFill/>
+        </p:spPr>
+        <p:txBody>
+          <a:bodyPr wrap="none" rtlCol="0">
+            <a:spAutoFit/>
+          </a:bodyPr>
+          <a:lstStyle/>
+          <a:p>
+            <a:r>
+              <a:rPr lang="en-US" sz="2400" b="1" dirty="0">
+                <a:solidFill>
+                  <a:srgbClr val="FF0000"/>
+                </a:solidFill>
+              </a:rPr>
+              <a:t>B</a:t>
+            </a:r>
+            <a:endParaRPr lang="en-US" b="1" dirty="0">
+              <a:solidFill>
+                <a:srgbClr val="FF0000"/>
+              </a:solidFill>
+            </a:endParaRPr>
+          </a:p>
+        </p:txBody>
+      </p:sp>
+      <p:sp>
+        <p:nvSpPr>
+          <p:cNvPr id="7" name="TextBox 6"/>
+          <p:cNvSpPr txBox="1"/>
+          <p:nvPr/>
+        </p:nvSpPr>
+        <p:spPr>
+          <a:xfrm>
+            <a:off x="6568361" y="2788544"/>
+            <a:ext cx="378630" cy="461665"/>
+          </a:xfrm>
+          <a:prstGeom prst="rect">
+            <a:avLst/>
+          </a:prstGeom>
+          <a:noFill/>
+        </p:spPr>
+        <p:txBody>
+          <a:bodyPr wrap="none" rtlCol="0">
+            <a:spAutoFit/>
+          </a:bodyPr>
+          <a:lstStyle/>
+          <a:p>
+            <a:r>
+              <a:rPr lang="en-US" sz="2400" b="1" dirty="0">
+                <a:solidFill>
+                  <a:srgbClr val="FF0000"/>
+                </a:solidFill>
+              </a:rPr>
+              <a:t>D</a:t>
+            </a:r>
+            <a:endParaRPr lang="en-US" b="1" dirty="0">
+              <a:solidFill>
+                <a:srgbClr val="FF0000"/>
+              </a:solidFill>
+            </a:endParaRPr>
+          </a:p>
+        </p:txBody>
+      </p:sp>
+      <p:sp>
+        <p:nvSpPr>
+          <p:cNvPr id="8" name="TextBox 7"/>
+          <p:cNvSpPr txBox="1"/>
+          <p:nvPr/>
+        </p:nvSpPr>
+        <p:spPr>
+          <a:xfrm>
+            <a:off x="6809853" y="3861666"/>
+            <a:ext cx="348172" cy="461665"/>
+          </a:xfrm>
+          <a:prstGeom prst="rect">
+            <a:avLst/>
+          </a:prstGeom>
+          <a:noFill/>
+        </p:spPr>
+        <p:txBody>
+          <a:bodyPr wrap="none" rtlCol="0">
+            <a:spAutoFit/>
+          </a:bodyPr>
+          <a:lstStyle/>
+          <a:p>
+            <a:r>
+              <a:rPr lang="en-US" sz="2400" b="1" dirty="0">
+                <a:solidFill>
+                  <a:srgbClr val="FF0000"/>
+                </a:solidFill>
+              </a:rPr>
+              <a:t>C</a:t>
+            </a:r>
+            <a:endParaRPr lang="en-US" b="1" dirty="0">
+              <a:solidFill>
+                <a:srgbClr val="FF0000"/>
+              </a:solidFill>
+            </a:endParaRPr>
+          </a:p>
+        </p:txBody>
+      </p:sp>
+      <p:sp>
+        <p:nvSpPr>
+          <p:cNvPr id="9" name="Oval 8"/>
+          <p:cNvSpPr/>
+          <p:nvPr/>
+        </p:nvSpPr>
+        <p:spPr>
+          <a:xfrm flipH="1" flipV="1">
+            <a:off x="5036820" y="3159145"/>
+            <a:ext cx="167640" cy="182880"/>
+          </a:xfrm>
+          <a:prstGeom prst="ellipse">
+            <a:avLst/>
+          </a:prstGeom>
+          <a:solidFill>
+            <a:srgbClr val="FF0000"/>
+          </a:solidFill>
+          <a:ln>
+            <a:noFill/>
+          </a:ln>
+        </p:spPr>
+        <p:style>
+          <a:lnRef idx="2">
+            <a:schemeClr val="accent1">
+              <a:shade val="50000"/>
+            </a:schemeClr>
+          </a:lnRef>
+          <a:fillRef idx="1">
+            <a:schemeClr val="accent1"/>
+          </a:fillRef>
+          <a:effectRef idx="0">
+            <a:schemeClr val="accent1"/>
+          </a:effectRef>
+          <a:fontRef idx="minor">
+            <a:schemeClr val="lt1"/>
+          </a:fontRef>
+        </p:style>
+        <p:txBody>
+          <a:bodyPr rtlCol="0" anchor="ctr"/>
+          <a:lstStyle/>
+          <a:p>
+            <a:pPr algn="ctr"/>
+            <a:endParaRPr lang="en-US"/>
+          </a:p>
+        </p:txBody>
+      </p:sp>
+      <p:sp>
+        <p:nvSpPr>
+          <p:cNvPr id="10" name="Oval 9"/>
+          <p:cNvSpPr/>
+          <p:nvPr/>
+        </p:nvSpPr>
+        <p:spPr>
+          <a:xfrm flipH="1" flipV="1">
+            <a:off x="4966857" y="3964257"/>
+            <a:ext cx="167640" cy="182880"/>
+          </a:xfrm>
+          <a:prstGeom prst="ellipse">
+            <a:avLst/>
+          </a:prstGeom>
+          <a:solidFill>
+            <a:srgbClr val="FF0000"/>
+          </a:solidFill>
+          <a:ln>
+            <a:noFill/>
+          </a:ln>
+        </p:spPr>
+        <p:style>
+          <a:lnRef idx="2">
+            <a:schemeClr val="accent1">
+              <a:shade val="50000"/>
+            </a:schemeClr>
+          </a:lnRef>
+          <a:fillRef idx="1">
+            <a:schemeClr val="accent1"/>
+          </a:fillRef>
+          <a:effectRef idx="0">
+            <a:schemeClr val="accent1"/>
+          </a:effectRef>
+          <a:fontRef idx="minor">
+            <a:schemeClr val="lt1"/>
+          </a:fontRef>
+        </p:style>
+        <p:txBody>
+          <a:bodyPr rtlCol="0" anchor="ctr"/>
+          <a:lstStyle/>
+          <a:p>
+            <a:pPr algn="ctr"/>
+            <a:endParaRPr lang="en-US"/>
+          </a:p>
+        </p:txBody>
+      </p:sp>
+      <p:sp>
+        <p:nvSpPr>
+          <p:cNvPr id="11" name="Oval 10"/>
+          <p:cNvSpPr/>
+          <p:nvPr/>
+        </p:nvSpPr>
+        <p:spPr>
+          <a:xfrm flipH="1" flipV="1">
+            <a:off x="6779351" y="3842337"/>
+            <a:ext cx="167640" cy="182880"/>
+          </a:xfrm>
+          <a:prstGeom prst="ellipse">
+            <a:avLst/>
+          </a:prstGeom>
+          <a:solidFill>
+            <a:srgbClr val="FF0000"/>
+          </a:solidFill>
+          <a:ln>
+            <a:noFill/>
+          </a:ln>
+        </p:spPr>
+        <p:style>
+          <a:lnRef idx="2">
+            <a:schemeClr val="accent1">
+              <a:shade val="50000"/>
+            </a:schemeClr>
+          </a:lnRef>
+          <a:fillRef idx="1">
+            <a:schemeClr val="accent1"/>
+          </a:fillRef>
+          <a:effectRef idx="0">
+            <a:schemeClr val="accent1"/>
+          </a:effectRef>
+          <a:fontRef idx="minor">
+            <a:schemeClr val="lt1"/>
+          </a:fontRef>
+        </p:style>
+        <p:txBody>
+          <a:bodyPr rtlCol="0" anchor="ctr"/>
+          <a:lstStyle/>
+          <a:p>
+            <a:pPr algn="ctr"/>
+            <a:endParaRPr lang="en-US"/>
+          </a:p>
+        </p:txBody>
+      </p:sp>
+      <p:sp>
+        <p:nvSpPr>
+          <p:cNvPr id="12" name="Oval 11"/>
+          <p:cNvSpPr/>
+          <p:nvPr/>
+        </p:nvSpPr>
+        <p:spPr>
+          <a:xfrm flipH="1" flipV="1">
+            <a:off x="6568361" y="3133130"/>
+            <a:ext cx="167640" cy="182880"/>
+          </a:xfrm>
+          <a:prstGeom prst="ellipse">
+            <a:avLst/>
+          </a:prstGeom>
+          <a:solidFill>
+            <a:srgbClr val="FF0000"/>
+          </a:solidFill>
+          <a:ln>
+            <a:noFill/>
+          </a:ln>
+        </p:spPr>
+        <p:style>
+          <a:lnRef idx="2">
+            <a:schemeClr val="accent1">
+              <a:shade val="50000"/>
+            </a:schemeClr>
+          </a:lnRef>
+          <a:fillRef idx="1">
+            <a:schemeClr val="accent1"/>
+          </a:fillRef>
+          <a:effectRef idx="0">
+            <a:schemeClr val="accent1"/>
+          </a:effectRef>
+          <a:fontRef idx="minor">
+            <a:schemeClr val="lt1"/>
+          </a:fontRef>
+        </p:style>
+        <p:txBody>
+          <a:bodyPr rtlCol="0" anchor="ctr"/>
+          <a:lstStyle/>
+          <a:p>
+            <a:pPr algn="ctr"/>
+            <a:endParaRPr lang="en-US"/>
+          </a:p>
+        </p:txBody>
+      </p:sp>
+    </p:spTree>
+    <p:extLst>
+      <p:ext uri="{BB962C8B-B14F-4D97-AF65-F5344CB8AC3E}">
+        <p14:creationId xmlns:p14="http://schemas.microsoft.com/office/powerpoint/2010/main" val="3873191890"/>
+      </p:ext>
+    </p:extLst>
+  </p:cSld>
+  <p:clrMapOvr>
+    <a:masterClrMapping/>
+  </p:clrMapOvr>
+</p:sld>
+</file>
+
+<file path=ppt/slides/slide11.xml><?xml version="1.0" encoding="utf-8"?>
+<p:sld xmlns:a="http://schemas.openxmlformats.org/drawingml/2006/main" xmlns:r="http://schemas.openxmlformats.org/officeDocument/2006/relationships" xmlns:p="http://schemas.openxmlformats.org/presentationml/2006/main">
+  <p:cSld>
+    <p:spTree>
+      <p:nvGrpSpPr>
+        <p:cNvPr id="1" name=""/>
+        <p:cNvGrpSpPr/>
+        <p:nvPr/>
+      </p:nvGrpSpPr>
+      <p:grpSpPr>
+        <a:xfrm>
+          <a:off x="0" y="0"/>
+          <a:ext cx="0" cy="0"/>
+          <a:chOff x="0" y="0"/>
+          <a:chExt cx="0" cy="0"/>
+        </a:xfrm>
+      </p:grpSpPr>
+      <p:pic>
+        <p:nvPicPr>
+          <p:cNvPr id="4" name="Picture 3"/>
+          <p:cNvPicPr>
+            <a:picLocks noChangeAspect="1"/>
+          </p:cNvPicPr>
+          <p:nvPr/>
+        </p:nvPicPr>
+        <p:blipFill>
+          <a:blip r:embed="rId2">
+            <a:extLst>
+              <a:ext uri="{28A0092B-C50C-407E-A947-70E740481C1C}">
+                <a14:useLocalDpi xmlns:a14="http://schemas.microsoft.com/office/drawing/2010/main" val="0"/>
+              </a:ext>
+            </a:extLst>
+          </a:blip>
+          <a:stretch>
+            <a:fillRect/>
+          </a:stretch>
+        </p:blipFill>
+        <p:spPr>
+          <a:xfrm>
+            <a:off x="2418837" y="1838103"/>
+            <a:ext cx="7354326" cy="3181794"/>
+          </a:xfrm>
+          <a:prstGeom prst="rect">
+            <a:avLst/>
+          </a:prstGeom>
+        </p:spPr>
+      </p:pic>
+      <p:sp>
+        <p:nvSpPr>
+          <p:cNvPr id="5" name="Oval 4"/>
+          <p:cNvSpPr/>
+          <p:nvPr/>
+        </p:nvSpPr>
+        <p:spPr>
+          <a:xfrm flipH="1" flipV="1">
+            <a:off x="5768340" y="2884825"/>
+            <a:ext cx="167640" cy="182880"/>
+          </a:xfrm>
+          <a:prstGeom prst="ellipse">
+            <a:avLst/>
+          </a:prstGeom>
+          <a:solidFill>
+            <a:srgbClr val="FF0000"/>
+          </a:solidFill>
+          <a:ln>
+            <a:noFill/>
+          </a:ln>
+        </p:spPr>
+        <p:style>
+          <a:lnRef idx="2">
+            <a:schemeClr val="accent1">
+              <a:shade val="50000"/>
+            </a:schemeClr>
+          </a:lnRef>
+          <a:fillRef idx="1">
+            <a:schemeClr val="accent1"/>
+          </a:fillRef>
+          <a:effectRef idx="0">
+            <a:schemeClr val="accent1"/>
+          </a:effectRef>
+          <a:fontRef idx="minor">
+            <a:schemeClr val="lt1"/>
+          </a:fontRef>
+        </p:style>
+        <p:txBody>
+          <a:bodyPr rtlCol="0" anchor="ctr"/>
+          <a:lstStyle/>
+          <a:p>
+            <a:pPr algn="ctr"/>
+            <a:endParaRPr lang="en-US"/>
+          </a:p>
+        </p:txBody>
+      </p:sp>
+      <p:sp>
+        <p:nvSpPr>
+          <p:cNvPr id="6" name="Oval 5"/>
+          <p:cNvSpPr/>
+          <p:nvPr/>
+        </p:nvSpPr>
+        <p:spPr>
+          <a:xfrm flipH="1" flipV="1">
+            <a:off x="5737860" y="3646825"/>
+            <a:ext cx="167640" cy="182880"/>
+          </a:xfrm>
+          <a:prstGeom prst="ellipse">
+            <a:avLst/>
+          </a:prstGeom>
+          <a:solidFill>
+            <a:srgbClr val="FF0000"/>
+          </a:solidFill>
+          <a:ln>
+            <a:noFill/>
+          </a:ln>
+        </p:spPr>
+        <p:style>
+          <a:lnRef idx="2">
+            <a:schemeClr val="accent1">
+              <a:shade val="50000"/>
+            </a:schemeClr>
+          </a:lnRef>
+          <a:fillRef idx="1">
+            <a:schemeClr val="accent1"/>
+          </a:fillRef>
+          <a:effectRef idx="0">
+            <a:schemeClr val="accent1"/>
+          </a:effectRef>
+          <a:fontRef idx="minor">
+            <a:schemeClr val="lt1"/>
+          </a:fontRef>
+        </p:style>
+        <p:txBody>
+          <a:bodyPr rtlCol="0" anchor="ctr"/>
+          <a:lstStyle/>
+          <a:p>
+            <a:pPr algn="ctr"/>
+            <a:endParaRPr lang="en-US"/>
+          </a:p>
+        </p:txBody>
+      </p:sp>
+      <p:sp>
+        <p:nvSpPr>
+          <p:cNvPr id="7" name="Oval 6"/>
+          <p:cNvSpPr/>
+          <p:nvPr/>
+        </p:nvSpPr>
+        <p:spPr>
+          <a:xfrm flipH="1" flipV="1">
+            <a:off x="6850380" y="2823865"/>
+            <a:ext cx="167640" cy="182880"/>
+          </a:xfrm>
+          <a:prstGeom prst="ellipse">
+            <a:avLst/>
+          </a:prstGeom>
+          <a:solidFill>
+            <a:srgbClr val="FF0000"/>
+          </a:solidFill>
+          <a:ln>
+            <a:noFill/>
+          </a:ln>
+        </p:spPr>
+        <p:style>
+          <a:lnRef idx="2">
+            <a:schemeClr val="accent1">
+              <a:shade val="50000"/>
+            </a:schemeClr>
+          </a:lnRef>
+          <a:fillRef idx="1">
+            <a:schemeClr val="accent1"/>
+          </a:fillRef>
+          <a:effectRef idx="0">
+            <a:schemeClr val="accent1"/>
+          </a:effectRef>
+          <a:fontRef idx="minor">
+            <a:schemeClr val="lt1"/>
+          </a:fontRef>
+        </p:style>
+        <p:txBody>
+          <a:bodyPr rtlCol="0" anchor="ctr"/>
+          <a:lstStyle/>
+          <a:p>
+            <a:pPr algn="ctr"/>
+            <a:endParaRPr lang="en-US"/>
+          </a:p>
+        </p:txBody>
+      </p:sp>
+      <p:sp>
+        <p:nvSpPr>
+          <p:cNvPr id="8" name="Oval 7"/>
+          <p:cNvSpPr/>
+          <p:nvPr/>
+        </p:nvSpPr>
+        <p:spPr>
+          <a:xfrm flipH="1" flipV="1">
+            <a:off x="6949440" y="3555385"/>
+            <a:ext cx="167640" cy="182880"/>
+          </a:xfrm>
+          <a:prstGeom prst="ellipse">
+            <a:avLst/>
+          </a:prstGeom>
+          <a:solidFill>
+            <a:srgbClr val="FF0000"/>
+          </a:solidFill>
+          <a:ln>
+            <a:noFill/>
+          </a:ln>
+        </p:spPr>
+        <p:style>
+          <a:lnRef idx="2">
+            <a:schemeClr val="accent1">
+              <a:shade val="50000"/>
+            </a:schemeClr>
+          </a:lnRef>
+          <a:fillRef idx="1">
+            <a:schemeClr val="accent1"/>
+          </a:fillRef>
+          <a:effectRef idx="0">
+            <a:schemeClr val="accent1"/>
+          </a:effectRef>
+          <a:fontRef idx="minor">
+            <a:schemeClr val="lt1"/>
+          </a:fontRef>
+        </p:style>
+        <p:txBody>
+          <a:bodyPr rtlCol="0" anchor="ctr"/>
+          <a:lstStyle/>
+          <a:p>
+            <a:pPr algn="ctr"/>
+            <a:endParaRPr lang="en-US"/>
+          </a:p>
+        </p:txBody>
+      </p:sp>
+      <p:sp>
+        <p:nvSpPr>
+          <p:cNvPr id="9" name="TextBox 8"/>
+          <p:cNvSpPr txBox="1"/>
+          <p:nvPr/>
+        </p:nvSpPr>
+        <p:spPr>
+          <a:xfrm>
+            <a:off x="5836920" y="2514600"/>
+            <a:ext cx="370614" cy="461665"/>
+          </a:xfrm>
+          <a:prstGeom prst="rect">
+            <a:avLst/>
+          </a:prstGeom>
+          <a:noFill/>
+        </p:spPr>
+        <p:txBody>
+          <a:bodyPr wrap="none" rtlCol="0">
+            <a:spAutoFit/>
+          </a:bodyPr>
+          <a:lstStyle/>
+          <a:p>
+            <a:r>
+              <a:rPr lang="en-US" sz="2400" b="1" dirty="0">
+                <a:solidFill>
+                  <a:srgbClr val="FF0000"/>
+                </a:solidFill>
+              </a:rPr>
+              <a:t>A</a:t>
+            </a:r>
+            <a:endParaRPr lang="en-US" b="1" dirty="0">
+              <a:solidFill>
+                <a:srgbClr val="FF0000"/>
+              </a:solidFill>
+            </a:endParaRPr>
+          </a:p>
+        </p:txBody>
+      </p:sp>
+      <p:sp>
+        <p:nvSpPr>
+          <p:cNvPr id="10" name="TextBox 9"/>
+          <p:cNvSpPr txBox="1"/>
+          <p:nvPr/>
+        </p:nvSpPr>
+        <p:spPr>
+          <a:xfrm>
+            <a:off x="5768340" y="3738265"/>
+            <a:ext cx="370614" cy="461665"/>
+          </a:xfrm>
+          <a:prstGeom prst="rect">
+            <a:avLst/>
+          </a:prstGeom>
+          <a:noFill/>
+        </p:spPr>
+        <p:txBody>
+          <a:bodyPr wrap="none" rtlCol="0">
+            <a:spAutoFit/>
+          </a:bodyPr>
+          <a:lstStyle/>
+          <a:p>
+            <a:r>
+              <a:rPr lang="en-US" sz="2400" b="1" dirty="0">
+                <a:solidFill>
+                  <a:srgbClr val="FF0000"/>
+                </a:solidFill>
+              </a:rPr>
+              <a:t>B</a:t>
+            </a:r>
+            <a:endParaRPr lang="en-US" b="1" dirty="0">
+              <a:solidFill>
+                <a:srgbClr val="FF0000"/>
+              </a:solidFill>
+            </a:endParaRPr>
+          </a:p>
+        </p:txBody>
+      </p:sp>
+      <p:sp>
+        <p:nvSpPr>
+          <p:cNvPr id="11" name="TextBox 10"/>
+          <p:cNvSpPr txBox="1"/>
+          <p:nvPr/>
+        </p:nvSpPr>
+        <p:spPr>
+          <a:xfrm>
+            <a:off x="7018020" y="3662800"/>
+            <a:ext cx="348172" cy="461665"/>
+          </a:xfrm>
+          <a:prstGeom prst="rect">
+            <a:avLst/>
+          </a:prstGeom>
+          <a:noFill/>
+        </p:spPr>
+        <p:txBody>
+          <a:bodyPr wrap="none" rtlCol="0">
+            <a:spAutoFit/>
+          </a:bodyPr>
+          <a:lstStyle/>
+          <a:p>
+            <a:r>
+              <a:rPr lang="en-US" sz="2400" b="1" dirty="0">
+                <a:solidFill>
+                  <a:srgbClr val="FF0000"/>
+                </a:solidFill>
+              </a:rPr>
+              <a:t>C</a:t>
+            </a:r>
+            <a:endParaRPr lang="en-US" b="1" dirty="0">
+              <a:solidFill>
+                <a:srgbClr val="FF0000"/>
+              </a:solidFill>
+            </a:endParaRPr>
+          </a:p>
+        </p:txBody>
+      </p:sp>
+      <p:sp>
+        <p:nvSpPr>
+          <p:cNvPr id="12" name="TextBox 11"/>
+          <p:cNvSpPr txBox="1"/>
+          <p:nvPr/>
+        </p:nvSpPr>
+        <p:spPr>
+          <a:xfrm>
+            <a:off x="6908992" y="2473345"/>
+            <a:ext cx="378630" cy="461665"/>
+          </a:xfrm>
+          <a:prstGeom prst="rect">
+            <a:avLst/>
+          </a:prstGeom>
+          <a:noFill/>
+        </p:spPr>
+        <p:txBody>
+          <a:bodyPr wrap="none" rtlCol="0">
+            <a:spAutoFit/>
+          </a:bodyPr>
+          <a:lstStyle/>
+          <a:p>
+            <a:r>
+              <a:rPr lang="en-US" sz="2400" b="1" dirty="0">
+                <a:solidFill>
+                  <a:srgbClr val="FF0000"/>
+                </a:solidFill>
+              </a:rPr>
+              <a:t>D</a:t>
+            </a:r>
+            <a:endParaRPr lang="en-US" b="1" dirty="0">
+              <a:solidFill>
+                <a:srgbClr val="FF0000"/>
+              </a:solidFill>
+            </a:endParaRPr>
+          </a:p>
+        </p:txBody>
+      </p:sp>
+    </p:spTree>
+    <p:extLst>
+      <p:ext uri="{BB962C8B-B14F-4D97-AF65-F5344CB8AC3E}">
+        <p14:creationId xmlns:p14="http://schemas.microsoft.com/office/powerpoint/2010/main" val="1827203326"/>
+      </p:ext>
+    </p:extLst>
+  </p:cSld>
+  <p:clrMapOvr>
+    <a:masterClrMapping/>
+  </p:clrMapOvr>
 </p:sld>
 </file>
 
@@ -3896,9 +4663,9 @@
           <p:nvPr/>
         </p:nvCxnSpPr>
         <p:spPr>
-          <a:xfrm flipH="1" flipV="1">
-            <a:off x="6732580" y="666259"/>
-            <a:ext cx="0" cy="5033501"/>
+          <a:xfrm>
+            <a:off x="6740612" y="853544"/>
+            <a:ext cx="0" cy="5151016"/>
           </a:xfrm>
           <a:prstGeom prst="straightConnector1">
             <a:avLst/>
@@ -3976,9 +4743,9 @@
             <a:avLst/>
           </a:prstGeom>
           <a:noFill/>
-          <a:ln w="101600">
+          <a:ln w="57150">
             <a:solidFill>
-              <a:srgbClr val="C00000"/>
+              <a:schemeClr val="accent1"/>
             </a:solidFill>
           </a:ln>
         </p:spPr>
@@ -4009,14 +4776,14 @@
       </p:sp>
       <p:sp>
         <p:nvSpPr>
-          <p:cNvPr id="20" name="TextBox 19"/>
+          <p:cNvPr id="16" name="TextBox 15"/>
           <p:cNvSpPr txBox="1"/>
           <p:nvPr/>
         </p:nvSpPr>
         <p:spPr>
           <a:xfrm>
-            <a:off x="6944086" y="539474"/>
-            <a:ext cx="537932" cy="707886"/>
+            <a:off x="3389268" y="1200836"/>
+            <a:ext cx="2822078" cy="584775"/>
           </a:xfrm>
           <a:prstGeom prst="rect">
             <a:avLst/>
@@ -4030,22 +4797,25 @@
           <a:lstStyle/>
           <a:p>
             <a:r>
-              <a:rPr lang="en-US" sz="4000" b="1" dirty="0" smtClean="0"/>
-              <a:t>y</a:t>
-            </a:r>
-            <a:endParaRPr lang="en-US" b="1" dirty="0"/>
-          </a:p>
-        </p:txBody>
-      </p:sp>
-      <p:sp>
-        <p:nvSpPr>
-          <p:cNvPr id="21" name="TextBox 20"/>
+              <a:rPr lang="en-US" sz="3200" b="1" dirty="0">
+                <a:solidFill>
+                  <a:srgbClr val="002060"/>
+                </a:solidFill>
+              </a:rPr>
+              <a:t>D</a:t>
+            </a:r>
+          </a:p>
+        </p:txBody>
+      </p:sp>
+      <p:sp>
+        <p:nvSpPr>
+          <p:cNvPr id="20" name="TextBox 19"/>
           <p:cNvSpPr txBox="1"/>
           <p:nvPr/>
         </p:nvSpPr>
         <p:spPr>
           <a:xfrm>
-            <a:off x="10712897" y="3093616"/>
+            <a:off x="6867475" y="5169708"/>
             <a:ext cx="537932" cy="707886"/>
           </a:xfrm>
           <a:prstGeom prst="rect">
@@ -4060,7 +4830,37 @@
           <a:lstStyle/>
           <a:p>
             <a:r>
-              <a:rPr lang="en-US" sz="4000" b="1" dirty="0" smtClean="0"/>
+              <a:rPr lang="en-US" sz="4000" b="1" dirty="0"/>
+              <a:t>z</a:t>
+            </a:r>
+            <a:endParaRPr lang="en-US" b="1" dirty="0"/>
+          </a:p>
+        </p:txBody>
+      </p:sp>
+      <p:sp>
+        <p:nvSpPr>
+          <p:cNvPr id="21" name="TextBox 20"/>
+          <p:cNvSpPr txBox="1"/>
+          <p:nvPr/>
+        </p:nvSpPr>
+        <p:spPr>
+          <a:xfrm>
+            <a:off x="10687770" y="3048386"/>
+            <a:ext cx="537932" cy="707886"/>
+          </a:xfrm>
+          <a:prstGeom prst="rect">
+            <a:avLst/>
+          </a:prstGeom>
+          <a:noFill/>
+        </p:spPr>
+        <p:txBody>
+          <a:bodyPr wrap="square" rtlCol="0">
+            <a:spAutoFit/>
+          </a:bodyPr>
+          <a:lstStyle/>
+          <a:p>
+            <a:r>
+              <a:rPr lang="en-US" sz="4000" b="1" dirty="0"/>
               <a:t>x</a:t>
             </a:r>
             <a:endParaRPr lang="en-US" b="1" dirty="0"/>
@@ -4070,13 +4870,15 @@
       <p:cxnSp>
         <p:nvCxnSpPr>
           <p:cNvPr id="23" name="Straight Connector 22"/>
-          <p:cNvCxnSpPr/>
+          <p:cNvCxnSpPr>
+            <a:cxnSpLocks/>
+          </p:cNvCxnSpPr>
           <p:nvPr/>
         </p:nvCxnSpPr>
         <p:spPr>
-          <a:xfrm>
-            <a:off x="3915858" y="1783080"/>
-            <a:ext cx="5644154" cy="2590800"/>
+          <a:xfrm flipV="1">
+            <a:off x="3921212" y="1794211"/>
+            <a:ext cx="5638800" cy="2586583"/>
           </a:xfrm>
           <a:prstGeom prst="line">
             <a:avLst/>
@@ -4105,19 +4907,19 @@
       </p:cxnSp>
       <p:cxnSp>
         <p:nvCxnSpPr>
-          <p:cNvPr id="22" name="Straight Arrow Connector 21"/>
+          <p:cNvPr id="25" name="Straight Arrow Connector 24"/>
           <p:cNvCxnSpPr/>
           <p:nvPr/>
         </p:nvCxnSpPr>
         <p:spPr>
           <a:xfrm>
-            <a:off x="3915858" y="685800"/>
+            <a:off x="3915858" y="773465"/>
             <a:ext cx="5644154" cy="0"/>
           </a:xfrm>
           <a:prstGeom prst="straightConnector1">
             <a:avLst/>
           </a:prstGeom>
-          <a:ln w="123825">
+          <a:ln w="38100">
             <a:solidFill>
               <a:srgbClr val="00B050"/>
             </a:solidFill>
@@ -4142,14 +4944,14 @@
       </p:cxnSp>
       <p:sp>
         <p:nvSpPr>
-          <p:cNvPr id="24" name="TextBox 23"/>
+          <p:cNvPr id="27" name="TextBox 26"/>
           <p:cNvSpPr txBox="1"/>
           <p:nvPr/>
         </p:nvSpPr>
         <p:spPr>
-          <a:xfrm>
-            <a:off x="4068258" y="76200"/>
-            <a:ext cx="5644154" cy="523220"/>
+          <a:xfrm rot="16200000">
+            <a:off x="587503" y="2780706"/>
+            <a:ext cx="2530613" cy="523220"/>
           </a:xfrm>
           <a:prstGeom prst="rect">
             <a:avLst/>
@@ -4164,14 +4966,14 @@
           <a:p>
             <a:pPr algn="ctr"/>
             <a:r>
-              <a:rPr lang="en-US" sz="2800" dirty="0" err="1" smtClean="0">
+              <a:rPr lang="en-US" sz="2800" dirty="0" err="1">
                 <a:solidFill>
                   <a:srgbClr val="00B050"/>
                 </a:solidFill>
               </a:rPr>
               <a:t>Comprimento</a:t>
             </a:r>
-            <a:endParaRPr lang="en-US" dirty="0">
+            <a:endParaRPr lang="en-US" sz="2800" dirty="0">
               <a:solidFill>
                 <a:srgbClr val="00B050"/>
               </a:solidFill>
@@ -4179,48 +4981,9 @@
           </a:p>
         </p:txBody>
       </p:sp>
-      <p:sp>
-        <p:nvSpPr>
-          <p:cNvPr id="25" name="TextBox 24"/>
-          <p:cNvSpPr txBox="1"/>
-          <p:nvPr/>
-        </p:nvSpPr>
-        <p:spPr>
-          <a:xfrm rot="16200000">
-            <a:off x="453990" y="2786777"/>
-            <a:ext cx="2530613" cy="523220"/>
-          </a:xfrm>
-          <a:prstGeom prst="rect">
-            <a:avLst/>
-          </a:prstGeom>
-          <a:noFill/>
-        </p:spPr>
-        <p:txBody>
-          <a:bodyPr wrap="square" rtlCol="0">
-            <a:spAutoFit/>
-          </a:bodyPr>
-          <a:lstStyle/>
-          <a:p>
-            <a:pPr algn="ctr"/>
-            <a:r>
-              <a:rPr lang="en-US" sz="2800" dirty="0" err="1" smtClean="0">
-                <a:solidFill>
-                  <a:srgbClr val="00B050"/>
-                </a:solidFill>
-              </a:rPr>
-              <a:t>Altura</a:t>
-            </a:r>
-            <a:endParaRPr lang="en-US" dirty="0">
-              <a:solidFill>
-                <a:srgbClr val="00B050"/>
-              </a:solidFill>
-            </a:endParaRPr>
-          </a:p>
-        </p:txBody>
-      </p:sp>
       <p:cxnSp>
         <p:nvCxnSpPr>
-          <p:cNvPr id="26" name="Straight Arrow Connector 25"/>
+          <p:cNvPr id="28" name="Straight Arrow Connector 27"/>
           <p:cNvCxnSpPr/>
           <p:nvPr/>
         </p:nvCxnSpPr>
@@ -4232,7 +4995,7 @@
           <a:prstGeom prst="straightConnector1">
             <a:avLst/>
           </a:prstGeom>
-          <a:ln w="123825">
+          <a:ln w="38100">
             <a:solidFill>
               <a:srgbClr val="00B050"/>
             </a:solidFill>
@@ -4257,14 +5020,14 @@
       </p:cxnSp>
       <p:sp>
         <p:nvSpPr>
-          <p:cNvPr id="27" name="TextBox 26"/>
+          <p:cNvPr id="31" name="TextBox 30"/>
           <p:cNvSpPr txBox="1"/>
           <p:nvPr/>
         </p:nvSpPr>
         <p:spPr>
           <a:xfrm>
-            <a:off x="3383280" y="1075194"/>
-            <a:ext cx="2822078" cy="707886"/>
+            <a:off x="3852475" y="167654"/>
+            <a:ext cx="5644154" cy="523220"/>
           </a:xfrm>
           <a:prstGeom prst="rect">
             <a:avLst/>
@@ -4277,37 +5040,52 @@
           </a:bodyPr>
           <a:lstStyle/>
           <a:p>
-            <a:r>
-              <a:rPr lang="en-US" sz="4000" b="1" dirty="0" smtClean="0">
+            <a:pPr algn="ctr"/>
+            <a:r>
+              <a:rPr lang="en-US" sz="2800" dirty="0" err="1">
+                <a:solidFill>
+                  <a:srgbClr val="00B050"/>
+                </a:solidFill>
+              </a:rPr>
+              <a:t>Largura</a:t>
+            </a:r>
+            <a:endParaRPr lang="en-US" sz="2800" dirty="0">
+              <a:solidFill>
+                <a:srgbClr val="00B050"/>
+              </a:solidFill>
+            </a:endParaRPr>
+          </a:p>
+        </p:txBody>
+      </p:sp>
+      <p:sp>
+        <p:nvSpPr>
+          <p:cNvPr id="24" name="TextBox 23"/>
+          <p:cNvSpPr txBox="1"/>
+          <p:nvPr/>
+        </p:nvSpPr>
+        <p:spPr>
+          <a:xfrm>
+            <a:off x="3389268" y="4308314"/>
+            <a:ext cx="2822078" cy="584775"/>
+          </a:xfrm>
+          <a:prstGeom prst="rect">
+            <a:avLst/>
+          </a:prstGeom>
+          <a:noFill/>
+        </p:spPr>
+        <p:txBody>
+          <a:bodyPr wrap="square" rtlCol="0">
+            <a:spAutoFit/>
+          </a:bodyPr>
+          <a:lstStyle/>
+          <a:p>
+            <a:r>
+              <a:rPr lang="en-US" sz="3200" b="1" dirty="0">
                 <a:solidFill>
                   <a:srgbClr val="002060"/>
                 </a:solidFill>
               </a:rPr>
               <a:t>A</a:t>
-            </a:r>
-            <a:r>
-              <a:rPr lang="en-US" sz="2800" b="1" dirty="0" smtClean="0">
-                <a:solidFill>
-                  <a:srgbClr val="002060"/>
-                </a:solidFill>
-              </a:rPr>
-              <a:t>(</a:t>
-            </a:r>
-            <a:r>
-              <a:rPr lang="en-US" sz="2800" b="1" dirty="0" err="1" smtClean="0">
-                <a:solidFill>
-                  <a:srgbClr val="002060"/>
-                </a:solidFill>
-              </a:rPr>
-              <a:t>ax,ay,az</a:t>
-            </a:r>
-            <a:r>
-              <a:rPr lang="en-US" sz="2800" b="1" dirty="0" smtClean="0">
-                <a:solidFill>
-                  <a:srgbClr val="002060"/>
-                </a:solidFill>
-              </a:rPr>
-              <a:t>)</a:t>
             </a:r>
             <a:endParaRPr lang="en-US" sz="1200" b="1" dirty="0">
               <a:solidFill>
@@ -4319,14 +5097,14 @@
       </p:sp>
       <p:sp>
         <p:nvSpPr>
-          <p:cNvPr id="28" name="TextBox 27"/>
+          <p:cNvPr id="26" name="TextBox 25"/>
           <p:cNvSpPr txBox="1"/>
           <p:nvPr/>
         </p:nvSpPr>
         <p:spPr>
           <a:xfrm>
-            <a:off x="3394622" y="4283600"/>
-            <a:ext cx="2822078" cy="707886"/>
+            <a:off x="9570824" y="4379951"/>
+            <a:ext cx="2822078" cy="584775"/>
           </a:xfrm>
           <a:prstGeom prst="rect">
             <a:avLst/>
@@ -4340,42 +5118,13 @@
           <a:lstStyle/>
           <a:p>
             <a:r>
-              <a:rPr lang="en-US" sz="4000" b="1" dirty="0" smtClean="0">
+              <a:rPr lang="en-US" sz="3200" b="1" dirty="0">
                 <a:solidFill>
                   <a:srgbClr val="002060"/>
                 </a:solidFill>
               </a:rPr>
               <a:t>B</a:t>
             </a:r>
-            <a:r>
-              <a:rPr lang="en-US" sz="2800" b="1" dirty="0" smtClean="0">
-                <a:solidFill>
-                  <a:srgbClr val="002060"/>
-                </a:solidFill>
-              </a:rPr>
-              <a:t>(</a:t>
-            </a:r>
-            <a:r>
-              <a:rPr lang="en-US" sz="2800" b="1" dirty="0" err="1" smtClean="0">
-                <a:solidFill>
-                  <a:srgbClr val="002060"/>
-                </a:solidFill>
-              </a:rPr>
-              <a:t>bx,by,bz</a:t>
-            </a:r>
-            <a:r>
-              <a:rPr lang="en-US" sz="2800" b="1" dirty="0" smtClean="0">
-                <a:solidFill>
-                  <a:srgbClr val="002060"/>
-                </a:solidFill>
-              </a:rPr>
-              <a:t>)</a:t>
-            </a:r>
-            <a:endParaRPr lang="en-US" sz="1200" b="1" dirty="0">
-              <a:solidFill>
-                <a:srgbClr val="002060"/>
-              </a:solidFill>
-            </a:endParaRPr>
           </a:p>
         </p:txBody>
       </p:sp>
@@ -4387,8 +5136,8 @@
         </p:nvSpPr>
         <p:spPr>
           <a:xfrm>
-            <a:off x="9351286" y="4308314"/>
-            <a:ext cx="2822078" cy="707886"/>
+            <a:off x="9551978" y="1192235"/>
+            <a:ext cx="2822078" cy="584775"/>
           </a:xfrm>
           <a:prstGeom prst="rect">
             <a:avLst/>
@@ -4402,42 +5151,13 @@
           <a:lstStyle/>
           <a:p>
             <a:r>
-              <a:rPr lang="en-US" sz="4000" b="1" dirty="0" smtClean="0">
+              <a:rPr lang="en-US" sz="3200" b="1" dirty="0">
                 <a:solidFill>
                   <a:srgbClr val="002060"/>
                 </a:solidFill>
               </a:rPr>
               <a:t>C</a:t>
             </a:r>
-            <a:r>
-              <a:rPr lang="en-US" sz="2800" b="1" dirty="0" smtClean="0">
-                <a:solidFill>
-                  <a:srgbClr val="002060"/>
-                </a:solidFill>
-              </a:rPr>
-              <a:t>(</a:t>
-            </a:r>
-            <a:r>
-              <a:rPr lang="en-US" sz="2800" b="1" dirty="0" err="1" smtClean="0">
-                <a:solidFill>
-                  <a:srgbClr val="002060"/>
-                </a:solidFill>
-              </a:rPr>
-              <a:t>cx,cy,cz</a:t>
-            </a:r>
-            <a:r>
-              <a:rPr lang="en-US" sz="2800" b="1" dirty="0" smtClean="0">
-                <a:solidFill>
-                  <a:srgbClr val="002060"/>
-                </a:solidFill>
-              </a:rPr>
-              <a:t>)</a:t>
-            </a:r>
-            <a:endParaRPr lang="en-US" sz="1200" b="1" dirty="0">
-              <a:solidFill>
-                <a:srgbClr val="002060"/>
-              </a:solidFill>
-            </a:endParaRPr>
           </a:p>
         </p:txBody>
       </p:sp>
@@ -4449,8 +5169,8 @@
         </p:nvSpPr>
         <p:spPr>
           <a:xfrm>
-            <a:off x="9369922" y="1099623"/>
-            <a:ext cx="2822078" cy="707886"/>
+            <a:off x="6800026" y="2485104"/>
+            <a:ext cx="2822078" cy="584775"/>
           </a:xfrm>
           <a:prstGeom prst="rect">
             <a:avLst/>
@@ -4464,121 +5184,33 @@
           <a:lstStyle/>
           <a:p>
             <a:r>
-              <a:rPr lang="en-US" sz="4000" b="1" dirty="0" smtClean="0">
-                <a:solidFill>
-                  <a:srgbClr val="002060"/>
-                </a:solidFill>
-              </a:rPr>
-              <a:t>D</a:t>
-            </a:r>
-            <a:r>
-              <a:rPr lang="en-US" sz="2800" b="1" dirty="0" smtClean="0">
-                <a:solidFill>
-                  <a:srgbClr val="002060"/>
-                </a:solidFill>
-              </a:rPr>
-              <a:t>(</a:t>
-            </a:r>
-            <a:r>
-              <a:rPr lang="en-US" sz="2800" b="1" dirty="0" err="1" smtClean="0">
-                <a:solidFill>
-                  <a:srgbClr val="002060"/>
-                </a:solidFill>
-              </a:rPr>
-              <a:t>dx,dy,dz</a:t>
-            </a:r>
-            <a:r>
-              <a:rPr lang="en-US" sz="2800" b="1" dirty="0" smtClean="0">
-                <a:solidFill>
-                  <a:srgbClr val="002060"/>
-                </a:solidFill>
-              </a:rPr>
-              <a:t>)</a:t>
-            </a:r>
-            <a:endParaRPr lang="en-US" sz="1200" b="1" dirty="0">
-              <a:solidFill>
-                <a:srgbClr val="002060"/>
-              </a:solidFill>
-            </a:endParaRPr>
-          </a:p>
-        </p:txBody>
-      </p:sp>
-      <p:sp>
-        <p:nvSpPr>
-          <p:cNvPr id="31" name="TextBox 30"/>
-          <p:cNvSpPr txBox="1"/>
-          <p:nvPr/>
-        </p:nvSpPr>
-        <p:spPr>
-          <a:xfrm>
-            <a:off x="6737935" y="2403332"/>
-            <a:ext cx="2822078" cy="707886"/>
-          </a:xfrm>
-          <a:prstGeom prst="rect">
-            <a:avLst/>
-          </a:prstGeom>
-          <a:noFill/>
-        </p:spPr>
-        <p:txBody>
-          <a:bodyPr wrap="square" rtlCol="0">
-            <a:spAutoFit/>
-          </a:bodyPr>
-          <a:lstStyle/>
-          <a:p>
-            <a:r>
-              <a:rPr lang="en-US" sz="4000" b="1" dirty="0" smtClean="0">
+              <a:rPr lang="en-US" sz="3200" b="1" dirty="0">
                 <a:solidFill>
                   <a:srgbClr val="002060"/>
                 </a:solidFill>
               </a:rPr>
               <a:t>P</a:t>
             </a:r>
-            <a:r>
-              <a:rPr lang="en-US" sz="2800" b="1" dirty="0" smtClean="0">
-                <a:solidFill>
-                  <a:srgbClr val="002060"/>
-                </a:solidFill>
-              </a:rPr>
-              <a:t>(</a:t>
-            </a:r>
-            <a:r>
-              <a:rPr lang="en-US" sz="2800" b="1" dirty="0" err="1" smtClean="0">
-                <a:solidFill>
-                  <a:srgbClr val="002060"/>
-                </a:solidFill>
-              </a:rPr>
-              <a:t>px,py,pz</a:t>
-            </a:r>
-            <a:r>
-              <a:rPr lang="en-US" sz="2800" b="1" dirty="0" smtClean="0">
-                <a:solidFill>
-                  <a:srgbClr val="002060"/>
-                </a:solidFill>
-              </a:rPr>
-              <a:t>)</a:t>
-            </a:r>
-            <a:endParaRPr lang="en-US" sz="1200" b="1" dirty="0">
-              <a:solidFill>
-                <a:srgbClr val="002060"/>
-              </a:solidFill>
-            </a:endParaRPr>
-          </a:p>
-        </p:txBody>
-      </p:sp>
-      <p:sp>
-        <p:nvSpPr>
-          <p:cNvPr id="32" name="Oval 31"/>
+          </a:p>
+        </p:txBody>
+      </p:sp>
+      <p:sp>
+        <p:nvSpPr>
+          <p:cNvPr id="40" name="Oval 39"/>
           <p:cNvSpPr/>
           <p:nvPr/>
         </p:nvSpPr>
         <p:spPr>
           <a:xfrm>
-            <a:off x="3788995" y="1661057"/>
-            <a:ext cx="259081" cy="231071"/>
+            <a:off x="6652312" y="2981158"/>
+            <a:ext cx="191632" cy="177441"/>
           </a:xfrm>
           <a:prstGeom prst="ellipse">
             <a:avLst/>
           </a:prstGeom>
+          <a:solidFill>
+            <a:srgbClr val="FF0000"/>
+          </a:solidFill>
         </p:spPr>
         <p:style>
           <a:lnRef idx="2">
@@ -4607,18 +5239,21 @@
       </p:sp>
       <p:sp>
         <p:nvSpPr>
-          <p:cNvPr id="33" name="Oval 32"/>
+          <p:cNvPr id="32" name="Oval 31"/>
           <p:cNvSpPr/>
           <p:nvPr/>
         </p:nvSpPr>
         <p:spPr>
           <a:xfrm>
-            <a:off x="3784055" y="4258344"/>
-            <a:ext cx="259081" cy="231071"/>
+            <a:off x="9474908" y="1709889"/>
+            <a:ext cx="191632" cy="177441"/>
           </a:xfrm>
           <a:prstGeom prst="ellipse">
             <a:avLst/>
           </a:prstGeom>
+          <a:solidFill>
+            <a:srgbClr val="FF0000"/>
+          </a:solidFill>
         </p:spPr>
         <p:style>
           <a:lnRef idx="2">
@@ -4647,18 +5282,21 @@
       </p:sp>
       <p:sp>
         <p:nvSpPr>
-          <p:cNvPr id="34" name="Oval 33"/>
+          <p:cNvPr id="33" name="Oval 32"/>
           <p:cNvSpPr/>
           <p:nvPr/>
         </p:nvSpPr>
         <p:spPr>
           <a:xfrm>
-            <a:off x="9427794" y="1678989"/>
-            <a:ext cx="259081" cy="231071"/>
+            <a:off x="9474908" y="4292073"/>
+            <a:ext cx="191632" cy="177441"/>
           </a:xfrm>
           <a:prstGeom prst="ellipse">
             <a:avLst/>
           </a:prstGeom>
+          <a:solidFill>
+            <a:srgbClr val="FF0000"/>
+          </a:solidFill>
         </p:spPr>
         <p:style>
           <a:lnRef idx="2">
@@ -4687,18 +5325,21 @@
       </p:sp>
       <p:sp>
         <p:nvSpPr>
-          <p:cNvPr id="35" name="Oval 34"/>
+          <p:cNvPr id="34" name="Oval 33"/>
           <p:cNvSpPr/>
           <p:nvPr/>
         </p:nvSpPr>
         <p:spPr>
           <a:xfrm>
-            <a:off x="9427793" y="4225515"/>
-            <a:ext cx="259081" cy="231071"/>
+            <a:off x="3821713" y="4294804"/>
+            <a:ext cx="191632" cy="177441"/>
           </a:xfrm>
           <a:prstGeom prst="ellipse">
             <a:avLst/>
           </a:prstGeom>
+          <a:solidFill>
+            <a:srgbClr val="FF0000"/>
+          </a:solidFill>
         </p:spPr>
         <p:style>
           <a:lnRef idx="2">
@@ -4727,18 +5368,21 @@
       </p:sp>
       <p:sp>
         <p:nvSpPr>
-          <p:cNvPr id="36" name="Oval 35"/>
+          <p:cNvPr id="35" name="Oval 34"/>
           <p:cNvSpPr/>
           <p:nvPr/>
         </p:nvSpPr>
         <p:spPr>
           <a:xfrm>
-            <a:off x="6608394" y="2932851"/>
-            <a:ext cx="259081" cy="231071"/>
+            <a:off x="3820042" y="1705491"/>
+            <a:ext cx="191632" cy="177441"/>
           </a:xfrm>
           <a:prstGeom prst="ellipse">
             <a:avLst/>
           </a:prstGeom>
+          <a:solidFill>
+            <a:srgbClr val="FF0000"/>
+          </a:solidFill>
         </p:spPr>
         <p:style>
           <a:lnRef idx="2">
@@ -4765,23 +5409,166 @@
           </a:p>
         </p:txBody>
       </p:sp>
+      <p:cxnSp>
+        <p:nvCxnSpPr>
+          <p:cNvPr id="11" name="Straight Connector 10"/>
+          <p:cNvCxnSpPr>
+            <a:cxnSpLocks/>
+          </p:cNvCxnSpPr>
+          <p:nvPr/>
+        </p:nvCxnSpPr>
+        <p:spPr>
+          <a:xfrm flipV="1">
+            <a:off x="4194495" y="2043111"/>
+            <a:ext cx="4454555" cy="1916493"/>
+          </a:xfrm>
+          <a:prstGeom prst="line">
+            <a:avLst/>
+          </a:prstGeom>
+          <a:ln w="12700">
+            <a:solidFill>
+              <a:srgbClr val="FFC000"/>
+            </a:solidFill>
+          </a:ln>
+        </p:spPr>
+        <p:style>
+          <a:lnRef idx="1">
+            <a:schemeClr val="accent1"/>
+          </a:lnRef>
+          <a:fillRef idx="0">
+            <a:schemeClr val="accent1"/>
+          </a:fillRef>
+          <a:effectRef idx="0">
+            <a:schemeClr val="accent1"/>
+          </a:effectRef>
+          <a:fontRef idx="minor">
+            <a:schemeClr val="tx1"/>
+          </a:fontRef>
+        </p:style>
+      </p:cxnSp>
+      <p:cxnSp>
+        <p:nvCxnSpPr>
+          <p:cNvPr id="14" name="Straight Arrow Connector 13"/>
+          <p:cNvCxnSpPr>
+            <a:cxnSpLocks/>
+          </p:cNvCxnSpPr>
+          <p:nvPr/>
+        </p:nvCxnSpPr>
+        <p:spPr>
+          <a:xfrm flipH="1">
+            <a:off x="4194495" y="2040176"/>
+            <a:ext cx="4454555" cy="2933"/>
+          </a:xfrm>
+          <a:prstGeom prst="straightConnector1">
+            <a:avLst/>
+          </a:prstGeom>
+          <a:ln w="12700">
+            <a:solidFill>
+              <a:srgbClr val="FFC000"/>
+            </a:solidFill>
+            <a:tailEnd type="triangle"/>
+          </a:ln>
+        </p:spPr>
+        <p:style>
+          <a:lnRef idx="1">
+            <a:schemeClr val="accent1"/>
+          </a:lnRef>
+          <a:fillRef idx="0">
+            <a:schemeClr val="accent1"/>
+          </a:fillRef>
+          <a:effectRef idx="0">
+            <a:schemeClr val="accent1"/>
+          </a:effectRef>
+          <a:fontRef idx="minor">
+            <a:schemeClr val="tx1"/>
+          </a:fontRef>
+        </p:style>
+      </p:cxnSp>
+      <p:cxnSp>
+        <p:nvCxnSpPr>
+          <p:cNvPr id="50" name="Straight Connector 49"/>
+          <p:cNvCxnSpPr>
+            <a:cxnSpLocks/>
+          </p:cNvCxnSpPr>
+          <p:nvPr/>
+        </p:nvCxnSpPr>
+        <p:spPr>
+          <a:xfrm flipV="1">
+            <a:off x="5142451" y="4081627"/>
+            <a:ext cx="4185949" cy="31145"/>
+          </a:xfrm>
+          <a:prstGeom prst="line">
+            <a:avLst/>
+          </a:prstGeom>
+          <a:ln w="12700">
+            <a:solidFill>
+              <a:srgbClr val="FFC000"/>
+            </a:solidFill>
+          </a:ln>
+        </p:spPr>
+        <p:style>
+          <a:lnRef idx="1">
+            <a:schemeClr val="accent1"/>
+          </a:lnRef>
+          <a:fillRef idx="0">
+            <a:schemeClr val="accent1"/>
+          </a:fillRef>
+          <a:effectRef idx="0">
+            <a:schemeClr val="accent1"/>
+          </a:effectRef>
+          <a:fontRef idx="minor">
+            <a:schemeClr val="tx1"/>
+          </a:fontRef>
+        </p:style>
+      </p:cxnSp>
+      <p:cxnSp>
+        <p:nvCxnSpPr>
+          <p:cNvPr id="53" name="Straight Arrow Connector 52"/>
+          <p:cNvCxnSpPr>
+            <a:cxnSpLocks/>
+          </p:cNvCxnSpPr>
+          <p:nvPr/>
+        </p:nvCxnSpPr>
+        <p:spPr>
+          <a:xfrm flipH="1" flipV="1">
+            <a:off x="9300329" y="2256639"/>
+            <a:ext cx="28071" cy="1840560"/>
+          </a:xfrm>
+          <a:prstGeom prst="straightConnector1">
+            <a:avLst/>
+          </a:prstGeom>
+          <a:ln w="12700">
+            <a:solidFill>
+              <a:srgbClr val="FFC000"/>
+            </a:solidFill>
+            <a:tailEnd type="triangle"/>
+          </a:ln>
+        </p:spPr>
+        <p:style>
+          <a:lnRef idx="1">
+            <a:schemeClr val="accent1"/>
+          </a:lnRef>
+          <a:fillRef idx="0">
+            <a:schemeClr val="accent1"/>
+          </a:fillRef>
+          <a:effectRef idx="0">
+            <a:schemeClr val="accent1"/>
+          </a:effectRef>
+          <a:fontRef idx="minor">
+            <a:schemeClr val="tx1"/>
+          </a:fontRef>
+        </p:style>
+      </p:cxnSp>
     </p:spTree>
     <p:extLst>
       <p:ext uri="{BB962C8B-B14F-4D97-AF65-F5344CB8AC3E}">
-        <p14:creationId xmlns:p14="http://schemas.microsoft.com/office/powerpoint/2010/main" val="2564607861"/>
+        <p14:creationId xmlns:p14="http://schemas.microsoft.com/office/powerpoint/2010/main" val="3364924911"/>
       </p:ext>
     </p:extLst>
   </p:cSld>
   <p:clrMapOvr>
     <a:masterClrMapping/>
   </p:clrMapOvr>
-  <p:timing>
-    <p:tnLst>
-      <p:par>
-        <p:cTn id="1" dur="indefinite" restart="never" nodeType="tmRoot"/>
-      </p:par>
-    </p:tnLst>
-  </p:timing>
 </p:sld>
 </file>
 
@@ -4804,14 +5591,14 @@
       </p:grpSpPr>
       <p:cxnSp>
         <p:nvCxnSpPr>
-          <p:cNvPr id="5" name="Straight Arrow Connector 4"/>
+          <p:cNvPr id="37" name="Straight Arrow Connector 36"/>
           <p:cNvCxnSpPr/>
           <p:nvPr/>
         </p:nvCxnSpPr>
         <p:spPr>
           <a:xfrm flipV="1">
-            <a:off x="6705600" y="838200"/>
-            <a:ext cx="0" cy="5760720"/>
+            <a:off x="2610572" y="3078480"/>
+            <a:ext cx="8667028" cy="0"/>
           </a:xfrm>
           <a:prstGeom prst="straightConnector1">
             <a:avLst/>
@@ -4840,14 +5627,14 @@
       </p:cxnSp>
       <p:cxnSp>
         <p:nvCxnSpPr>
-          <p:cNvPr id="9" name="Straight Arrow Connector 8"/>
+          <p:cNvPr id="36" name="Straight Arrow Connector 35"/>
           <p:cNvCxnSpPr/>
           <p:nvPr/>
         </p:nvCxnSpPr>
         <p:spPr>
-          <a:xfrm flipH="1">
-            <a:off x="2118360" y="3459480"/>
-            <a:ext cx="8714192" cy="0"/>
+          <a:xfrm flipH="1" flipV="1">
+            <a:off x="6732580" y="666259"/>
+            <a:ext cx="0" cy="5033501"/>
           </a:xfrm>
           <a:prstGeom prst="straightConnector1">
             <a:avLst/>
@@ -4882,16 +5669,16 @@
         </p:nvSpPr>
         <p:spPr>
           <a:xfrm>
-            <a:off x="3860252" y="2148840"/>
+            <a:off x="3921212" y="1783080"/>
             <a:ext cx="5638800" cy="2590800"/>
           </a:xfrm>
           <a:prstGeom prst="rect">
             <a:avLst/>
           </a:prstGeom>
           <a:noFill/>
-          <a:ln w="101600">
+          <a:ln w="57150">
             <a:solidFill>
-              <a:srgbClr val="C00000"/>
+              <a:schemeClr val="accent1"/>
             </a:solidFill>
           </a:ln>
         </p:spPr>
@@ -4922,14 +5709,14 @@
       </p:sp>
       <p:sp>
         <p:nvSpPr>
-          <p:cNvPr id="20" name="TextBox 19"/>
+          <p:cNvPr id="16" name="TextBox 15"/>
           <p:cNvSpPr txBox="1"/>
           <p:nvPr/>
         </p:nvSpPr>
         <p:spPr>
           <a:xfrm>
-            <a:off x="6905575" y="1087011"/>
-            <a:ext cx="537932" cy="707886"/>
+            <a:off x="3389268" y="1200836"/>
+            <a:ext cx="2822078" cy="584775"/>
           </a:xfrm>
           <a:prstGeom prst="rect">
             <a:avLst/>
@@ -4943,22 +5730,25 @@
           <a:lstStyle/>
           <a:p>
             <a:r>
-              <a:rPr lang="en-US" sz="4000" b="1" dirty="0" smtClean="0"/>
-              <a:t>y</a:t>
-            </a:r>
-            <a:endParaRPr lang="en-US" b="1" dirty="0"/>
-          </a:p>
-        </p:txBody>
-      </p:sp>
-      <p:sp>
-        <p:nvSpPr>
-          <p:cNvPr id="21" name="TextBox 20"/>
+              <a:rPr lang="en-US" sz="3200" b="1" dirty="0">
+                <a:solidFill>
+                  <a:srgbClr val="002060"/>
+                </a:solidFill>
+              </a:rPr>
+              <a:t>D</a:t>
+            </a:r>
+          </a:p>
+        </p:txBody>
+      </p:sp>
+      <p:sp>
+        <p:nvSpPr>
+          <p:cNvPr id="20" name="TextBox 19"/>
           <p:cNvSpPr txBox="1"/>
           <p:nvPr/>
         </p:nvSpPr>
         <p:spPr>
           <a:xfrm>
-            <a:off x="2448697" y="3459480"/>
+            <a:off x="6883917" y="718651"/>
             <a:ext cx="537932" cy="707886"/>
           </a:xfrm>
           <a:prstGeom prst="rect">
@@ -4973,8 +5763,38 @@
           <a:lstStyle/>
           <a:p>
             <a:r>
-              <a:rPr lang="en-US" sz="4000" b="1" dirty="0" smtClean="0"/>
-              <a:t>z</a:t>
+              <a:rPr lang="en-US" sz="4000" b="1" dirty="0"/>
+              <a:t>y</a:t>
+            </a:r>
+            <a:endParaRPr lang="en-US" b="1" dirty="0"/>
+          </a:p>
+        </p:txBody>
+      </p:sp>
+      <p:sp>
+        <p:nvSpPr>
+          <p:cNvPr id="21" name="TextBox 20"/>
+          <p:cNvSpPr txBox="1"/>
+          <p:nvPr/>
+        </p:nvSpPr>
+        <p:spPr>
+          <a:xfrm>
+            <a:off x="10687770" y="3048386"/>
+            <a:ext cx="537932" cy="707886"/>
+          </a:xfrm>
+          <a:prstGeom prst="rect">
+            <a:avLst/>
+          </a:prstGeom>
+          <a:noFill/>
+        </p:spPr>
+        <p:txBody>
+          <a:bodyPr wrap="square" rtlCol="0">
+            <a:spAutoFit/>
+          </a:bodyPr>
+          <a:lstStyle/>
+          <a:p>
+            <a:r>
+              <a:rPr lang="en-US" sz="4000" b="1" dirty="0"/>
+              <a:t>x</a:t>
             </a:r>
             <a:endParaRPr lang="en-US" b="1" dirty="0"/>
           </a:p>
@@ -4983,13 +5803,15 @@
       <p:cxnSp>
         <p:nvCxnSpPr>
           <p:cNvPr id="23" name="Straight Connector 22"/>
-          <p:cNvCxnSpPr/>
+          <p:cNvCxnSpPr>
+            <a:cxnSpLocks/>
+          </p:cNvCxnSpPr>
           <p:nvPr/>
         </p:nvCxnSpPr>
         <p:spPr>
           <a:xfrm>
-            <a:off x="3854898" y="2148840"/>
-            <a:ext cx="5644154" cy="2590800"/>
+            <a:off x="3925597" y="1798609"/>
+            <a:ext cx="5656376" cy="2563891"/>
           </a:xfrm>
           <a:prstGeom prst="line">
             <a:avLst/>
@@ -5018,19 +5840,19 @@
       </p:cxnSp>
       <p:cxnSp>
         <p:nvCxnSpPr>
-          <p:cNvPr id="22" name="Straight Arrow Connector 21"/>
+          <p:cNvPr id="25" name="Straight Arrow Connector 24"/>
           <p:cNvCxnSpPr/>
           <p:nvPr/>
         </p:nvCxnSpPr>
         <p:spPr>
           <a:xfrm>
-            <a:off x="3854898" y="716280"/>
+            <a:off x="3907824" y="5815679"/>
             <a:ext cx="5644154" cy="0"/>
           </a:xfrm>
           <a:prstGeom prst="straightConnector1">
             <a:avLst/>
           </a:prstGeom>
-          <a:ln w="123825">
+          <a:ln w="38100">
             <a:solidFill>
               <a:srgbClr val="00B050"/>
             </a:solidFill>
@@ -5055,14 +5877,14 @@
       </p:cxnSp>
       <p:sp>
         <p:nvSpPr>
-          <p:cNvPr id="24" name="TextBox 23"/>
+          <p:cNvPr id="27" name="TextBox 26"/>
           <p:cNvSpPr txBox="1"/>
           <p:nvPr/>
         </p:nvSpPr>
         <p:spPr>
-          <a:xfrm>
-            <a:off x="4007298" y="106680"/>
-            <a:ext cx="5644154" cy="523220"/>
+          <a:xfrm rot="16200000">
+            <a:off x="587503" y="2780706"/>
+            <a:ext cx="2530613" cy="523220"/>
           </a:xfrm>
           <a:prstGeom prst="rect">
             <a:avLst/>
@@ -5077,14 +5899,14 @@
           <a:p>
             <a:pPr algn="ctr"/>
             <a:r>
-              <a:rPr lang="en-US" sz="2800" dirty="0" err="1" smtClean="0">
+              <a:rPr lang="en-US" sz="2800" dirty="0" err="1">
                 <a:solidFill>
                   <a:srgbClr val="00B050"/>
                 </a:solidFill>
               </a:rPr>
-              <a:t>Comprimento</a:t>
-            </a:r>
-            <a:endParaRPr lang="en-US" dirty="0">
+              <a:t>Altura</a:t>
+            </a:r>
+            <a:endParaRPr lang="en-US" sz="2800" dirty="0">
               <a:solidFill>
                 <a:srgbClr val="00B050"/>
               </a:solidFill>
@@ -5092,60 +5914,21 @@
           </a:p>
         </p:txBody>
       </p:sp>
-      <p:sp>
-        <p:nvSpPr>
-          <p:cNvPr id="25" name="TextBox 24"/>
-          <p:cNvSpPr txBox="1"/>
-          <p:nvPr/>
-        </p:nvSpPr>
-        <p:spPr>
-          <a:xfrm rot="16200000">
-            <a:off x="393030" y="3152537"/>
-            <a:ext cx="2530613" cy="523220"/>
-          </a:xfrm>
-          <a:prstGeom prst="rect">
-            <a:avLst/>
-          </a:prstGeom>
-          <a:noFill/>
-        </p:spPr>
-        <p:txBody>
-          <a:bodyPr wrap="square" rtlCol="0">
-            <a:spAutoFit/>
-          </a:bodyPr>
-          <a:lstStyle/>
-          <a:p>
-            <a:pPr algn="ctr"/>
-            <a:r>
-              <a:rPr lang="en-US" sz="2800" dirty="0" err="1" smtClean="0">
-                <a:solidFill>
-                  <a:srgbClr val="00B050"/>
-                </a:solidFill>
-              </a:rPr>
-              <a:t>Altura</a:t>
-            </a:r>
-            <a:endParaRPr lang="en-US" dirty="0">
-              <a:solidFill>
-                <a:srgbClr val="00B050"/>
-              </a:solidFill>
-            </a:endParaRPr>
-          </a:p>
-        </p:txBody>
-      </p:sp>
       <p:cxnSp>
         <p:nvCxnSpPr>
-          <p:cNvPr id="26" name="Straight Arrow Connector 25"/>
+          <p:cNvPr id="28" name="Straight Arrow Connector 27"/>
           <p:cNvCxnSpPr/>
           <p:nvPr/>
         </p:nvCxnSpPr>
         <p:spPr>
           <a:xfrm flipH="1">
-            <a:off x="2006327" y="2019300"/>
+            <a:off x="2250167" y="1653540"/>
             <a:ext cx="0" cy="2849880"/>
           </a:xfrm>
           <a:prstGeom prst="straightConnector1">
             <a:avLst/>
           </a:prstGeom>
-          <a:ln w="123825">
+          <a:ln w="38100">
             <a:solidFill>
               <a:srgbClr val="00B050"/>
             </a:solidFill>
@@ -5170,14 +5953,14 @@
       </p:cxnSp>
       <p:sp>
         <p:nvSpPr>
-          <p:cNvPr id="27" name="TextBox 26"/>
+          <p:cNvPr id="31" name="TextBox 30"/>
           <p:cNvSpPr txBox="1"/>
           <p:nvPr/>
         </p:nvSpPr>
         <p:spPr>
           <a:xfrm>
-            <a:off x="3316966" y="1471048"/>
-            <a:ext cx="2822078" cy="707886"/>
+            <a:off x="3907824" y="5815679"/>
+            <a:ext cx="5644154" cy="523220"/>
           </a:xfrm>
           <a:prstGeom prst="rect">
             <a:avLst/>
@@ -5190,37 +5973,52 @@
           </a:bodyPr>
           <a:lstStyle/>
           <a:p>
-            <a:r>
-              <a:rPr lang="en-US" sz="4000" b="1" dirty="0" smtClean="0">
+            <a:pPr algn="ctr"/>
+            <a:r>
+              <a:rPr lang="en-US" sz="2800" dirty="0" err="1">
+                <a:solidFill>
+                  <a:srgbClr val="00B050"/>
+                </a:solidFill>
+              </a:rPr>
+              <a:t>Largura</a:t>
+            </a:r>
+            <a:endParaRPr lang="en-US" sz="2800" dirty="0">
+              <a:solidFill>
+                <a:srgbClr val="00B050"/>
+              </a:solidFill>
+            </a:endParaRPr>
+          </a:p>
+        </p:txBody>
+      </p:sp>
+      <p:sp>
+        <p:nvSpPr>
+          <p:cNvPr id="24" name="TextBox 23"/>
+          <p:cNvSpPr txBox="1"/>
+          <p:nvPr/>
+        </p:nvSpPr>
+        <p:spPr>
+          <a:xfrm>
+            <a:off x="3389268" y="4308314"/>
+            <a:ext cx="2822078" cy="584775"/>
+          </a:xfrm>
+          <a:prstGeom prst="rect">
+            <a:avLst/>
+          </a:prstGeom>
+          <a:noFill/>
+        </p:spPr>
+        <p:txBody>
+          <a:bodyPr wrap="square" rtlCol="0">
+            <a:spAutoFit/>
+          </a:bodyPr>
+          <a:lstStyle/>
+          <a:p>
+            <a:r>
+              <a:rPr lang="en-US" sz="3200" b="1" dirty="0">
                 <a:solidFill>
                   <a:srgbClr val="002060"/>
                 </a:solidFill>
               </a:rPr>
               <a:t>A</a:t>
-            </a:r>
-            <a:r>
-              <a:rPr lang="en-US" sz="2800" b="1" dirty="0" smtClean="0">
-                <a:solidFill>
-                  <a:srgbClr val="002060"/>
-                </a:solidFill>
-              </a:rPr>
-              <a:t>(</a:t>
-            </a:r>
-            <a:r>
-              <a:rPr lang="en-US" sz="2800" b="1" dirty="0" err="1" smtClean="0">
-                <a:solidFill>
-                  <a:srgbClr val="002060"/>
-                </a:solidFill>
-              </a:rPr>
-              <a:t>ax,ay,az</a:t>
-            </a:r>
-            <a:r>
-              <a:rPr lang="en-US" sz="2800" b="1" dirty="0" smtClean="0">
-                <a:solidFill>
-                  <a:srgbClr val="002060"/>
-                </a:solidFill>
-              </a:rPr>
-              <a:t>)</a:t>
             </a:r>
             <a:endParaRPr lang="en-US" sz="1200" b="1" dirty="0">
               <a:solidFill>
@@ -5232,14 +6030,14 @@
       </p:sp>
       <p:sp>
         <p:nvSpPr>
-          <p:cNvPr id="28" name="TextBox 27"/>
+          <p:cNvPr id="26" name="TextBox 25"/>
           <p:cNvSpPr txBox="1"/>
           <p:nvPr/>
         </p:nvSpPr>
         <p:spPr>
           <a:xfrm>
-            <a:off x="3328308" y="4679454"/>
-            <a:ext cx="2822078" cy="707886"/>
+            <a:off x="9570824" y="4379951"/>
+            <a:ext cx="2822078" cy="584775"/>
           </a:xfrm>
           <a:prstGeom prst="rect">
             <a:avLst/>
@@ -5253,42 +6051,13 @@
           <a:lstStyle/>
           <a:p>
             <a:r>
-              <a:rPr lang="en-US" sz="4000" b="1" dirty="0" smtClean="0">
+              <a:rPr lang="en-US" sz="3200" b="1" dirty="0">
                 <a:solidFill>
                   <a:srgbClr val="002060"/>
                 </a:solidFill>
               </a:rPr>
               <a:t>B</a:t>
             </a:r>
-            <a:r>
-              <a:rPr lang="en-US" sz="2800" b="1" dirty="0" smtClean="0">
-                <a:solidFill>
-                  <a:srgbClr val="002060"/>
-                </a:solidFill>
-              </a:rPr>
-              <a:t>(</a:t>
-            </a:r>
-            <a:r>
-              <a:rPr lang="en-US" sz="2800" b="1" dirty="0" err="1" smtClean="0">
-                <a:solidFill>
-                  <a:srgbClr val="002060"/>
-                </a:solidFill>
-              </a:rPr>
-              <a:t>bx,by,bz</a:t>
-            </a:r>
-            <a:r>
-              <a:rPr lang="en-US" sz="2800" b="1" dirty="0" smtClean="0">
-                <a:solidFill>
-                  <a:srgbClr val="002060"/>
-                </a:solidFill>
-              </a:rPr>
-              <a:t>)</a:t>
-            </a:r>
-            <a:endParaRPr lang="en-US" sz="1200" b="1" dirty="0">
-              <a:solidFill>
-                <a:srgbClr val="002060"/>
-              </a:solidFill>
-            </a:endParaRPr>
           </a:p>
         </p:txBody>
       </p:sp>
@@ -5300,8 +6069,8 @@
         </p:nvSpPr>
         <p:spPr>
           <a:xfrm>
-            <a:off x="9284972" y="4704168"/>
-            <a:ext cx="2822078" cy="707886"/>
+            <a:off x="9551978" y="1192235"/>
+            <a:ext cx="2822078" cy="584775"/>
           </a:xfrm>
           <a:prstGeom prst="rect">
             <a:avLst/>
@@ -5315,42 +6084,13 @@
           <a:lstStyle/>
           <a:p>
             <a:r>
-              <a:rPr lang="en-US" sz="4000" b="1" dirty="0" smtClean="0">
+              <a:rPr lang="en-US" sz="3200" b="1" dirty="0">
                 <a:solidFill>
                   <a:srgbClr val="002060"/>
                 </a:solidFill>
               </a:rPr>
               <a:t>C</a:t>
             </a:r>
-            <a:r>
-              <a:rPr lang="en-US" sz="2800" b="1" dirty="0" smtClean="0">
-                <a:solidFill>
-                  <a:srgbClr val="002060"/>
-                </a:solidFill>
-              </a:rPr>
-              <a:t>(</a:t>
-            </a:r>
-            <a:r>
-              <a:rPr lang="en-US" sz="2800" b="1" dirty="0" err="1" smtClean="0">
-                <a:solidFill>
-                  <a:srgbClr val="002060"/>
-                </a:solidFill>
-              </a:rPr>
-              <a:t>cx,cy,cz</a:t>
-            </a:r>
-            <a:r>
-              <a:rPr lang="en-US" sz="2800" b="1" dirty="0" smtClean="0">
-                <a:solidFill>
-                  <a:srgbClr val="002060"/>
-                </a:solidFill>
-              </a:rPr>
-              <a:t>)</a:t>
-            </a:r>
-            <a:endParaRPr lang="en-US" sz="1200" b="1" dirty="0">
-              <a:solidFill>
-                <a:srgbClr val="002060"/>
-              </a:solidFill>
-            </a:endParaRPr>
           </a:p>
         </p:txBody>
       </p:sp>
@@ -5362,8 +6102,8 @@
         </p:nvSpPr>
         <p:spPr>
           <a:xfrm>
-            <a:off x="9303608" y="1495477"/>
-            <a:ext cx="2822078" cy="707886"/>
+            <a:off x="6800026" y="2485104"/>
+            <a:ext cx="2822078" cy="584775"/>
           </a:xfrm>
           <a:prstGeom prst="rect">
             <a:avLst/>
@@ -5377,121 +6117,33 @@
           <a:lstStyle/>
           <a:p>
             <a:r>
-              <a:rPr lang="en-US" sz="4000" b="1" dirty="0" smtClean="0">
-                <a:solidFill>
-                  <a:srgbClr val="002060"/>
-                </a:solidFill>
-              </a:rPr>
-              <a:t>D</a:t>
-            </a:r>
-            <a:r>
-              <a:rPr lang="en-US" sz="2800" b="1" dirty="0" smtClean="0">
-                <a:solidFill>
-                  <a:srgbClr val="002060"/>
-                </a:solidFill>
-              </a:rPr>
-              <a:t>(</a:t>
-            </a:r>
-            <a:r>
-              <a:rPr lang="en-US" sz="2800" b="1" dirty="0" err="1" smtClean="0">
-                <a:solidFill>
-                  <a:srgbClr val="002060"/>
-                </a:solidFill>
-              </a:rPr>
-              <a:t>dx,dy,dz</a:t>
-            </a:r>
-            <a:r>
-              <a:rPr lang="en-US" sz="2800" b="1" dirty="0" smtClean="0">
-                <a:solidFill>
-                  <a:srgbClr val="002060"/>
-                </a:solidFill>
-              </a:rPr>
-              <a:t>)</a:t>
-            </a:r>
-            <a:endParaRPr lang="en-US" sz="1200" b="1" dirty="0">
-              <a:solidFill>
-                <a:srgbClr val="002060"/>
-              </a:solidFill>
-            </a:endParaRPr>
-          </a:p>
-        </p:txBody>
-      </p:sp>
-      <p:sp>
-        <p:nvSpPr>
-          <p:cNvPr id="31" name="TextBox 30"/>
-          <p:cNvSpPr txBox="1"/>
-          <p:nvPr/>
-        </p:nvSpPr>
-        <p:spPr>
-          <a:xfrm>
-            <a:off x="6671621" y="2799186"/>
-            <a:ext cx="2822078" cy="707886"/>
-          </a:xfrm>
-          <a:prstGeom prst="rect">
-            <a:avLst/>
-          </a:prstGeom>
-          <a:noFill/>
-        </p:spPr>
-        <p:txBody>
-          <a:bodyPr wrap="square" rtlCol="0">
-            <a:spAutoFit/>
-          </a:bodyPr>
-          <a:lstStyle/>
-          <a:p>
-            <a:r>
-              <a:rPr lang="en-US" sz="4000" b="1" dirty="0" smtClean="0">
+              <a:rPr lang="en-US" sz="3200" b="1" dirty="0">
                 <a:solidFill>
                   <a:srgbClr val="002060"/>
                 </a:solidFill>
               </a:rPr>
               <a:t>P</a:t>
             </a:r>
-            <a:r>
-              <a:rPr lang="en-US" sz="2800" b="1" dirty="0" smtClean="0">
-                <a:solidFill>
-                  <a:srgbClr val="002060"/>
-                </a:solidFill>
-              </a:rPr>
-              <a:t>(</a:t>
-            </a:r>
-            <a:r>
-              <a:rPr lang="en-US" sz="2800" b="1" dirty="0" err="1" smtClean="0">
-                <a:solidFill>
-                  <a:srgbClr val="002060"/>
-                </a:solidFill>
-              </a:rPr>
-              <a:t>px,py,pz</a:t>
-            </a:r>
-            <a:r>
-              <a:rPr lang="en-US" sz="2800" b="1" dirty="0" smtClean="0">
-                <a:solidFill>
-                  <a:srgbClr val="002060"/>
-                </a:solidFill>
-              </a:rPr>
-              <a:t>)</a:t>
-            </a:r>
-            <a:endParaRPr lang="en-US" sz="1200" b="1" dirty="0">
-              <a:solidFill>
-                <a:srgbClr val="002060"/>
-              </a:solidFill>
-            </a:endParaRPr>
-          </a:p>
-        </p:txBody>
-      </p:sp>
-      <p:sp>
-        <p:nvSpPr>
-          <p:cNvPr id="32" name="Oval 31"/>
+          </a:p>
+        </p:txBody>
+      </p:sp>
+      <p:sp>
+        <p:nvSpPr>
+          <p:cNvPr id="40" name="Oval 39"/>
           <p:cNvSpPr/>
           <p:nvPr/>
         </p:nvSpPr>
         <p:spPr>
           <a:xfrm>
-            <a:off x="3768512" y="2060720"/>
-            <a:ext cx="259081" cy="231071"/>
+            <a:off x="6652312" y="2981158"/>
+            <a:ext cx="191632" cy="177441"/>
           </a:xfrm>
           <a:prstGeom prst="ellipse">
             <a:avLst/>
           </a:prstGeom>
+          <a:solidFill>
+            <a:srgbClr val="FF0000"/>
+          </a:solidFill>
         </p:spPr>
         <p:style>
           <a:lnRef idx="2">
@@ -5520,18 +6172,21 @@
       </p:sp>
       <p:sp>
         <p:nvSpPr>
-          <p:cNvPr id="33" name="Oval 32"/>
+          <p:cNvPr id="32" name="Oval 31"/>
           <p:cNvSpPr/>
           <p:nvPr/>
         </p:nvSpPr>
         <p:spPr>
           <a:xfrm>
-            <a:off x="3763572" y="4658007"/>
-            <a:ext cx="259081" cy="231071"/>
+            <a:off x="9474908" y="1709889"/>
+            <a:ext cx="191632" cy="177441"/>
           </a:xfrm>
           <a:prstGeom prst="ellipse">
             <a:avLst/>
           </a:prstGeom>
+          <a:solidFill>
+            <a:srgbClr val="FF0000"/>
+          </a:solidFill>
         </p:spPr>
         <p:style>
           <a:lnRef idx="2">
@@ -5560,18 +6215,21 @@
       </p:sp>
       <p:sp>
         <p:nvSpPr>
-          <p:cNvPr id="34" name="Oval 33"/>
+          <p:cNvPr id="33" name="Oval 32"/>
           <p:cNvSpPr/>
           <p:nvPr/>
         </p:nvSpPr>
         <p:spPr>
           <a:xfrm>
-            <a:off x="9394954" y="2053938"/>
-            <a:ext cx="259081" cy="231071"/>
+            <a:off x="9481639" y="4287411"/>
+            <a:ext cx="191632" cy="177441"/>
           </a:xfrm>
           <a:prstGeom prst="ellipse">
             <a:avLst/>
           </a:prstGeom>
+          <a:solidFill>
+            <a:srgbClr val="FF0000"/>
+          </a:solidFill>
         </p:spPr>
         <p:style>
           <a:lnRef idx="2">
@@ -5600,18 +6258,21 @@
       </p:sp>
       <p:sp>
         <p:nvSpPr>
-          <p:cNvPr id="35" name="Oval 34"/>
+          <p:cNvPr id="34" name="Oval 33"/>
           <p:cNvSpPr/>
           <p:nvPr/>
         </p:nvSpPr>
         <p:spPr>
           <a:xfrm>
-            <a:off x="9407310" y="4625178"/>
-            <a:ext cx="259081" cy="231071"/>
+            <a:off x="3821713" y="4294804"/>
+            <a:ext cx="191632" cy="177441"/>
           </a:xfrm>
           <a:prstGeom prst="ellipse">
             <a:avLst/>
           </a:prstGeom>
+          <a:solidFill>
+            <a:srgbClr val="FF0000"/>
+          </a:solidFill>
         </p:spPr>
         <p:style>
           <a:lnRef idx="2">
@@ -5640,18 +6301,21 @@
       </p:sp>
       <p:sp>
         <p:nvSpPr>
-          <p:cNvPr id="36" name="Oval 35"/>
+          <p:cNvPr id="35" name="Oval 34"/>
           <p:cNvSpPr/>
           <p:nvPr/>
         </p:nvSpPr>
         <p:spPr>
           <a:xfrm>
-            <a:off x="6587911" y="3332514"/>
-            <a:ext cx="259081" cy="231071"/>
+            <a:off x="3817367" y="1687559"/>
+            <a:ext cx="191632" cy="177441"/>
           </a:xfrm>
           <a:prstGeom prst="ellipse">
             <a:avLst/>
           </a:prstGeom>
+          <a:solidFill>
+            <a:srgbClr val="FF0000"/>
+          </a:solidFill>
         </p:spPr>
         <p:style>
           <a:lnRef idx="2">
@@ -5678,23 +6342,166 @@
           </a:p>
         </p:txBody>
       </p:sp>
+      <p:cxnSp>
+        <p:nvCxnSpPr>
+          <p:cNvPr id="11" name="Straight Connector 10"/>
+          <p:cNvCxnSpPr>
+            <a:cxnSpLocks/>
+          </p:cNvCxnSpPr>
+          <p:nvPr/>
+        </p:nvCxnSpPr>
+        <p:spPr>
+          <a:xfrm>
+            <a:off x="5047861" y="1994929"/>
+            <a:ext cx="4280539" cy="1951074"/>
+          </a:xfrm>
+          <a:prstGeom prst="line">
+            <a:avLst/>
+          </a:prstGeom>
+          <a:ln w="12700">
+            <a:solidFill>
+              <a:srgbClr val="FFC000"/>
+            </a:solidFill>
+          </a:ln>
+        </p:spPr>
+        <p:style>
+          <a:lnRef idx="1">
+            <a:schemeClr val="accent1"/>
+          </a:lnRef>
+          <a:fillRef idx="0">
+            <a:schemeClr val="accent1"/>
+          </a:fillRef>
+          <a:effectRef idx="0">
+            <a:schemeClr val="accent1"/>
+          </a:effectRef>
+          <a:fontRef idx="minor">
+            <a:schemeClr val="tx1"/>
+          </a:fontRef>
+        </p:style>
+      </p:cxnSp>
+      <p:cxnSp>
+        <p:nvCxnSpPr>
+          <p:cNvPr id="14" name="Straight Arrow Connector 13"/>
+          <p:cNvCxnSpPr>
+            <a:cxnSpLocks/>
+          </p:cNvCxnSpPr>
+          <p:nvPr/>
+        </p:nvCxnSpPr>
+        <p:spPr>
+          <a:xfrm flipH="1" flipV="1">
+            <a:off x="9315921" y="2081584"/>
+            <a:ext cx="12479" cy="1846676"/>
+          </a:xfrm>
+          <a:prstGeom prst="straightConnector1">
+            <a:avLst/>
+          </a:prstGeom>
+          <a:ln w="12700">
+            <a:solidFill>
+              <a:srgbClr val="FFC000"/>
+            </a:solidFill>
+            <a:tailEnd type="triangle"/>
+          </a:ln>
+        </p:spPr>
+        <p:style>
+          <a:lnRef idx="1">
+            <a:schemeClr val="accent1"/>
+          </a:lnRef>
+          <a:fillRef idx="0">
+            <a:schemeClr val="accent1"/>
+          </a:fillRef>
+          <a:effectRef idx="0">
+            <a:schemeClr val="accent1"/>
+          </a:effectRef>
+          <a:fontRef idx="minor">
+            <a:schemeClr val="tx1"/>
+          </a:fontRef>
+        </p:style>
+      </p:cxnSp>
+      <p:cxnSp>
+        <p:nvCxnSpPr>
+          <p:cNvPr id="50" name="Straight Connector 49"/>
+          <p:cNvCxnSpPr>
+            <a:cxnSpLocks/>
+          </p:cNvCxnSpPr>
+          <p:nvPr/>
+        </p:nvCxnSpPr>
+        <p:spPr>
+          <a:xfrm flipV="1">
+            <a:off x="4256043" y="4106620"/>
+            <a:ext cx="4098910" cy="15089"/>
+          </a:xfrm>
+          <a:prstGeom prst="line">
+            <a:avLst/>
+          </a:prstGeom>
+          <a:ln w="12700">
+            <a:solidFill>
+              <a:srgbClr val="FFC000"/>
+            </a:solidFill>
+          </a:ln>
+        </p:spPr>
+        <p:style>
+          <a:lnRef idx="1">
+            <a:schemeClr val="accent1"/>
+          </a:lnRef>
+          <a:fillRef idx="0">
+            <a:schemeClr val="accent1"/>
+          </a:fillRef>
+          <a:effectRef idx="0">
+            <a:schemeClr val="accent1"/>
+          </a:effectRef>
+          <a:fontRef idx="minor">
+            <a:schemeClr val="tx1"/>
+          </a:fontRef>
+        </p:style>
+      </p:cxnSp>
+      <p:cxnSp>
+        <p:nvCxnSpPr>
+          <p:cNvPr id="53" name="Straight Arrow Connector 52"/>
+          <p:cNvCxnSpPr>
+            <a:cxnSpLocks/>
+          </p:cNvCxnSpPr>
+          <p:nvPr/>
+        </p:nvCxnSpPr>
+        <p:spPr>
+          <a:xfrm flipH="1" flipV="1">
+            <a:off x="4136762" y="2235720"/>
+            <a:ext cx="4218191" cy="1862299"/>
+          </a:xfrm>
+          <a:prstGeom prst="straightConnector1">
+            <a:avLst/>
+          </a:prstGeom>
+          <a:ln w="12700">
+            <a:solidFill>
+              <a:srgbClr val="FFC000"/>
+            </a:solidFill>
+            <a:tailEnd type="triangle"/>
+          </a:ln>
+        </p:spPr>
+        <p:style>
+          <a:lnRef idx="1">
+            <a:schemeClr val="accent1"/>
+          </a:lnRef>
+          <a:fillRef idx="0">
+            <a:schemeClr val="accent1"/>
+          </a:fillRef>
+          <a:effectRef idx="0">
+            <a:schemeClr val="accent1"/>
+          </a:effectRef>
+          <a:fontRef idx="minor">
+            <a:schemeClr val="tx1"/>
+          </a:fontRef>
+        </p:style>
+      </p:cxnSp>
     </p:spTree>
     <p:extLst>
       <p:ext uri="{BB962C8B-B14F-4D97-AF65-F5344CB8AC3E}">
-        <p14:creationId xmlns:p14="http://schemas.microsoft.com/office/powerpoint/2010/main" val="743226083"/>
+        <p14:creationId xmlns:p14="http://schemas.microsoft.com/office/powerpoint/2010/main" val="1360410552"/>
       </p:ext>
     </p:extLst>
   </p:cSld>
   <p:clrMapOvr>
     <a:masterClrMapping/>
   </p:clrMapOvr>
-  <p:timing>
-    <p:tnLst>
-      <p:par>
-        <p:cTn id="1" dur="indefinite" restart="never" nodeType="tmRoot"/>
-      </p:par>
-    </p:tnLst>
-  </p:timing>
 </p:sld>
 </file>
 
@@ -5715,116 +6522,27 @@
           <a:chExt cx="0" cy="0"/>
         </a:xfrm>
       </p:grpSpPr>
-      <p:sp>
-        <p:nvSpPr>
-          <p:cNvPr id="5" name="Rectangle 4"/>
-          <p:cNvSpPr/>
-          <p:nvPr/>
-        </p:nvSpPr>
-        <p:spPr>
-          <a:xfrm>
-            <a:off x="4988842" y="979055"/>
-            <a:ext cx="5638800" cy="2590800"/>
-          </a:xfrm>
-          <a:prstGeom prst="rect">
-            <a:avLst/>
-          </a:prstGeom>
-          <a:noFill/>
+      <p:cxnSp>
+        <p:nvCxnSpPr>
+          <p:cNvPr id="41" name="Straight Arrow Connector 40"/>
+          <p:cNvCxnSpPr>
+            <a:cxnSpLocks/>
+          </p:cNvCxnSpPr>
+          <p:nvPr/>
+        </p:nvCxnSpPr>
+        <p:spPr>
+          <a:xfrm flipV="1">
+            <a:off x="6731447" y="718651"/>
+            <a:ext cx="14588" cy="4898378"/>
+          </a:xfrm>
+          <a:prstGeom prst="straightConnector1">
+            <a:avLst/>
+          </a:prstGeom>
           <a:ln w="101600">
             <a:solidFill>
-              <a:srgbClr val="C00000"/>
+              <a:schemeClr val="tx1"/>
             </a:solidFill>
-          </a:ln>
-        </p:spPr>
-        <p:style>
-          <a:lnRef idx="2">
-            <a:schemeClr val="accent1">
-              <a:shade val="50000"/>
-            </a:schemeClr>
-          </a:lnRef>
-          <a:fillRef idx="1">
-            <a:schemeClr val="accent1"/>
-          </a:fillRef>
-          <a:effectRef idx="0">
-            <a:schemeClr val="accent1"/>
-          </a:effectRef>
-          <a:fontRef idx="minor">
-            <a:schemeClr val="lt1"/>
-          </a:fontRef>
-        </p:style>
-        <p:txBody>
-          <a:bodyPr rtlCol="0" anchor="ctr"/>
-          <a:lstStyle/>
-          <a:p>
-            <a:pPr algn="ctr"/>
-            <a:endParaRPr lang="en-US"/>
-          </a:p>
-        </p:txBody>
-      </p:sp>
-      <p:sp>
-        <p:nvSpPr>
-          <p:cNvPr id="4" name="Rectangle 3"/>
-          <p:cNvSpPr/>
-          <p:nvPr/>
-        </p:nvSpPr>
-        <p:spPr>
-          <a:xfrm>
-            <a:off x="3860252" y="2204605"/>
-            <a:ext cx="5638800" cy="2590800"/>
-          </a:xfrm>
-          <a:prstGeom prst="rect">
-            <a:avLst/>
-          </a:prstGeom>
-          <a:noFill/>
-          <a:ln w="101600">
-            <a:solidFill>
-              <a:srgbClr val="C00000"/>
-            </a:solidFill>
-          </a:ln>
-        </p:spPr>
-        <p:style>
-          <a:lnRef idx="2">
-            <a:schemeClr val="accent1">
-              <a:shade val="50000"/>
-            </a:schemeClr>
-          </a:lnRef>
-          <a:fillRef idx="1">
-            <a:schemeClr val="accent1"/>
-          </a:fillRef>
-          <a:effectRef idx="0">
-            <a:schemeClr val="accent1"/>
-          </a:effectRef>
-          <a:fontRef idx="minor">
-            <a:schemeClr val="lt1"/>
-          </a:fontRef>
-        </p:style>
-        <p:txBody>
-          <a:bodyPr rtlCol="0" anchor="ctr"/>
-          <a:lstStyle/>
-          <a:p>
-            <a:pPr algn="ctr"/>
-            <a:endParaRPr lang="en-US"/>
-          </a:p>
-        </p:txBody>
-      </p:sp>
-      <p:cxnSp>
-        <p:nvCxnSpPr>
-          <p:cNvPr id="7" name="Straight Connector 6"/>
-          <p:cNvCxnSpPr/>
-          <p:nvPr/>
-        </p:nvCxnSpPr>
-        <p:spPr>
-          <a:xfrm flipV="1">
-            <a:off x="3860252" y="979056"/>
-            <a:ext cx="1128590" cy="1247138"/>
-          </a:xfrm>
-          <a:prstGeom prst="line">
-            <a:avLst/>
-          </a:prstGeom>
-          <a:ln w="101600">
-            <a:solidFill>
-              <a:srgbClr val="C00000"/>
-            </a:solidFill>
+            <a:tailEnd type="triangle"/>
           </a:ln>
         </p:spPr>
         <p:style>
@@ -5844,22 +6562,200 @@
       </p:cxnSp>
       <p:cxnSp>
         <p:nvCxnSpPr>
-          <p:cNvPr id="8" name="Straight Connector 7"/>
+          <p:cNvPr id="42" name="Straight Arrow Connector 41"/>
           <p:cNvCxnSpPr/>
           <p:nvPr/>
         </p:nvCxnSpPr>
         <p:spPr>
+          <a:xfrm flipH="1">
+            <a:off x="2414938" y="3057910"/>
+            <a:ext cx="8714192" cy="0"/>
+          </a:xfrm>
+          <a:prstGeom prst="straightConnector1">
+            <a:avLst/>
+          </a:prstGeom>
+          <a:ln w="101600">
+            <a:solidFill>
+              <a:schemeClr val="tx1"/>
+            </a:solidFill>
+            <a:tailEnd type="triangle"/>
+          </a:ln>
+        </p:spPr>
+        <p:style>
+          <a:lnRef idx="1">
+            <a:schemeClr val="accent1"/>
+          </a:lnRef>
+          <a:fillRef idx="0">
+            <a:schemeClr val="accent1"/>
+          </a:fillRef>
+          <a:effectRef idx="0">
+            <a:schemeClr val="accent1"/>
+          </a:effectRef>
+          <a:fontRef idx="minor">
+            <a:schemeClr val="tx1"/>
+          </a:fontRef>
+        </p:style>
+      </p:cxnSp>
+      <p:sp>
+        <p:nvSpPr>
+          <p:cNvPr id="15" name="Rectangle 14"/>
+          <p:cNvSpPr/>
+          <p:nvPr/>
+        </p:nvSpPr>
+        <p:spPr>
+          <a:xfrm>
+            <a:off x="3921212" y="1783080"/>
+            <a:ext cx="5638800" cy="2590800"/>
+          </a:xfrm>
+          <a:prstGeom prst="rect">
+            <a:avLst/>
+          </a:prstGeom>
+          <a:noFill/>
+          <a:ln w="57150">
+            <a:solidFill>
+              <a:schemeClr val="accent1"/>
+            </a:solidFill>
+          </a:ln>
+        </p:spPr>
+        <p:style>
+          <a:lnRef idx="2">
+            <a:schemeClr val="accent1">
+              <a:shade val="50000"/>
+            </a:schemeClr>
+          </a:lnRef>
+          <a:fillRef idx="1">
+            <a:schemeClr val="accent1"/>
+          </a:fillRef>
+          <a:effectRef idx="0">
+            <a:schemeClr val="accent1"/>
+          </a:effectRef>
+          <a:fontRef idx="minor">
+            <a:schemeClr val="lt1"/>
+          </a:fontRef>
+        </p:style>
+        <p:txBody>
+          <a:bodyPr rtlCol="0" anchor="ctr"/>
+          <a:lstStyle/>
+          <a:p>
+            <a:pPr algn="ctr"/>
+            <a:endParaRPr lang="en-US"/>
+          </a:p>
+        </p:txBody>
+      </p:sp>
+      <p:sp>
+        <p:nvSpPr>
+          <p:cNvPr id="16" name="TextBox 15"/>
+          <p:cNvSpPr txBox="1"/>
+          <p:nvPr/>
+        </p:nvSpPr>
+        <p:spPr>
+          <a:xfrm>
+            <a:off x="3389268" y="1200836"/>
+            <a:ext cx="2822078" cy="584775"/>
+          </a:xfrm>
+          <a:prstGeom prst="rect">
+            <a:avLst/>
+          </a:prstGeom>
+          <a:noFill/>
+        </p:spPr>
+        <p:txBody>
+          <a:bodyPr wrap="square" rtlCol="0">
+            <a:spAutoFit/>
+          </a:bodyPr>
+          <a:lstStyle/>
+          <a:p>
+            <a:r>
+              <a:rPr lang="en-US" sz="3200" b="1" dirty="0">
+                <a:solidFill>
+                  <a:srgbClr val="002060"/>
+                </a:solidFill>
+              </a:rPr>
+              <a:t>D</a:t>
+            </a:r>
+          </a:p>
+        </p:txBody>
+      </p:sp>
+      <p:sp>
+        <p:nvSpPr>
+          <p:cNvPr id="20" name="TextBox 19"/>
+          <p:cNvSpPr txBox="1"/>
+          <p:nvPr/>
+        </p:nvSpPr>
+        <p:spPr>
+          <a:xfrm>
+            <a:off x="6883917" y="718651"/>
+            <a:ext cx="537932" cy="707886"/>
+          </a:xfrm>
+          <a:prstGeom prst="rect">
+            <a:avLst/>
+          </a:prstGeom>
+          <a:noFill/>
+        </p:spPr>
+        <p:txBody>
+          <a:bodyPr wrap="square" rtlCol="0">
+            <a:spAutoFit/>
+          </a:bodyPr>
+          <a:lstStyle/>
+          <a:p>
+            <a:r>
+              <a:rPr lang="en-US" sz="4000" b="1" dirty="0"/>
+              <a:t>y</a:t>
+            </a:r>
+            <a:endParaRPr lang="en-US" b="1" dirty="0"/>
+          </a:p>
+        </p:txBody>
+      </p:sp>
+      <p:sp>
+        <p:nvSpPr>
+          <p:cNvPr id="21" name="TextBox 20"/>
+          <p:cNvSpPr txBox="1"/>
+          <p:nvPr/>
+        </p:nvSpPr>
+        <p:spPr>
+          <a:xfrm>
+            <a:off x="2728213" y="2969844"/>
+            <a:ext cx="537932" cy="707886"/>
+          </a:xfrm>
+          <a:prstGeom prst="rect">
+            <a:avLst/>
+          </a:prstGeom>
+          <a:noFill/>
+        </p:spPr>
+        <p:txBody>
+          <a:bodyPr wrap="square" rtlCol="0">
+            <a:spAutoFit/>
+          </a:bodyPr>
+          <a:lstStyle/>
+          <a:p>
+            <a:r>
+              <a:rPr lang="en-US" sz="4000" b="1" dirty="0"/>
+              <a:t>z</a:t>
+            </a:r>
+            <a:endParaRPr lang="en-US" b="1" dirty="0"/>
+          </a:p>
+        </p:txBody>
+      </p:sp>
+      <p:cxnSp>
+        <p:nvCxnSpPr>
+          <p:cNvPr id="23" name="Straight Connector 22"/>
+          <p:cNvCxnSpPr>
+            <a:cxnSpLocks/>
+          </p:cNvCxnSpPr>
+          <p:nvPr/>
+        </p:nvCxnSpPr>
+        <p:spPr>
           <a:xfrm flipV="1">
-            <a:off x="9427210" y="979056"/>
-            <a:ext cx="1200432" cy="1295399"/>
+            <a:off x="3921212" y="1783079"/>
+            <a:ext cx="5630766" cy="2607896"/>
           </a:xfrm>
           <a:prstGeom prst="line">
             <a:avLst/>
           </a:prstGeom>
-          <a:ln w="101600">
+          <a:ln w="34925">
             <a:solidFill>
               <a:srgbClr val="C00000"/>
             </a:solidFill>
+            <a:prstDash val="sysDash"/>
           </a:ln>
         </p:spPr>
         <p:style>
@@ -5879,22 +6775,24 @@
       </p:cxnSp>
       <p:cxnSp>
         <p:nvCxnSpPr>
-          <p:cNvPr id="9" name="Straight Connector 8"/>
+          <p:cNvPr id="25" name="Straight Arrow Connector 24"/>
           <p:cNvCxnSpPr/>
           <p:nvPr/>
         </p:nvCxnSpPr>
         <p:spPr>
-          <a:xfrm flipV="1">
-            <a:off x="9486924" y="3569856"/>
-            <a:ext cx="1140718" cy="1253431"/>
-          </a:xfrm>
-          <a:prstGeom prst="line">
-            <a:avLst/>
-          </a:prstGeom>
-          <a:ln w="101600">
+          <a:xfrm>
+            <a:off x="3907824" y="5815679"/>
+            <a:ext cx="5644154" cy="0"/>
+          </a:xfrm>
+          <a:prstGeom prst="straightConnector1">
+            <a:avLst/>
+          </a:prstGeom>
+          <a:ln w="38100">
             <a:solidFill>
-              <a:srgbClr val="C00000"/>
+              <a:srgbClr val="00B050"/>
             </a:solidFill>
+            <a:headEnd type="triangle"/>
+            <a:tailEnd type="triangle"/>
           </a:ln>
         </p:spPr>
         <p:style>
@@ -5914,24 +6812,273 @@
       </p:cxnSp>
       <p:sp>
         <p:nvSpPr>
-          <p:cNvPr id="10" name="Rectangle 9"/>
+          <p:cNvPr id="27" name="TextBox 26"/>
+          <p:cNvSpPr txBox="1"/>
+          <p:nvPr/>
+        </p:nvSpPr>
+        <p:spPr>
+          <a:xfrm rot="16200000">
+            <a:off x="587503" y="2780706"/>
+            <a:ext cx="2530613" cy="523220"/>
+          </a:xfrm>
+          <a:prstGeom prst="rect">
+            <a:avLst/>
+          </a:prstGeom>
+          <a:noFill/>
+        </p:spPr>
+        <p:txBody>
+          <a:bodyPr wrap="square" rtlCol="0">
+            <a:spAutoFit/>
+          </a:bodyPr>
+          <a:lstStyle/>
+          <a:p>
+            <a:pPr algn="ctr"/>
+            <a:r>
+              <a:rPr lang="en-US" sz="2800" dirty="0" err="1">
+                <a:solidFill>
+                  <a:srgbClr val="00B050"/>
+                </a:solidFill>
+              </a:rPr>
+              <a:t>Altura</a:t>
+            </a:r>
+            <a:endParaRPr lang="en-US" sz="2800" dirty="0">
+              <a:solidFill>
+                <a:srgbClr val="00B050"/>
+              </a:solidFill>
+            </a:endParaRPr>
+          </a:p>
+        </p:txBody>
+      </p:sp>
+      <p:cxnSp>
+        <p:nvCxnSpPr>
+          <p:cNvPr id="28" name="Straight Arrow Connector 27"/>
+          <p:cNvCxnSpPr/>
+          <p:nvPr/>
+        </p:nvCxnSpPr>
+        <p:spPr>
+          <a:xfrm flipH="1">
+            <a:off x="2250167" y="1653540"/>
+            <a:ext cx="0" cy="2849880"/>
+          </a:xfrm>
+          <a:prstGeom prst="straightConnector1">
+            <a:avLst/>
+          </a:prstGeom>
+          <a:ln w="38100">
+            <a:solidFill>
+              <a:srgbClr val="00B050"/>
+            </a:solidFill>
+            <a:headEnd type="triangle"/>
+            <a:tailEnd type="triangle"/>
+          </a:ln>
+        </p:spPr>
+        <p:style>
+          <a:lnRef idx="1">
+            <a:schemeClr val="accent1"/>
+          </a:lnRef>
+          <a:fillRef idx="0">
+            <a:schemeClr val="accent1"/>
+          </a:fillRef>
+          <a:effectRef idx="0">
+            <a:schemeClr val="accent1"/>
+          </a:effectRef>
+          <a:fontRef idx="minor">
+            <a:schemeClr val="tx1"/>
+          </a:fontRef>
+        </p:style>
+      </p:cxnSp>
+      <p:sp>
+        <p:nvSpPr>
+          <p:cNvPr id="31" name="TextBox 30"/>
+          <p:cNvSpPr txBox="1"/>
+          <p:nvPr/>
+        </p:nvSpPr>
+        <p:spPr>
+          <a:xfrm>
+            <a:off x="3907824" y="5815679"/>
+            <a:ext cx="5644154" cy="523220"/>
+          </a:xfrm>
+          <a:prstGeom prst="rect">
+            <a:avLst/>
+          </a:prstGeom>
+          <a:noFill/>
+        </p:spPr>
+        <p:txBody>
+          <a:bodyPr wrap="square" rtlCol="0">
+            <a:spAutoFit/>
+          </a:bodyPr>
+          <a:lstStyle/>
+          <a:p>
+            <a:pPr algn="ctr"/>
+            <a:r>
+              <a:rPr lang="en-US" sz="2800" dirty="0" err="1">
+                <a:solidFill>
+                  <a:srgbClr val="00B050"/>
+                </a:solidFill>
+              </a:rPr>
+              <a:t>Comprimento</a:t>
+            </a:r>
+            <a:endParaRPr lang="en-US" sz="2800" dirty="0">
+              <a:solidFill>
+                <a:srgbClr val="00B050"/>
+              </a:solidFill>
+            </a:endParaRPr>
+          </a:p>
+        </p:txBody>
+      </p:sp>
+      <p:sp>
+        <p:nvSpPr>
+          <p:cNvPr id="24" name="TextBox 23"/>
+          <p:cNvSpPr txBox="1"/>
+          <p:nvPr/>
+        </p:nvSpPr>
+        <p:spPr>
+          <a:xfrm>
+            <a:off x="3389268" y="4308314"/>
+            <a:ext cx="2822078" cy="584775"/>
+          </a:xfrm>
+          <a:prstGeom prst="rect">
+            <a:avLst/>
+          </a:prstGeom>
+          <a:noFill/>
+        </p:spPr>
+        <p:txBody>
+          <a:bodyPr wrap="square" rtlCol="0">
+            <a:spAutoFit/>
+          </a:bodyPr>
+          <a:lstStyle/>
+          <a:p>
+            <a:r>
+              <a:rPr lang="en-US" sz="3200" b="1" dirty="0">
+                <a:solidFill>
+                  <a:srgbClr val="002060"/>
+                </a:solidFill>
+              </a:rPr>
+              <a:t>A</a:t>
+            </a:r>
+            <a:endParaRPr lang="en-US" sz="1200" b="1" dirty="0">
+              <a:solidFill>
+                <a:srgbClr val="002060"/>
+              </a:solidFill>
+            </a:endParaRPr>
+          </a:p>
+        </p:txBody>
+      </p:sp>
+      <p:sp>
+        <p:nvSpPr>
+          <p:cNvPr id="26" name="TextBox 25"/>
+          <p:cNvSpPr txBox="1"/>
+          <p:nvPr/>
+        </p:nvSpPr>
+        <p:spPr>
+          <a:xfrm>
+            <a:off x="9570824" y="4379951"/>
+            <a:ext cx="2822078" cy="584775"/>
+          </a:xfrm>
+          <a:prstGeom prst="rect">
+            <a:avLst/>
+          </a:prstGeom>
+          <a:noFill/>
+        </p:spPr>
+        <p:txBody>
+          <a:bodyPr wrap="square" rtlCol="0">
+            <a:spAutoFit/>
+          </a:bodyPr>
+          <a:lstStyle/>
+          <a:p>
+            <a:r>
+              <a:rPr lang="en-US" sz="3200" b="1" dirty="0">
+                <a:solidFill>
+                  <a:srgbClr val="002060"/>
+                </a:solidFill>
+              </a:rPr>
+              <a:t>B</a:t>
+            </a:r>
+          </a:p>
+        </p:txBody>
+      </p:sp>
+      <p:sp>
+        <p:nvSpPr>
+          <p:cNvPr id="29" name="TextBox 28"/>
+          <p:cNvSpPr txBox="1"/>
+          <p:nvPr/>
+        </p:nvSpPr>
+        <p:spPr>
+          <a:xfrm>
+            <a:off x="9551978" y="1192235"/>
+            <a:ext cx="2822078" cy="584775"/>
+          </a:xfrm>
+          <a:prstGeom prst="rect">
+            <a:avLst/>
+          </a:prstGeom>
+          <a:noFill/>
+        </p:spPr>
+        <p:txBody>
+          <a:bodyPr wrap="square" rtlCol="0">
+            <a:spAutoFit/>
+          </a:bodyPr>
+          <a:lstStyle/>
+          <a:p>
+            <a:r>
+              <a:rPr lang="en-US" sz="3200" b="1" dirty="0">
+                <a:solidFill>
+                  <a:srgbClr val="002060"/>
+                </a:solidFill>
+              </a:rPr>
+              <a:t>C</a:t>
+            </a:r>
+          </a:p>
+        </p:txBody>
+      </p:sp>
+      <p:sp>
+        <p:nvSpPr>
+          <p:cNvPr id="30" name="TextBox 29"/>
+          <p:cNvSpPr txBox="1"/>
+          <p:nvPr/>
+        </p:nvSpPr>
+        <p:spPr>
+          <a:xfrm>
+            <a:off x="6800026" y="2485104"/>
+            <a:ext cx="2822078" cy="584775"/>
+          </a:xfrm>
+          <a:prstGeom prst="rect">
+            <a:avLst/>
+          </a:prstGeom>
+          <a:noFill/>
+        </p:spPr>
+        <p:txBody>
+          <a:bodyPr wrap="square" rtlCol="0">
+            <a:spAutoFit/>
+          </a:bodyPr>
+          <a:lstStyle/>
+          <a:p>
+            <a:r>
+              <a:rPr lang="en-US" sz="3200" b="1" dirty="0">
+                <a:solidFill>
+                  <a:srgbClr val="002060"/>
+                </a:solidFill>
+              </a:rPr>
+              <a:t>P</a:t>
+            </a:r>
+          </a:p>
+        </p:txBody>
+      </p:sp>
+      <p:sp>
+        <p:nvSpPr>
+          <p:cNvPr id="40" name="Oval 39"/>
           <p:cNvSpPr/>
           <p:nvPr/>
         </p:nvSpPr>
         <p:spPr>
           <a:xfrm>
-            <a:off x="4641850" y="2296045"/>
-            <a:ext cx="4785360" cy="1880292"/>
-          </a:xfrm>
-          <a:prstGeom prst="rect">
+            <a:off x="6652312" y="2981158"/>
+            <a:ext cx="191632" cy="177441"/>
+          </a:xfrm>
+          <a:prstGeom prst="ellipse">
             <a:avLst/>
           </a:prstGeom>
           <a:solidFill>
-            <a:schemeClr val="bg1"/>
+            <a:srgbClr val="FF0000"/>
           </a:solidFill>
-          <a:ln>
-            <a:noFill/>
-          </a:ln>
         </p:spPr>
         <p:style>
           <a:lnRef idx="2">
@@ -5958,25 +7105,198 @@
           </a:p>
         </p:txBody>
       </p:sp>
+      <p:sp>
+        <p:nvSpPr>
+          <p:cNvPr id="32" name="Oval 31"/>
+          <p:cNvSpPr/>
+          <p:nvPr/>
+        </p:nvSpPr>
+        <p:spPr>
+          <a:xfrm>
+            <a:off x="9465772" y="1698921"/>
+            <a:ext cx="191632" cy="177441"/>
+          </a:xfrm>
+          <a:prstGeom prst="ellipse">
+            <a:avLst/>
+          </a:prstGeom>
+          <a:solidFill>
+            <a:srgbClr val="FF0000"/>
+          </a:solidFill>
+        </p:spPr>
+        <p:style>
+          <a:lnRef idx="2">
+            <a:schemeClr val="accent1">
+              <a:shade val="50000"/>
+            </a:schemeClr>
+          </a:lnRef>
+          <a:fillRef idx="1">
+            <a:schemeClr val="accent1"/>
+          </a:fillRef>
+          <a:effectRef idx="0">
+            <a:schemeClr val="accent1"/>
+          </a:effectRef>
+          <a:fontRef idx="minor">
+            <a:schemeClr val="lt1"/>
+          </a:fontRef>
+        </p:style>
+        <p:txBody>
+          <a:bodyPr rtlCol="0" anchor="ctr"/>
+          <a:lstStyle/>
+          <a:p>
+            <a:pPr algn="ctr"/>
+            <a:endParaRPr lang="en-US"/>
+          </a:p>
+        </p:txBody>
+      </p:sp>
+      <p:sp>
+        <p:nvSpPr>
+          <p:cNvPr id="33" name="Oval 32"/>
+          <p:cNvSpPr/>
+          <p:nvPr/>
+        </p:nvSpPr>
+        <p:spPr>
+          <a:xfrm>
+            <a:off x="9481639" y="4287411"/>
+            <a:ext cx="191632" cy="177441"/>
+          </a:xfrm>
+          <a:prstGeom prst="ellipse">
+            <a:avLst/>
+          </a:prstGeom>
+          <a:solidFill>
+            <a:srgbClr val="FF0000"/>
+          </a:solidFill>
+        </p:spPr>
+        <p:style>
+          <a:lnRef idx="2">
+            <a:schemeClr val="accent1">
+              <a:shade val="50000"/>
+            </a:schemeClr>
+          </a:lnRef>
+          <a:fillRef idx="1">
+            <a:schemeClr val="accent1"/>
+          </a:fillRef>
+          <a:effectRef idx="0">
+            <a:schemeClr val="accent1"/>
+          </a:effectRef>
+          <a:fontRef idx="minor">
+            <a:schemeClr val="lt1"/>
+          </a:fontRef>
+        </p:style>
+        <p:txBody>
+          <a:bodyPr rtlCol="0" anchor="ctr"/>
+          <a:lstStyle/>
+          <a:p>
+            <a:pPr algn="ctr"/>
+            <a:endParaRPr lang="en-US"/>
+          </a:p>
+        </p:txBody>
+      </p:sp>
+      <p:sp>
+        <p:nvSpPr>
+          <p:cNvPr id="34" name="Oval 33"/>
+          <p:cNvSpPr/>
+          <p:nvPr/>
+        </p:nvSpPr>
+        <p:spPr>
+          <a:xfrm>
+            <a:off x="3820892" y="4286244"/>
+            <a:ext cx="191632" cy="177441"/>
+          </a:xfrm>
+          <a:prstGeom prst="ellipse">
+            <a:avLst/>
+          </a:prstGeom>
+          <a:solidFill>
+            <a:srgbClr val="FF0000"/>
+          </a:solidFill>
+        </p:spPr>
+        <p:style>
+          <a:lnRef idx="2">
+            <a:schemeClr val="accent1">
+              <a:shade val="50000"/>
+            </a:schemeClr>
+          </a:lnRef>
+          <a:fillRef idx="1">
+            <a:schemeClr val="accent1"/>
+          </a:fillRef>
+          <a:effectRef idx="0">
+            <a:schemeClr val="accent1"/>
+          </a:effectRef>
+          <a:fontRef idx="minor">
+            <a:schemeClr val="lt1"/>
+          </a:fontRef>
+        </p:style>
+        <p:txBody>
+          <a:bodyPr rtlCol="0" anchor="ctr"/>
+          <a:lstStyle/>
+          <a:p>
+            <a:pPr algn="ctr"/>
+            <a:endParaRPr lang="en-US"/>
+          </a:p>
+        </p:txBody>
+      </p:sp>
+      <p:sp>
+        <p:nvSpPr>
+          <p:cNvPr id="35" name="Oval 34"/>
+          <p:cNvSpPr/>
+          <p:nvPr/>
+        </p:nvSpPr>
+        <p:spPr>
+          <a:xfrm>
+            <a:off x="3817367" y="1687559"/>
+            <a:ext cx="191632" cy="177441"/>
+          </a:xfrm>
+          <a:prstGeom prst="ellipse">
+            <a:avLst/>
+          </a:prstGeom>
+          <a:solidFill>
+            <a:srgbClr val="FF0000"/>
+          </a:solidFill>
+        </p:spPr>
+        <p:style>
+          <a:lnRef idx="2">
+            <a:schemeClr val="accent1">
+              <a:shade val="50000"/>
+            </a:schemeClr>
+          </a:lnRef>
+          <a:fillRef idx="1">
+            <a:schemeClr val="accent1"/>
+          </a:fillRef>
+          <a:effectRef idx="0">
+            <a:schemeClr val="accent1"/>
+          </a:effectRef>
+          <a:fontRef idx="minor">
+            <a:schemeClr val="lt1"/>
+          </a:fontRef>
+        </p:style>
+        <p:txBody>
+          <a:bodyPr rtlCol="0" anchor="ctr"/>
+          <a:lstStyle/>
+          <a:p>
+            <a:pPr algn="ctr"/>
+            <a:endParaRPr lang="en-US"/>
+          </a:p>
+        </p:txBody>
+      </p:sp>
       <p:cxnSp>
         <p:nvCxnSpPr>
-          <p:cNvPr id="12" name="Straight Connector 11"/>
-          <p:cNvCxnSpPr/>
+          <p:cNvPr id="11" name="Straight Connector 10"/>
+          <p:cNvCxnSpPr>
+            <a:cxnSpLocks/>
+          </p:cNvCxnSpPr>
           <p:nvPr/>
         </p:nvCxnSpPr>
         <p:spPr>
           <a:xfrm flipH="1">
-            <a:off x="4988842" y="3569855"/>
-            <a:ext cx="4510210" cy="0"/>
+            <a:off x="4208107" y="2081584"/>
+            <a:ext cx="19006" cy="1844516"/>
           </a:xfrm>
           <a:prstGeom prst="line">
             <a:avLst/>
           </a:prstGeom>
-          <a:ln w="101600">
+          <a:ln w="12700">
             <a:solidFill>
-              <a:srgbClr val="C00000"/>
+              <a:srgbClr val="FFC000"/>
             </a:solidFill>
-            <a:prstDash val="sysDash"/>
           </a:ln>
         </p:spPr>
         <p:style>
@@ -5996,23 +7316,25 @@
       </p:cxnSp>
       <p:cxnSp>
         <p:nvCxnSpPr>
-          <p:cNvPr id="13" name="Straight Connector 12"/>
-          <p:cNvCxnSpPr/>
+          <p:cNvPr id="14" name="Straight Arrow Connector 13"/>
+          <p:cNvCxnSpPr>
+            <a:cxnSpLocks/>
+          </p:cNvCxnSpPr>
           <p:nvPr/>
         </p:nvCxnSpPr>
         <p:spPr>
-          <a:xfrm flipV="1">
-            <a:off x="3926919" y="3555769"/>
-            <a:ext cx="1128590" cy="1169785"/>
-          </a:xfrm>
-          <a:prstGeom prst="line">
-            <a:avLst/>
-          </a:prstGeom>
-          <a:ln w="101600">
+          <a:xfrm flipH="1" flipV="1">
+            <a:off x="9250369" y="2267339"/>
+            <a:ext cx="18774" cy="1864544"/>
+          </a:xfrm>
+          <a:prstGeom prst="straightConnector1">
+            <a:avLst/>
+          </a:prstGeom>
+          <a:ln w="12700">
             <a:solidFill>
-              <a:srgbClr val="C00000"/>
+              <a:srgbClr val="FFC000"/>
             </a:solidFill>
-            <a:prstDash val="sysDash"/>
+            <a:tailEnd type="triangle"/>
           </a:ln>
         </p:spPr>
         <p:style>
@@ -6032,23 +7354,24 @@
       </p:cxnSp>
       <p:cxnSp>
         <p:nvCxnSpPr>
-          <p:cNvPr id="15" name="Straight Connector 14"/>
-          <p:cNvCxnSpPr/>
+          <p:cNvPr id="50" name="Straight Connector 49"/>
+          <p:cNvCxnSpPr>
+            <a:cxnSpLocks/>
+          </p:cNvCxnSpPr>
           <p:nvPr/>
         </p:nvCxnSpPr>
         <p:spPr>
-          <a:xfrm flipH="1" flipV="1">
-            <a:off x="4988842" y="2148840"/>
-            <a:ext cx="0" cy="1421015"/>
+          <a:xfrm>
+            <a:off x="5150498" y="4090475"/>
+            <a:ext cx="4118645" cy="41408"/>
           </a:xfrm>
           <a:prstGeom prst="line">
             <a:avLst/>
           </a:prstGeom>
-          <a:ln w="101600">
+          <a:ln w="12700">
             <a:solidFill>
-              <a:srgbClr val="C00000"/>
+              <a:srgbClr val="FFC000"/>
             </a:solidFill>
-            <a:prstDash val="sysDash"/>
           </a:ln>
         </p:spPr>
         <p:style>
@@ -6068,23 +7391,24 @@
       </p:cxnSp>
       <p:cxnSp>
         <p:nvCxnSpPr>
-          <p:cNvPr id="16" name="Straight Arrow Connector 15"/>
-          <p:cNvCxnSpPr/>
+          <p:cNvPr id="53" name="Straight Arrow Connector 52"/>
+          <p:cNvCxnSpPr>
+            <a:cxnSpLocks/>
+          </p:cNvCxnSpPr>
           <p:nvPr/>
         </p:nvCxnSpPr>
         <p:spPr>
-          <a:xfrm>
-            <a:off x="4983488" y="710402"/>
-            <a:ext cx="5644154" cy="0"/>
+          <a:xfrm flipV="1">
+            <a:off x="4217610" y="1995906"/>
+            <a:ext cx="4091363" cy="1951218"/>
           </a:xfrm>
           <a:prstGeom prst="straightConnector1">
             <a:avLst/>
           </a:prstGeom>
-          <a:ln w="123825">
+          <a:ln w="12700">
             <a:solidFill>
-              <a:srgbClr val="00B050"/>
+              <a:srgbClr val="FFC000"/>
             </a:solidFill>
-            <a:headEnd type="triangle"/>
             <a:tailEnd type="triangle"/>
           </a:ln>
         </p:spPr>
@@ -6103,531 +7427,10 @@
           </a:fontRef>
         </p:style>
       </p:cxnSp>
-      <p:sp>
-        <p:nvSpPr>
-          <p:cNvPr id="17" name="TextBox 16"/>
-          <p:cNvSpPr txBox="1"/>
-          <p:nvPr/>
-        </p:nvSpPr>
-        <p:spPr>
-          <a:xfrm>
-            <a:off x="5135888" y="70322"/>
-            <a:ext cx="5644154" cy="523220"/>
-          </a:xfrm>
-          <a:prstGeom prst="rect">
-            <a:avLst/>
-          </a:prstGeom>
-          <a:noFill/>
-        </p:spPr>
-        <p:txBody>
-          <a:bodyPr wrap="square" rtlCol="0">
-            <a:spAutoFit/>
-          </a:bodyPr>
-          <a:lstStyle/>
-          <a:p>
-            <a:pPr algn="ctr"/>
-            <a:r>
-              <a:rPr lang="en-US" sz="2800" dirty="0" err="1" smtClean="0">
-                <a:solidFill>
-                  <a:srgbClr val="00B050"/>
-                </a:solidFill>
-              </a:rPr>
-              <a:t>Comprimento</a:t>
-            </a:r>
-            <a:endParaRPr lang="en-US" dirty="0">
-              <a:solidFill>
-                <a:srgbClr val="00B050"/>
-              </a:solidFill>
-            </a:endParaRPr>
-          </a:p>
-        </p:txBody>
-      </p:sp>
-      <p:cxnSp>
-        <p:nvCxnSpPr>
-          <p:cNvPr id="18" name="Straight Arrow Connector 17"/>
-          <p:cNvCxnSpPr/>
-          <p:nvPr/>
-        </p:nvCxnSpPr>
-        <p:spPr>
-          <a:xfrm flipV="1">
-            <a:off x="9829800" y="3733800"/>
-            <a:ext cx="1066800" cy="1257070"/>
-          </a:xfrm>
-          <a:prstGeom prst="straightConnector1">
-            <a:avLst/>
-          </a:prstGeom>
-          <a:ln w="123825">
-            <a:solidFill>
-              <a:srgbClr val="00B050"/>
-            </a:solidFill>
-            <a:headEnd type="triangle"/>
-            <a:tailEnd type="triangle"/>
-          </a:ln>
-        </p:spPr>
-        <p:style>
-          <a:lnRef idx="1">
-            <a:schemeClr val="accent1"/>
-          </a:lnRef>
-          <a:fillRef idx="0">
-            <a:schemeClr val="accent1"/>
-          </a:fillRef>
-          <a:effectRef idx="0">
-            <a:schemeClr val="accent1"/>
-          </a:effectRef>
-          <a:fontRef idx="minor">
-            <a:schemeClr val="tx1"/>
-          </a:fontRef>
-        </p:style>
-      </p:cxnSp>
-      <p:sp>
-        <p:nvSpPr>
-          <p:cNvPr id="21" name="TextBox 20"/>
-          <p:cNvSpPr txBox="1"/>
-          <p:nvPr/>
-        </p:nvSpPr>
-        <p:spPr>
-          <a:xfrm rot="18637963">
-            <a:off x="9879741" y="4254214"/>
-            <a:ext cx="1609007" cy="523220"/>
-          </a:xfrm>
-          <a:prstGeom prst="rect">
-            <a:avLst/>
-          </a:prstGeom>
-          <a:noFill/>
-        </p:spPr>
-        <p:txBody>
-          <a:bodyPr wrap="square" rtlCol="0">
-            <a:spAutoFit/>
-          </a:bodyPr>
-          <a:lstStyle/>
-          <a:p>
-            <a:pPr algn="ctr"/>
-            <a:r>
-              <a:rPr lang="en-US" sz="2800" dirty="0" err="1" smtClean="0">
-                <a:solidFill>
-                  <a:srgbClr val="00B050"/>
-                </a:solidFill>
-              </a:rPr>
-              <a:t>Largura</a:t>
-            </a:r>
-            <a:endParaRPr lang="en-US" dirty="0">
-              <a:solidFill>
-                <a:srgbClr val="00B050"/>
-              </a:solidFill>
-            </a:endParaRPr>
-          </a:p>
-        </p:txBody>
-      </p:sp>
-      <p:cxnSp>
-        <p:nvCxnSpPr>
-          <p:cNvPr id="22" name="Straight Arrow Connector 21"/>
-          <p:cNvCxnSpPr/>
-          <p:nvPr/>
-        </p:nvCxnSpPr>
-        <p:spPr>
-          <a:xfrm flipV="1">
-            <a:off x="10927080" y="1018141"/>
-            <a:ext cx="0" cy="2372927"/>
-          </a:xfrm>
-          <a:prstGeom prst="straightConnector1">
-            <a:avLst/>
-          </a:prstGeom>
-          <a:ln w="123825">
-            <a:solidFill>
-              <a:srgbClr val="00B050"/>
-            </a:solidFill>
-            <a:headEnd type="triangle"/>
-            <a:tailEnd type="triangle"/>
-          </a:ln>
-        </p:spPr>
-        <p:style>
-          <a:lnRef idx="1">
-            <a:schemeClr val="accent1"/>
-          </a:lnRef>
-          <a:fillRef idx="0">
-            <a:schemeClr val="accent1"/>
-          </a:fillRef>
-          <a:effectRef idx="0">
-            <a:schemeClr val="accent1"/>
-          </a:effectRef>
-          <a:fontRef idx="minor">
-            <a:schemeClr val="tx1"/>
-          </a:fontRef>
-        </p:style>
-      </p:cxnSp>
-      <p:sp>
-        <p:nvSpPr>
-          <p:cNvPr id="24" name="TextBox 23"/>
-          <p:cNvSpPr txBox="1"/>
-          <p:nvPr/>
-        </p:nvSpPr>
-        <p:spPr>
-          <a:xfrm rot="5400000">
-            <a:off x="10544041" y="1807306"/>
-            <a:ext cx="1609007" cy="523220"/>
-          </a:xfrm>
-          <a:prstGeom prst="rect">
-            <a:avLst/>
-          </a:prstGeom>
-          <a:noFill/>
-        </p:spPr>
-        <p:txBody>
-          <a:bodyPr wrap="square" rtlCol="0">
-            <a:spAutoFit/>
-          </a:bodyPr>
-          <a:lstStyle/>
-          <a:p>
-            <a:pPr algn="ctr"/>
-            <a:r>
-              <a:rPr lang="en-US" sz="2800" dirty="0" err="1" smtClean="0">
-                <a:solidFill>
-                  <a:srgbClr val="00B050"/>
-                </a:solidFill>
-              </a:rPr>
-              <a:t>Altura</a:t>
-            </a:r>
-            <a:endParaRPr lang="en-US" dirty="0">
-              <a:solidFill>
-                <a:srgbClr val="00B050"/>
-              </a:solidFill>
-            </a:endParaRPr>
-          </a:p>
-        </p:txBody>
-      </p:sp>
-      <p:cxnSp>
-        <p:nvCxnSpPr>
-          <p:cNvPr id="27" name="Straight Arrow Connector 26"/>
-          <p:cNvCxnSpPr/>
-          <p:nvPr/>
-        </p:nvCxnSpPr>
-        <p:spPr>
-          <a:xfrm flipV="1">
-            <a:off x="6822788" y="2204604"/>
-            <a:ext cx="4766" cy="1012579"/>
-          </a:xfrm>
-          <a:prstGeom prst="straightConnector1">
-            <a:avLst/>
-          </a:prstGeom>
-          <a:ln w="101600">
-            <a:solidFill>
-              <a:schemeClr val="tx1"/>
-            </a:solidFill>
-            <a:tailEnd type="triangle"/>
-          </a:ln>
-        </p:spPr>
-        <p:style>
-          <a:lnRef idx="1">
-            <a:schemeClr val="accent1"/>
-          </a:lnRef>
-          <a:fillRef idx="0">
-            <a:schemeClr val="accent1"/>
-          </a:fillRef>
-          <a:effectRef idx="0">
-            <a:schemeClr val="accent1"/>
-          </a:effectRef>
-          <a:fontRef idx="minor">
-            <a:schemeClr val="tx1"/>
-          </a:fontRef>
-        </p:style>
-      </p:cxnSp>
-      <p:cxnSp>
-        <p:nvCxnSpPr>
-          <p:cNvPr id="28" name="Straight Arrow Connector 27"/>
-          <p:cNvCxnSpPr/>
-          <p:nvPr/>
-        </p:nvCxnSpPr>
-        <p:spPr>
-          <a:xfrm flipV="1">
-            <a:off x="6794917" y="3186702"/>
-            <a:ext cx="1488980" cy="0"/>
-          </a:xfrm>
-          <a:prstGeom prst="straightConnector1">
-            <a:avLst/>
-          </a:prstGeom>
-          <a:ln w="101600">
-            <a:solidFill>
-              <a:schemeClr val="tx1"/>
-            </a:solidFill>
-            <a:tailEnd type="triangle"/>
-          </a:ln>
-        </p:spPr>
-        <p:style>
-          <a:lnRef idx="1">
-            <a:schemeClr val="accent1"/>
-          </a:lnRef>
-          <a:fillRef idx="0">
-            <a:schemeClr val="accent1"/>
-          </a:fillRef>
-          <a:effectRef idx="0">
-            <a:schemeClr val="accent1"/>
-          </a:effectRef>
-          <a:fontRef idx="minor">
-            <a:schemeClr val="tx1"/>
-          </a:fontRef>
-        </p:style>
-      </p:cxnSp>
-      <p:cxnSp>
-        <p:nvCxnSpPr>
-          <p:cNvPr id="32" name="Straight Arrow Connector 31"/>
-          <p:cNvCxnSpPr/>
-          <p:nvPr/>
-        </p:nvCxnSpPr>
-        <p:spPr>
-          <a:xfrm flipH="1">
-            <a:off x="5927554" y="3171461"/>
-            <a:ext cx="900000" cy="900000"/>
-          </a:xfrm>
-          <a:prstGeom prst="straightConnector1">
-            <a:avLst/>
-          </a:prstGeom>
-          <a:ln w="101600">
-            <a:solidFill>
-              <a:schemeClr val="tx1"/>
-            </a:solidFill>
-            <a:tailEnd type="triangle"/>
-          </a:ln>
-        </p:spPr>
-        <p:style>
-          <a:lnRef idx="1">
-            <a:schemeClr val="accent1"/>
-          </a:lnRef>
-          <a:fillRef idx="0">
-            <a:schemeClr val="accent1"/>
-          </a:fillRef>
-          <a:effectRef idx="0">
-            <a:schemeClr val="accent1"/>
-          </a:effectRef>
-          <a:fontRef idx="minor">
-            <a:schemeClr val="tx1"/>
-          </a:fontRef>
-        </p:style>
-      </p:cxnSp>
-      <p:sp>
-        <p:nvSpPr>
-          <p:cNvPr id="35" name="TextBox 34"/>
-          <p:cNvSpPr txBox="1"/>
-          <p:nvPr/>
-        </p:nvSpPr>
-        <p:spPr>
-          <a:xfrm>
-            <a:off x="8081157" y="3036686"/>
-            <a:ext cx="461222" cy="584775"/>
-          </a:xfrm>
-          <a:prstGeom prst="rect">
-            <a:avLst/>
-          </a:prstGeom>
-          <a:noFill/>
-        </p:spPr>
-        <p:txBody>
-          <a:bodyPr wrap="square" rtlCol="0">
-            <a:spAutoFit/>
-          </a:bodyPr>
-          <a:lstStyle/>
-          <a:p>
-            <a:r>
-              <a:rPr lang="en-US" sz="3200" b="1" dirty="0" smtClean="0"/>
-              <a:t>x</a:t>
-            </a:r>
-            <a:endParaRPr lang="en-US" b="1" dirty="0"/>
-          </a:p>
-        </p:txBody>
-      </p:sp>
-      <p:sp>
-        <p:nvSpPr>
-          <p:cNvPr id="36" name="TextBox 35"/>
-          <p:cNvSpPr txBox="1"/>
-          <p:nvPr/>
-        </p:nvSpPr>
-        <p:spPr>
-          <a:xfrm>
-            <a:off x="6930627" y="2372305"/>
-            <a:ext cx="461222" cy="584775"/>
-          </a:xfrm>
-          <a:prstGeom prst="rect">
-            <a:avLst/>
-          </a:prstGeom>
-          <a:noFill/>
-        </p:spPr>
-        <p:txBody>
-          <a:bodyPr wrap="square" rtlCol="0">
-            <a:spAutoFit/>
-          </a:bodyPr>
-          <a:lstStyle/>
-          <a:p>
-            <a:r>
-              <a:rPr lang="en-US" sz="3200" b="1" dirty="0"/>
-              <a:t>y</a:t>
-            </a:r>
-            <a:endParaRPr lang="en-US" b="1" dirty="0"/>
-          </a:p>
-        </p:txBody>
-      </p:sp>
-      <p:sp>
-        <p:nvSpPr>
-          <p:cNvPr id="37" name="TextBox 36"/>
-          <p:cNvSpPr txBox="1"/>
-          <p:nvPr/>
-        </p:nvSpPr>
-        <p:spPr>
-          <a:xfrm>
-            <a:off x="6216822" y="3800427"/>
-            <a:ext cx="461222" cy="584775"/>
-          </a:xfrm>
-          <a:prstGeom prst="rect">
-            <a:avLst/>
-          </a:prstGeom>
-          <a:noFill/>
-        </p:spPr>
-        <p:txBody>
-          <a:bodyPr wrap="square" rtlCol="0">
-            <a:spAutoFit/>
-          </a:bodyPr>
-          <a:lstStyle/>
-          <a:p>
-            <a:r>
-              <a:rPr lang="en-US" sz="3200" b="1" dirty="0" smtClean="0"/>
-              <a:t>z</a:t>
-            </a:r>
-            <a:endParaRPr lang="en-US" b="1" dirty="0"/>
-          </a:p>
-        </p:txBody>
-      </p:sp>
-      <p:sp>
-        <p:nvSpPr>
-          <p:cNvPr id="46" name="Oval 45"/>
-          <p:cNvSpPr/>
-          <p:nvPr/>
-        </p:nvSpPr>
-        <p:spPr>
-          <a:xfrm>
-            <a:off x="4711212" y="1392668"/>
-            <a:ext cx="788458" cy="612740"/>
-          </a:xfrm>
-          <a:prstGeom prst="ellipse">
-            <a:avLst/>
-          </a:prstGeom>
-        </p:spPr>
-        <p:style>
-          <a:lnRef idx="2">
-            <a:schemeClr val="accent1">
-              <a:shade val="50000"/>
-            </a:schemeClr>
-          </a:lnRef>
-          <a:fillRef idx="1">
-            <a:schemeClr val="accent1"/>
-          </a:fillRef>
-          <a:effectRef idx="0">
-            <a:schemeClr val="accent1"/>
-          </a:effectRef>
-          <a:fontRef idx="minor">
-            <a:schemeClr val="lt1"/>
-          </a:fontRef>
-        </p:style>
-        <p:txBody>
-          <a:bodyPr rtlCol="0" anchor="ctr"/>
-          <a:lstStyle/>
-          <a:p>
-            <a:pPr algn="ctr"/>
-            <a:r>
-              <a:rPr lang="en-US" sz="3600" b="1" dirty="0" smtClean="0"/>
-              <a:t>A</a:t>
-            </a:r>
-            <a:endParaRPr lang="en-US" b="1" dirty="0"/>
-          </a:p>
-        </p:txBody>
-      </p:sp>
-      <p:sp>
-        <p:nvSpPr>
-          <p:cNvPr id="47" name="Oval 46"/>
-          <p:cNvSpPr/>
-          <p:nvPr/>
-        </p:nvSpPr>
-        <p:spPr>
-          <a:xfrm>
-            <a:off x="4929128" y="3156312"/>
-            <a:ext cx="788458" cy="612740"/>
-          </a:xfrm>
-          <a:prstGeom prst="ellipse">
-            <a:avLst/>
-          </a:prstGeom>
-        </p:spPr>
-        <p:style>
-          <a:lnRef idx="2">
-            <a:schemeClr val="accent1">
-              <a:shade val="50000"/>
-            </a:schemeClr>
-          </a:lnRef>
-          <a:fillRef idx="1">
-            <a:schemeClr val="accent1"/>
-          </a:fillRef>
-          <a:effectRef idx="0">
-            <a:schemeClr val="accent1"/>
-          </a:effectRef>
-          <a:fontRef idx="minor">
-            <a:schemeClr val="lt1"/>
-          </a:fontRef>
-        </p:style>
-        <p:txBody>
-          <a:bodyPr rtlCol="0" anchor="ctr"/>
-          <a:lstStyle/>
-          <a:p>
-            <a:pPr algn="ctr"/>
-            <a:r>
-              <a:rPr lang="en-US" sz="3600" b="1" dirty="0"/>
-              <a:t>B</a:t>
-            </a:r>
-            <a:endParaRPr lang="en-US" b="1" dirty="0"/>
-          </a:p>
-        </p:txBody>
-      </p:sp>
-      <p:sp>
-        <p:nvSpPr>
-          <p:cNvPr id="48" name="Oval 47"/>
-          <p:cNvSpPr/>
-          <p:nvPr/>
-        </p:nvSpPr>
-        <p:spPr>
-          <a:xfrm>
-            <a:off x="9652953" y="2523219"/>
-            <a:ext cx="788458" cy="612740"/>
-          </a:xfrm>
-          <a:prstGeom prst="ellipse">
-            <a:avLst/>
-          </a:prstGeom>
-        </p:spPr>
-        <p:style>
-          <a:lnRef idx="2">
-            <a:schemeClr val="accent1">
-              <a:shade val="50000"/>
-            </a:schemeClr>
-          </a:lnRef>
-          <a:fillRef idx="1">
-            <a:schemeClr val="accent1"/>
-          </a:fillRef>
-          <a:effectRef idx="0">
-            <a:schemeClr val="accent1"/>
-          </a:effectRef>
-          <a:fontRef idx="minor">
-            <a:schemeClr val="lt1"/>
-          </a:fontRef>
-        </p:style>
-        <p:txBody>
-          <a:bodyPr rtlCol="0" anchor="ctr"/>
-          <a:lstStyle/>
-          <a:p>
-            <a:pPr algn="ctr"/>
-            <a:r>
-              <a:rPr lang="en-US" sz="3600" b="1" dirty="0" smtClean="0"/>
-              <a:t>C</a:t>
-            </a:r>
-            <a:endParaRPr lang="en-US" b="1" dirty="0"/>
-          </a:p>
-        </p:txBody>
-      </p:sp>
     </p:spTree>
     <p:extLst>
       <p:ext uri="{BB962C8B-B14F-4D97-AF65-F5344CB8AC3E}">
-        <p14:creationId xmlns:p14="http://schemas.microsoft.com/office/powerpoint/2010/main" val="4144538949"/>
+        <p14:creationId xmlns:p14="http://schemas.microsoft.com/office/powerpoint/2010/main" val="3529087790"/>
       </p:ext>
     </p:extLst>
   </p:cSld>
@@ -6654,6 +7457,2767 @@
           <a:chExt cx="0" cy="0"/>
         </a:xfrm>
       </p:grpSpPr>
+      <p:cxnSp>
+        <p:nvCxnSpPr>
+          <p:cNvPr id="5" name="Straight Arrow Connector 4"/>
+          <p:cNvCxnSpPr/>
+          <p:nvPr/>
+        </p:nvCxnSpPr>
+        <p:spPr>
+          <a:xfrm flipH="1" flipV="1">
+            <a:off x="6732580" y="666259"/>
+            <a:ext cx="0" cy="5033501"/>
+          </a:xfrm>
+          <a:prstGeom prst="straightConnector1">
+            <a:avLst/>
+          </a:prstGeom>
+          <a:ln w="101600">
+            <a:solidFill>
+              <a:schemeClr val="tx1"/>
+            </a:solidFill>
+            <a:tailEnd type="triangle"/>
+          </a:ln>
+        </p:spPr>
+        <p:style>
+          <a:lnRef idx="1">
+            <a:schemeClr val="accent1"/>
+          </a:lnRef>
+          <a:fillRef idx="0">
+            <a:schemeClr val="accent1"/>
+          </a:fillRef>
+          <a:effectRef idx="0">
+            <a:schemeClr val="accent1"/>
+          </a:effectRef>
+          <a:fontRef idx="minor">
+            <a:schemeClr val="tx1"/>
+          </a:fontRef>
+        </p:style>
+      </p:cxnSp>
+      <p:cxnSp>
+        <p:nvCxnSpPr>
+          <p:cNvPr id="9" name="Straight Arrow Connector 8"/>
+          <p:cNvCxnSpPr/>
+          <p:nvPr/>
+        </p:nvCxnSpPr>
+        <p:spPr>
+          <a:xfrm flipV="1">
+            <a:off x="2610572" y="3078480"/>
+            <a:ext cx="8667028" cy="0"/>
+          </a:xfrm>
+          <a:prstGeom prst="straightConnector1">
+            <a:avLst/>
+          </a:prstGeom>
+          <a:ln w="101600">
+            <a:solidFill>
+              <a:schemeClr val="tx1"/>
+            </a:solidFill>
+            <a:tailEnd type="triangle"/>
+          </a:ln>
+        </p:spPr>
+        <p:style>
+          <a:lnRef idx="1">
+            <a:schemeClr val="accent1"/>
+          </a:lnRef>
+          <a:fillRef idx="0">
+            <a:schemeClr val="accent1"/>
+          </a:fillRef>
+          <a:effectRef idx="0">
+            <a:schemeClr val="accent1"/>
+          </a:effectRef>
+          <a:fontRef idx="minor">
+            <a:schemeClr val="tx1"/>
+          </a:fontRef>
+        </p:style>
+      </p:cxnSp>
+      <p:sp>
+        <p:nvSpPr>
+          <p:cNvPr id="15" name="Rectangle 14"/>
+          <p:cNvSpPr/>
+          <p:nvPr/>
+        </p:nvSpPr>
+        <p:spPr>
+          <a:xfrm>
+            <a:off x="3921212" y="1783080"/>
+            <a:ext cx="5638800" cy="2590800"/>
+          </a:xfrm>
+          <a:prstGeom prst="rect">
+            <a:avLst/>
+          </a:prstGeom>
+          <a:noFill/>
+          <a:ln w="101600">
+            <a:solidFill>
+              <a:srgbClr val="C00000"/>
+            </a:solidFill>
+          </a:ln>
+        </p:spPr>
+        <p:style>
+          <a:lnRef idx="2">
+            <a:schemeClr val="accent1">
+              <a:shade val="50000"/>
+            </a:schemeClr>
+          </a:lnRef>
+          <a:fillRef idx="1">
+            <a:schemeClr val="accent1"/>
+          </a:fillRef>
+          <a:effectRef idx="0">
+            <a:schemeClr val="accent1"/>
+          </a:effectRef>
+          <a:fontRef idx="minor">
+            <a:schemeClr val="lt1"/>
+          </a:fontRef>
+        </p:style>
+        <p:txBody>
+          <a:bodyPr rtlCol="0" anchor="ctr"/>
+          <a:lstStyle/>
+          <a:p>
+            <a:pPr algn="ctr"/>
+            <a:endParaRPr lang="en-US"/>
+          </a:p>
+        </p:txBody>
+      </p:sp>
+      <p:sp>
+        <p:nvSpPr>
+          <p:cNvPr id="20" name="TextBox 19"/>
+          <p:cNvSpPr txBox="1"/>
+          <p:nvPr/>
+        </p:nvSpPr>
+        <p:spPr>
+          <a:xfrm>
+            <a:off x="6944086" y="539474"/>
+            <a:ext cx="537932" cy="707886"/>
+          </a:xfrm>
+          <a:prstGeom prst="rect">
+            <a:avLst/>
+          </a:prstGeom>
+          <a:noFill/>
+        </p:spPr>
+        <p:txBody>
+          <a:bodyPr wrap="square" rtlCol="0">
+            <a:spAutoFit/>
+          </a:bodyPr>
+          <a:lstStyle/>
+          <a:p>
+            <a:r>
+              <a:rPr lang="en-US" sz="4000" b="1" dirty="0"/>
+              <a:t>y</a:t>
+            </a:r>
+            <a:endParaRPr lang="en-US" b="1" dirty="0"/>
+          </a:p>
+        </p:txBody>
+      </p:sp>
+      <p:sp>
+        <p:nvSpPr>
+          <p:cNvPr id="21" name="TextBox 20"/>
+          <p:cNvSpPr txBox="1"/>
+          <p:nvPr/>
+        </p:nvSpPr>
+        <p:spPr>
+          <a:xfrm>
+            <a:off x="10712897" y="3093616"/>
+            <a:ext cx="537932" cy="707886"/>
+          </a:xfrm>
+          <a:prstGeom prst="rect">
+            <a:avLst/>
+          </a:prstGeom>
+          <a:noFill/>
+        </p:spPr>
+        <p:txBody>
+          <a:bodyPr wrap="square" rtlCol="0">
+            <a:spAutoFit/>
+          </a:bodyPr>
+          <a:lstStyle/>
+          <a:p>
+            <a:r>
+              <a:rPr lang="en-US" sz="4000" b="1" dirty="0"/>
+              <a:t>x</a:t>
+            </a:r>
+            <a:endParaRPr lang="en-US" b="1" dirty="0"/>
+          </a:p>
+        </p:txBody>
+      </p:sp>
+      <p:cxnSp>
+        <p:nvCxnSpPr>
+          <p:cNvPr id="23" name="Straight Connector 22"/>
+          <p:cNvCxnSpPr/>
+          <p:nvPr/>
+        </p:nvCxnSpPr>
+        <p:spPr>
+          <a:xfrm>
+            <a:off x="3915858" y="1783080"/>
+            <a:ext cx="5644154" cy="2590800"/>
+          </a:xfrm>
+          <a:prstGeom prst="line">
+            <a:avLst/>
+          </a:prstGeom>
+          <a:ln w="34925">
+            <a:solidFill>
+              <a:srgbClr val="C00000"/>
+            </a:solidFill>
+            <a:prstDash val="sysDash"/>
+          </a:ln>
+        </p:spPr>
+        <p:style>
+          <a:lnRef idx="1">
+            <a:schemeClr val="accent1"/>
+          </a:lnRef>
+          <a:fillRef idx="0">
+            <a:schemeClr val="accent1"/>
+          </a:fillRef>
+          <a:effectRef idx="0">
+            <a:schemeClr val="accent1"/>
+          </a:effectRef>
+          <a:fontRef idx="minor">
+            <a:schemeClr val="tx1"/>
+          </a:fontRef>
+        </p:style>
+      </p:cxnSp>
+      <p:cxnSp>
+        <p:nvCxnSpPr>
+          <p:cNvPr id="22" name="Straight Arrow Connector 21"/>
+          <p:cNvCxnSpPr/>
+          <p:nvPr/>
+        </p:nvCxnSpPr>
+        <p:spPr>
+          <a:xfrm>
+            <a:off x="3915858" y="685800"/>
+            <a:ext cx="5644154" cy="0"/>
+          </a:xfrm>
+          <a:prstGeom prst="straightConnector1">
+            <a:avLst/>
+          </a:prstGeom>
+          <a:ln w="123825">
+            <a:solidFill>
+              <a:srgbClr val="00B050"/>
+            </a:solidFill>
+            <a:headEnd type="triangle"/>
+            <a:tailEnd type="triangle"/>
+          </a:ln>
+        </p:spPr>
+        <p:style>
+          <a:lnRef idx="1">
+            <a:schemeClr val="accent1"/>
+          </a:lnRef>
+          <a:fillRef idx="0">
+            <a:schemeClr val="accent1"/>
+          </a:fillRef>
+          <a:effectRef idx="0">
+            <a:schemeClr val="accent1"/>
+          </a:effectRef>
+          <a:fontRef idx="minor">
+            <a:schemeClr val="tx1"/>
+          </a:fontRef>
+        </p:style>
+      </p:cxnSp>
+      <p:sp>
+        <p:nvSpPr>
+          <p:cNvPr id="24" name="TextBox 23"/>
+          <p:cNvSpPr txBox="1"/>
+          <p:nvPr/>
+        </p:nvSpPr>
+        <p:spPr>
+          <a:xfrm>
+            <a:off x="4068258" y="76200"/>
+            <a:ext cx="5644154" cy="523220"/>
+          </a:xfrm>
+          <a:prstGeom prst="rect">
+            <a:avLst/>
+          </a:prstGeom>
+          <a:noFill/>
+        </p:spPr>
+        <p:txBody>
+          <a:bodyPr wrap="square" rtlCol="0">
+            <a:spAutoFit/>
+          </a:bodyPr>
+          <a:lstStyle/>
+          <a:p>
+            <a:pPr algn="ctr"/>
+            <a:r>
+              <a:rPr lang="en-US" sz="2800" dirty="0" err="1">
+                <a:solidFill>
+                  <a:srgbClr val="00B050"/>
+                </a:solidFill>
+              </a:rPr>
+              <a:t>Comprimento</a:t>
+            </a:r>
+            <a:endParaRPr lang="en-US" dirty="0">
+              <a:solidFill>
+                <a:srgbClr val="00B050"/>
+              </a:solidFill>
+            </a:endParaRPr>
+          </a:p>
+        </p:txBody>
+      </p:sp>
+      <p:sp>
+        <p:nvSpPr>
+          <p:cNvPr id="25" name="TextBox 24"/>
+          <p:cNvSpPr txBox="1"/>
+          <p:nvPr/>
+        </p:nvSpPr>
+        <p:spPr>
+          <a:xfrm rot="16200000">
+            <a:off x="453990" y="2786777"/>
+            <a:ext cx="2530613" cy="523220"/>
+          </a:xfrm>
+          <a:prstGeom prst="rect">
+            <a:avLst/>
+          </a:prstGeom>
+          <a:noFill/>
+        </p:spPr>
+        <p:txBody>
+          <a:bodyPr wrap="square" rtlCol="0">
+            <a:spAutoFit/>
+          </a:bodyPr>
+          <a:lstStyle/>
+          <a:p>
+            <a:pPr algn="ctr"/>
+            <a:r>
+              <a:rPr lang="en-US" sz="2800" dirty="0" err="1">
+                <a:solidFill>
+                  <a:srgbClr val="00B050"/>
+                </a:solidFill>
+              </a:rPr>
+              <a:t>Altura</a:t>
+            </a:r>
+            <a:endParaRPr lang="en-US" dirty="0">
+              <a:solidFill>
+                <a:srgbClr val="00B050"/>
+              </a:solidFill>
+            </a:endParaRPr>
+          </a:p>
+        </p:txBody>
+      </p:sp>
+      <p:cxnSp>
+        <p:nvCxnSpPr>
+          <p:cNvPr id="26" name="Straight Arrow Connector 25"/>
+          <p:cNvCxnSpPr/>
+          <p:nvPr/>
+        </p:nvCxnSpPr>
+        <p:spPr>
+          <a:xfrm flipH="1">
+            <a:off x="2250167" y="1653540"/>
+            <a:ext cx="0" cy="2849880"/>
+          </a:xfrm>
+          <a:prstGeom prst="straightConnector1">
+            <a:avLst/>
+          </a:prstGeom>
+          <a:ln w="123825">
+            <a:solidFill>
+              <a:srgbClr val="00B050"/>
+            </a:solidFill>
+            <a:headEnd type="triangle"/>
+            <a:tailEnd type="triangle"/>
+          </a:ln>
+        </p:spPr>
+        <p:style>
+          <a:lnRef idx="1">
+            <a:schemeClr val="accent1"/>
+          </a:lnRef>
+          <a:fillRef idx="0">
+            <a:schemeClr val="accent1"/>
+          </a:fillRef>
+          <a:effectRef idx="0">
+            <a:schemeClr val="accent1"/>
+          </a:effectRef>
+          <a:fontRef idx="minor">
+            <a:schemeClr val="tx1"/>
+          </a:fontRef>
+        </p:style>
+      </p:cxnSp>
+      <p:sp>
+        <p:nvSpPr>
+          <p:cNvPr id="27" name="TextBox 26"/>
+          <p:cNvSpPr txBox="1"/>
+          <p:nvPr/>
+        </p:nvSpPr>
+        <p:spPr>
+          <a:xfrm>
+            <a:off x="3383280" y="1075194"/>
+            <a:ext cx="2822078" cy="707886"/>
+          </a:xfrm>
+          <a:prstGeom prst="rect">
+            <a:avLst/>
+          </a:prstGeom>
+          <a:noFill/>
+        </p:spPr>
+        <p:txBody>
+          <a:bodyPr wrap="square" rtlCol="0">
+            <a:spAutoFit/>
+          </a:bodyPr>
+          <a:lstStyle/>
+          <a:p>
+            <a:r>
+              <a:rPr lang="en-US" sz="4000" b="1" dirty="0">
+                <a:solidFill>
+                  <a:srgbClr val="002060"/>
+                </a:solidFill>
+              </a:rPr>
+              <a:t>A</a:t>
+            </a:r>
+            <a:r>
+              <a:rPr lang="en-US" sz="2800" b="1" dirty="0">
+                <a:solidFill>
+                  <a:srgbClr val="002060"/>
+                </a:solidFill>
+              </a:rPr>
+              <a:t>(</a:t>
+            </a:r>
+            <a:r>
+              <a:rPr lang="en-US" sz="2800" b="1" dirty="0" err="1">
+                <a:solidFill>
+                  <a:srgbClr val="002060"/>
+                </a:solidFill>
+              </a:rPr>
+              <a:t>ax,ay,az</a:t>
+            </a:r>
+            <a:r>
+              <a:rPr lang="en-US" sz="2800" b="1" dirty="0">
+                <a:solidFill>
+                  <a:srgbClr val="002060"/>
+                </a:solidFill>
+              </a:rPr>
+              <a:t>)</a:t>
+            </a:r>
+            <a:endParaRPr lang="en-US" sz="1200" b="1" dirty="0">
+              <a:solidFill>
+                <a:srgbClr val="002060"/>
+              </a:solidFill>
+            </a:endParaRPr>
+          </a:p>
+        </p:txBody>
+      </p:sp>
+      <p:sp>
+        <p:nvSpPr>
+          <p:cNvPr id="28" name="TextBox 27"/>
+          <p:cNvSpPr txBox="1"/>
+          <p:nvPr/>
+        </p:nvSpPr>
+        <p:spPr>
+          <a:xfrm>
+            <a:off x="3394622" y="4283600"/>
+            <a:ext cx="2822078" cy="707886"/>
+          </a:xfrm>
+          <a:prstGeom prst="rect">
+            <a:avLst/>
+          </a:prstGeom>
+          <a:noFill/>
+        </p:spPr>
+        <p:txBody>
+          <a:bodyPr wrap="square" rtlCol="0">
+            <a:spAutoFit/>
+          </a:bodyPr>
+          <a:lstStyle/>
+          <a:p>
+            <a:r>
+              <a:rPr lang="en-US" sz="4000" b="1" dirty="0">
+                <a:solidFill>
+                  <a:srgbClr val="002060"/>
+                </a:solidFill>
+              </a:rPr>
+              <a:t>B</a:t>
+            </a:r>
+            <a:r>
+              <a:rPr lang="en-US" sz="2800" b="1" dirty="0">
+                <a:solidFill>
+                  <a:srgbClr val="002060"/>
+                </a:solidFill>
+              </a:rPr>
+              <a:t>(</a:t>
+            </a:r>
+            <a:r>
+              <a:rPr lang="en-US" sz="2800" b="1" dirty="0" err="1">
+                <a:solidFill>
+                  <a:srgbClr val="002060"/>
+                </a:solidFill>
+              </a:rPr>
+              <a:t>bx,by,bz</a:t>
+            </a:r>
+            <a:r>
+              <a:rPr lang="en-US" sz="2800" b="1" dirty="0">
+                <a:solidFill>
+                  <a:srgbClr val="002060"/>
+                </a:solidFill>
+              </a:rPr>
+              <a:t>)</a:t>
+            </a:r>
+            <a:endParaRPr lang="en-US" sz="1200" b="1" dirty="0">
+              <a:solidFill>
+                <a:srgbClr val="002060"/>
+              </a:solidFill>
+            </a:endParaRPr>
+          </a:p>
+        </p:txBody>
+      </p:sp>
+      <p:sp>
+        <p:nvSpPr>
+          <p:cNvPr id="29" name="TextBox 28"/>
+          <p:cNvSpPr txBox="1"/>
+          <p:nvPr/>
+        </p:nvSpPr>
+        <p:spPr>
+          <a:xfrm>
+            <a:off x="9351286" y="4308314"/>
+            <a:ext cx="2822078" cy="707886"/>
+          </a:xfrm>
+          <a:prstGeom prst="rect">
+            <a:avLst/>
+          </a:prstGeom>
+          <a:noFill/>
+        </p:spPr>
+        <p:txBody>
+          <a:bodyPr wrap="square" rtlCol="0">
+            <a:spAutoFit/>
+          </a:bodyPr>
+          <a:lstStyle/>
+          <a:p>
+            <a:r>
+              <a:rPr lang="en-US" sz="4000" b="1" dirty="0">
+                <a:solidFill>
+                  <a:srgbClr val="002060"/>
+                </a:solidFill>
+              </a:rPr>
+              <a:t>C</a:t>
+            </a:r>
+            <a:r>
+              <a:rPr lang="en-US" sz="2800" b="1" dirty="0">
+                <a:solidFill>
+                  <a:srgbClr val="002060"/>
+                </a:solidFill>
+              </a:rPr>
+              <a:t>(</a:t>
+            </a:r>
+            <a:r>
+              <a:rPr lang="en-US" sz="2800" b="1" dirty="0" err="1">
+                <a:solidFill>
+                  <a:srgbClr val="002060"/>
+                </a:solidFill>
+              </a:rPr>
+              <a:t>cx,cy,cz</a:t>
+            </a:r>
+            <a:r>
+              <a:rPr lang="en-US" sz="2800" b="1" dirty="0">
+                <a:solidFill>
+                  <a:srgbClr val="002060"/>
+                </a:solidFill>
+              </a:rPr>
+              <a:t>)</a:t>
+            </a:r>
+            <a:endParaRPr lang="en-US" sz="1200" b="1" dirty="0">
+              <a:solidFill>
+                <a:srgbClr val="002060"/>
+              </a:solidFill>
+            </a:endParaRPr>
+          </a:p>
+        </p:txBody>
+      </p:sp>
+      <p:sp>
+        <p:nvSpPr>
+          <p:cNvPr id="30" name="TextBox 29"/>
+          <p:cNvSpPr txBox="1"/>
+          <p:nvPr/>
+        </p:nvSpPr>
+        <p:spPr>
+          <a:xfrm>
+            <a:off x="9369922" y="1099623"/>
+            <a:ext cx="2822078" cy="707886"/>
+          </a:xfrm>
+          <a:prstGeom prst="rect">
+            <a:avLst/>
+          </a:prstGeom>
+          <a:noFill/>
+        </p:spPr>
+        <p:txBody>
+          <a:bodyPr wrap="square" rtlCol="0">
+            <a:spAutoFit/>
+          </a:bodyPr>
+          <a:lstStyle/>
+          <a:p>
+            <a:r>
+              <a:rPr lang="en-US" sz="4000" b="1" dirty="0">
+                <a:solidFill>
+                  <a:srgbClr val="002060"/>
+                </a:solidFill>
+              </a:rPr>
+              <a:t>D</a:t>
+            </a:r>
+            <a:r>
+              <a:rPr lang="en-US" sz="2800" b="1" dirty="0">
+                <a:solidFill>
+                  <a:srgbClr val="002060"/>
+                </a:solidFill>
+              </a:rPr>
+              <a:t>(</a:t>
+            </a:r>
+            <a:r>
+              <a:rPr lang="en-US" sz="2800" b="1" dirty="0" err="1">
+                <a:solidFill>
+                  <a:srgbClr val="002060"/>
+                </a:solidFill>
+              </a:rPr>
+              <a:t>dx,dy,dz</a:t>
+            </a:r>
+            <a:r>
+              <a:rPr lang="en-US" sz="2800" b="1" dirty="0">
+                <a:solidFill>
+                  <a:srgbClr val="002060"/>
+                </a:solidFill>
+              </a:rPr>
+              <a:t>)</a:t>
+            </a:r>
+            <a:endParaRPr lang="en-US" sz="1200" b="1" dirty="0">
+              <a:solidFill>
+                <a:srgbClr val="002060"/>
+              </a:solidFill>
+            </a:endParaRPr>
+          </a:p>
+        </p:txBody>
+      </p:sp>
+      <p:sp>
+        <p:nvSpPr>
+          <p:cNvPr id="31" name="TextBox 30"/>
+          <p:cNvSpPr txBox="1"/>
+          <p:nvPr/>
+        </p:nvSpPr>
+        <p:spPr>
+          <a:xfrm>
+            <a:off x="6737935" y="2403332"/>
+            <a:ext cx="2822078" cy="707886"/>
+          </a:xfrm>
+          <a:prstGeom prst="rect">
+            <a:avLst/>
+          </a:prstGeom>
+          <a:noFill/>
+        </p:spPr>
+        <p:txBody>
+          <a:bodyPr wrap="square" rtlCol="0">
+            <a:spAutoFit/>
+          </a:bodyPr>
+          <a:lstStyle/>
+          <a:p>
+            <a:r>
+              <a:rPr lang="en-US" sz="4000" b="1" dirty="0">
+                <a:solidFill>
+                  <a:srgbClr val="002060"/>
+                </a:solidFill>
+              </a:rPr>
+              <a:t>P</a:t>
+            </a:r>
+            <a:r>
+              <a:rPr lang="en-US" sz="2800" b="1" dirty="0">
+                <a:solidFill>
+                  <a:srgbClr val="002060"/>
+                </a:solidFill>
+              </a:rPr>
+              <a:t>(</a:t>
+            </a:r>
+            <a:r>
+              <a:rPr lang="en-US" sz="2800" b="1" dirty="0" err="1">
+                <a:solidFill>
+                  <a:srgbClr val="002060"/>
+                </a:solidFill>
+              </a:rPr>
+              <a:t>px,py,pz</a:t>
+            </a:r>
+            <a:r>
+              <a:rPr lang="en-US" sz="2800" b="1" dirty="0">
+                <a:solidFill>
+                  <a:srgbClr val="002060"/>
+                </a:solidFill>
+              </a:rPr>
+              <a:t>)</a:t>
+            </a:r>
+            <a:endParaRPr lang="en-US" sz="1200" b="1" dirty="0">
+              <a:solidFill>
+                <a:srgbClr val="002060"/>
+              </a:solidFill>
+            </a:endParaRPr>
+          </a:p>
+        </p:txBody>
+      </p:sp>
+      <p:sp>
+        <p:nvSpPr>
+          <p:cNvPr id="32" name="Oval 31"/>
+          <p:cNvSpPr/>
+          <p:nvPr/>
+        </p:nvSpPr>
+        <p:spPr>
+          <a:xfrm>
+            <a:off x="3788995" y="1661057"/>
+            <a:ext cx="259081" cy="231071"/>
+          </a:xfrm>
+          <a:prstGeom prst="ellipse">
+            <a:avLst/>
+          </a:prstGeom>
+        </p:spPr>
+        <p:style>
+          <a:lnRef idx="2">
+            <a:schemeClr val="accent1">
+              <a:shade val="50000"/>
+            </a:schemeClr>
+          </a:lnRef>
+          <a:fillRef idx="1">
+            <a:schemeClr val="accent1"/>
+          </a:fillRef>
+          <a:effectRef idx="0">
+            <a:schemeClr val="accent1"/>
+          </a:effectRef>
+          <a:fontRef idx="minor">
+            <a:schemeClr val="lt1"/>
+          </a:fontRef>
+        </p:style>
+        <p:txBody>
+          <a:bodyPr rtlCol="0" anchor="ctr"/>
+          <a:lstStyle/>
+          <a:p>
+            <a:pPr algn="ctr"/>
+            <a:endParaRPr lang="en-US"/>
+          </a:p>
+        </p:txBody>
+      </p:sp>
+      <p:sp>
+        <p:nvSpPr>
+          <p:cNvPr id="33" name="Oval 32"/>
+          <p:cNvSpPr/>
+          <p:nvPr/>
+        </p:nvSpPr>
+        <p:spPr>
+          <a:xfrm>
+            <a:off x="3784055" y="4258344"/>
+            <a:ext cx="259081" cy="231071"/>
+          </a:xfrm>
+          <a:prstGeom prst="ellipse">
+            <a:avLst/>
+          </a:prstGeom>
+        </p:spPr>
+        <p:style>
+          <a:lnRef idx="2">
+            <a:schemeClr val="accent1">
+              <a:shade val="50000"/>
+            </a:schemeClr>
+          </a:lnRef>
+          <a:fillRef idx="1">
+            <a:schemeClr val="accent1"/>
+          </a:fillRef>
+          <a:effectRef idx="0">
+            <a:schemeClr val="accent1"/>
+          </a:effectRef>
+          <a:fontRef idx="minor">
+            <a:schemeClr val="lt1"/>
+          </a:fontRef>
+        </p:style>
+        <p:txBody>
+          <a:bodyPr rtlCol="0" anchor="ctr"/>
+          <a:lstStyle/>
+          <a:p>
+            <a:pPr algn="ctr"/>
+            <a:endParaRPr lang="en-US"/>
+          </a:p>
+        </p:txBody>
+      </p:sp>
+      <p:sp>
+        <p:nvSpPr>
+          <p:cNvPr id="34" name="Oval 33"/>
+          <p:cNvSpPr/>
+          <p:nvPr/>
+        </p:nvSpPr>
+        <p:spPr>
+          <a:xfrm>
+            <a:off x="9427794" y="1678989"/>
+            <a:ext cx="259081" cy="231071"/>
+          </a:xfrm>
+          <a:prstGeom prst="ellipse">
+            <a:avLst/>
+          </a:prstGeom>
+        </p:spPr>
+        <p:style>
+          <a:lnRef idx="2">
+            <a:schemeClr val="accent1">
+              <a:shade val="50000"/>
+            </a:schemeClr>
+          </a:lnRef>
+          <a:fillRef idx="1">
+            <a:schemeClr val="accent1"/>
+          </a:fillRef>
+          <a:effectRef idx="0">
+            <a:schemeClr val="accent1"/>
+          </a:effectRef>
+          <a:fontRef idx="minor">
+            <a:schemeClr val="lt1"/>
+          </a:fontRef>
+        </p:style>
+        <p:txBody>
+          <a:bodyPr rtlCol="0" anchor="ctr"/>
+          <a:lstStyle/>
+          <a:p>
+            <a:pPr algn="ctr"/>
+            <a:endParaRPr lang="en-US"/>
+          </a:p>
+        </p:txBody>
+      </p:sp>
+      <p:sp>
+        <p:nvSpPr>
+          <p:cNvPr id="35" name="Oval 34"/>
+          <p:cNvSpPr/>
+          <p:nvPr/>
+        </p:nvSpPr>
+        <p:spPr>
+          <a:xfrm>
+            <a:off x="9427793" y="4225515"/>
+            <a:ext cx="259081" cy="231071"/>
+          </a:xfrm>
+          <a:prstGeom prst="ellipse">
+            <a:avLst/>
+          </a:prstGeom>
+        </p:spPr>
+        <p:style>
+          <a:lnRef idx="2">
+            <a:schemeClr val="accent1">
+              <a:shade val="50000"/>
+            </a:schemeClr>
+          </a:lnRef>
+          <a:fillRef idx="1">
+            <a:schemeClr val="accent1"/>
+          </a:fillRef>
+          <a:effectRef idx="0">
+            <a:schemeClr val="accent1"/>
+          </a:effectRef>
+          <a:fontRef idx="minor">
+            <a:schemeClr val="lt1"/>
+          </a:fontRef>
+        </p:style>
+        <p:txBody>
+          <a:bodyPr rtlCol="0" anchor="ctr"/>
+          <a:lstStyle/>
+          <a:p>
+            <a:pPr algn="ctr"/>
+            <a:endParaRPr lang="en-US"/>
+          </a:p>
+        </p:txBody>
+      </p:sp>
+      <p:sp>
+        <p:nvSpPr>
+          <p:cNvPr id="36" name="Oval 35"/>
+          <p:cNvSpPr/>
+          <p:nvPr/>
+        </p:nvSpPr>
+        <p:spPr>
+          <a:xfrm>
+            <a:off x="6608394" y="2932851"/>
+            <a:ext cx="259081" cy="231071"/>
+          </a:xfrm>
+          <a:prstGeom prst="ellipse">
+            <a:avLst/>
+          </a:prstGeom>
+        </p:spPr>
+        <p:style>
+          <a:lnRef idx="2">
+            <a:schemeClr val="accent1">
+              <a:shade val="50000"/>
+            </a:schemeClr>
+          </a:lnRef>
+          <a:fillRef idx="1">
+            <a:schemeClr val="accent1"/>
+          </a:fillRef>
+          <a:effectRef idx="0">
+            <a:schemeClr val="accent1"/>
+          </a:effectRef>
+          <a:fontRef idx="minor">
+            <a:schemeClr val="lt1"/>
+          </a:fontRef>
+        </p:style>
+        <p:txBody>
+          <a:bodyPr rtlCol="0" anchor="ctr"/>
+          <a:lstStyle/>
+          <a:p>
+            <a:pPr algn="ctr"/>
+            <a:endParaRPr lang="en-US"/>
+          </a:p>
+        </p:txBody>
+      </p:sp>
+    </p:spTree>
+    <p:extLst>
+      <p:ext uri="{BB962C8B-B14F-4D97-AF65-F5344CB8AC3E}">
+        <p14:creationId xmlns:p14="http://schemas.microsoft.com/office/powerpoint/2010/main" val="2564607861"/>
+      </p:ext>
+    </p:extLst>
+  </p:cSld>
+  <p:clrMapOvr>
+    <a:masterClrMapping/>
+  </p:clrMapOvr>
+</p:sld>
+</file>
+
+<file path=ppt/slides/slide6.xml><?xml version="1.0" encoding="utf-8"?>
+<p:sld xmlns:a="http://schemas.openxmlformats.org/drawingml/2006/main" xmlns:r="http://schemas.openxmlformats.org/officeDocument/2006/relationships" xmlns:p="http://schemas.openxmlformats.org/presentationml/2006/main">
+  <p:cSld>
+    <p:spTree>
+      <p:nvGrpSpPr>
+        <p:cNvPr id="1" name=""/>
+        <p:cNvGrpSpPr/>
+        <p:nvPr/>
+      </p:nvGrpSpPr>
+      <p:grpSpPr>
+        <a:xfrm>
+          <a:off x="0" y="0"/>
+          <a:ext cx="0" cy="0"/>
+          <a:chOff x="0" y="0"/>
+          <a:chExt cx="0" cy="0"/>
+        </a:xfrm>
+      </p:grpSpPr>
+      <p:cxnSp>
+        <p:nvCxnSpPr>
+          <p:cNvPr id="5" name="Straight Arrow Connector 4"/>
+          <p:cNvCxnSpPr/>
+          <p:nvPr/>
+        </p:nvCxnSpPr>
+        <p:spPr>
+          <a:xfrm flipV="1">
+            <a:off x="6705600" y="838200"/>
+            <a:ext cx="0" cy="5760720"/>
+          </a:xfrm>
+          <a:prstGeom prst="straightConnector1">
+            <a:avLst/>
+          </a:prstGeom>
+          <a:ln w="101600">
+            <a:solidFill>
+              <a:schemeClr val="tx1"/>
+            </a:solidFill>
+            <a:tailEnd type="triangle"/>
+          </a:ln>
+        </p:spPr>
+        <p:style>
+          <a:lnRef idx="1">
+            <a:schemeClr val="accent1"/>
+          </a:lnRef>
+          <a:fillRef idx="0">
+            <a:schemeClr val="accent1"/>
+          </a:fillRef>
+          <a:effectRef idx="0">
+            <a:schemeClr val="accent1"/>
+          </a:effectRef>
+          <a:fontRef idx="minor">
+            <a:schemeClr val="tx1"/>
+          </a:fontRef>
+        </p:style>
+      </p:cxnSp>
+      <p:cxnSp>
+        <p:nvCxnSpPr>
+          <p:cNvPr id="9" name="Straight Arrow Connector 8"/>
+          <p:cNvCxnSpPr/>
+          <p:nvPr/>
+        </p:nvCxnSpPr>
+        <p:spPr>
+          <a:xfrm flipH="1">
+            <a:off x="2118360" y="3459480"/>
+            <a:ext cx="8714192" cy="0"/>
+          </a:xfrm>
+          <a:prstGeom prst="straightConnector1">
+            <a:avLst/>
+          </a:prstGeom>
+          <a:ln w="101600">
+            <a:solidFill>
+              <a:schemeClr val="tx1"/>
+            </a:solidFill>
+            <a:tailEnd type="triangle"/>
+          </a:ln>
+        </p:spPr>
+        <p:style>
+          <a:lnRef idx="1">
+            <a:schemeClr val="accent1"/>
+          </a:lnRef>
+          <a:fillRef idx="0">
+            <a:schemeClr val="accent1"/>
+          </a:fillRef>
+          <a:effectRef idx="0">
+            <a:schemeClr val="accent1"/>
+          </a:effectRef>
+          <a:fontRef idx="minor">
+            <a:schemeClr val="tx1"/>
+          </a:fontRef>
+        </p:style>
+      </p:cxnSp>
+      <p:sp>
+        <p:nvSpPr>
+          <p:cNvPr id="15" name="Rectangle 14"/>
+          <p:cNvSpPr/>
+          <p:nvPr/>
+        </p:nvSpPr>
+        <p:spPr>
+          <a:xfrm>
+            <a:off x="3860252" y="2148840"/>
+            <a:ext cx="5638800" cy="2590800"/>
+          </a:xfrm>
+          <a:prstGeom prst="rect">
+            <a:avLst/>
+          </a:prstGeom>
+          <a:noFill/>
+          <a:ln w="101600">
+            <a:solidFill>
+              <a:srgbClr val="C00000"/>
+            </a:solidFill>
+          </a:ln>
+        </p:spPr>
+        <p:style>
+          <a:lnRef idx="2">
+            <a:schemeClr val="accent1">
+              <a:shade val="50000"/>
+            </a:schemeClr>
+          </a:lnRef>
+          <a:fillRef idx="1">
+            <a:schemeClr val="accent1"/>
+          </a:fillRef>
+          <a:effectRef idx="0">
+            <a:schemeClr val="accent1"/>
+          </a:effectRef>
+          <a:fontRef idx="minor">
+            <a:schemeClr val="lt1"/>
+          </a:fontRef>
+        </p:style>
+        <p:txBody>
+          <a:bodyPr rtlCol="0" anchor="ctr"/>
+          <a:lstStyle/>
+          <a:p>
+            <a:pPr algn="ctr"/>
+            <a:endParaRPr lang="en-US"/>
+          </a:p>
+        </p:txBody>
+      </p:sp>
+      <p:sp>
+        <p:nvSpPr>
+          <p:cNvPr id="20" name="TextBox 19"/>
+          <p:cNvSpPr txBox="1"/>
+          <p:nvPr/>
+        </p:nvSpPr>
+        <p:spPr>
+          <a:xfrm>
+            <a:off x="6905575" y="1087011"/>
+            <a:ext cx="537932" cy="707886"/>
+          </a:xfrm>
+          <a:prstGeom prst="rect">
+            <a:avLst/>
+          </a:prstGeom>
+          <a:noFill/>
+        </p:spPr>
+        <p:txBody>
+          <a:bodyPr wrap="square" rtlCol="0">
+            <a:spAutoFit/>
+          </a:bodyPr>
+          <a:lstStyle/>
+          <a:p>
+            <a:r>
+              <a:rPr lang="en-US" sz="4000" b="1" dirty="0"/>
+              <a:t>y</a:t>
+            </a:r>
+            <a:endParaRPr lang="en-US" b="1" dirty="0"/>
+          </a:p>
+        </p:txBody>
+      </p:sp>
+      <p:sp>
+        <p:nvSpPr>
+          <p:cNvPr id="21" name="TextBox 20"/>
+          <p:cNvSpPr txBox="1"/>
+          <p:nvPr/>
+        </p:nvSpPr>
+        <p:spPr>
+          <a:xfrm>
+            <a:off x="2448697" y="3459480"/>
+            <a:ext cx="537932" cy="707886"/>
+          </a:xfrm>
+          <a:prstGeom prst="rect">
+            <a:avLst/>
+          </a:prstGeom>
+          <a:noFill/>
+        </p:spPr>
+        <p:txBody>
+          <a:bodyPr wrap="square" rtlCol="0">
+            <a:spAutoFit/>
+          </a:bodyPr>
+          <a:lstStyle/>
+          <a:p>
+            <a:r>
+              <a:rPr lang="en-US" sz="4000" b="1" dirty="0"/>
+              <a:t>z</a:t>
+            </a:r>
+            <a:endParaRPr lang="en-US" b="1" dirty="0"/>
+          </a:p>
+        </p:txBody>
+      </p:sp>
+      <p:cxnSp>
+        <p:nvCxnSpPr>
+          <p:cNvPr id="23" name="Straight Connector 22"/>
+          <p:cNvCxnSpPr/>
+          <p:nvPr/>
+        </p:nvCxnSpPr>
+        <p:spPr>
+          <a:xfrm>
+            <a:off x="3854898" y="2148840"/>
+            <a:ext cx="5644154" cy="2590800"/>
+          </a:xfrm>
+          <a:prstGeom prst="line">
+            <a:avLst/>
+          </a:prstGeom>
+          <a:ln w="34925">
+            <a:solidFill>
+              <a:srgbClr val="C00000"/>
+            </a:solidFill>
+            <a:prstDash val="sysDash"/>
+          </a:ln>
+        </p:spPr>
+        <p:style>
+          <a:lnRef idx="1">
+            <a:schemeClr val="accent1"/>
+          </a:lnRef>
+          <a:fillRef idx="0">
+            <a:schemeClr val="accent1"/>
+          </a:fillRef>
+          <a:effectRef idx="0">
+            <a:schemeClr val="accent1"/>
+          </a:effectRef>
+          <a:fontRef idx="minor">
+            <a:schemeClr val="tx1"/>
+          </a:fontRef>
+        </p:style>
+      </p:cxnSp>
+      <p:cxnSp>
+        <p:nvCxnSpPr>
+          <p:cNvPr id="22" name="Straight Arrow Connector 21"/>
+          <p:cNvCxnSpPr/>
+          <p:nvPr/>
+        </p:nvCxnSpPr>
+        <p:spPr>
+          <a:xfrm>
+            <a:off x="3854898" y="716280"/>
+            <a:ext cx="5644154" cy="0"/>
+          </a:xfrm>
+          <a:prstGeom prst="straightConnector1">
+            <a:avLst/>
+          </a:prstGeom>
+          <a:ln w="123825">
+            <a:solidFill>
+              <a:srgbClr val="00B050"/>
+            </a:solidFill>
+            <a:headEnd type="triangle"/>
+            <a:tailEnd type="triangle"/>
+          </a:ln>
+        </p:spPr>
+        <p:style>
+          <a:lnRef idx="1">
+            <a:schemeClr val="accent1"/>
+          </a:lnRef>
+          <a:fillRef idx="0">
+            <a:schemeClr val="accent1"/>
+          </a:fillRef>
+          <a:effectRef idx="0">
+            <a:schemeClr val="accent1"/>
+          </a:effectRef>
+          <a:fontRef idx="minor">
+            <a:schemeClr val="tx1"/>
+          </a:fontRef>
+        </p:style>
+      </p:cxnSp>
+      <p:sp>
+        <p:nvSpPr>
+          <p:cNvPr id="24" name="TextBox 23"/>
+          <p:cNvSpPr txBox="1"/>
+          <p:nvPr/>
+        </p:nvSpPr>
+        <p:spPr>
+          <a:xfrm>
+            <a:off x="4007298" y="106680"/>
+            <a:ext cx="5644154" cy="523220"/>
+          </a:xfrm>
+          <a:prstGeom prst="rect">
+            <a:avLst/>
+          </a:prstGeom>
+          <a:noFill/>
+        </p:spPr>
+        <p:txBody>
+          <a:bodyPr wrap="square" rtlCol="0">
+            <a:spAutoFit/>
+          </a:bodyPr>
+          <a:lstStyle/>
+          <a:p>
+            <a:pPr algn="ctr"/>
+            <a:r>
+              <a:rPr lang="en-US" sz="2800" dirty="0" err="1">
+                <a:solidFill>
+                  <a:srgbClr val="00B050"/>
+                </a:solidFill>
+              </a:rPr>
+              <a:t>Comprimento</a:t>
+            </a:r>
+            <a:endParaRPr lang="en-US" dirty="0">
+              <a:solidFill>
+                <a:srgbClr val="00B050"/>
+              </a:solidFill>
+            </a:endParaRPr>
+          </a:p>
+        </p:txBody>
+      </p:sp>
+      <p:sp>
+        <p:nvSpPr>
+          <p:cNvPr id="25" name="TextBox 24"/>
+          <p:cNvSpPr txBox="1"/>
+          <p:nvPr/>
+        </p:nvSpPr>
+        <p:spPr>
+          <a:xfrm rot="16200000">
+            <a:off x="393030" y="3152537"/>
+            <a:ext cx="2530613" cy="523220"/>
+          </a:xfrm>
+          <a:prstGeom prst="rect">
+            <a:avLst/>
+          </a:prstGeom>
+          <a:noFill/>
+        </p:spPr>
+        <p:txBody>
+          <a:bodyPr wrap="square" rtlCol="0">
+            <a:spAutoFit/>
+          </a:bodyPr>
+          <a:lstStyle/>
+          <a:p>
+            <a:pPr algn="ctr"/>
+            <a:r>
+              <a:rPr lang="en-US" sz="2800" dirty="0" err="1">
+                <a:solidFill>
+                  <a:srgbClr val="00B050"/>
+                </a:solidFill>
+              </a:rPr>
+              <a:t>Altura</a:t>
+            </a:r>
+            <a:endParaRPr lang="en-US" dirty="0">
+              <a:solidFill>
+                <a:srgbClr val="00B050"/>
+              </a:solidFill>
+            </a:endParaRPr>
+          </a:p>
+        </p:txBody>
+      </p:sp>
+      <p:cxnSp>
+        <p:nvCxnSpPr>
+          <p:cNvPr id="26" name="Straight Arrow Connector 25"/>
+          <p:cNvCxnSpPr/>
+          <p:nvPr/>
+        </p:nvCxnSpPr>
+        <p:spPr>
+          <a:xfrm flipH="1">
+            <a:off x="2006327" y="2019300"/>
+            <a:ext cx="0" cy="2849880"/>
+          </a:xfrm>
+          <a:prstGeom prst="straightConnector1">
+            <a:avLst/>
+          </a:prstGeom>
+          <a:ln w="123825">
+            <a:solidFill>
+              <a:srgbClr val="00B050"/>
+            </a:solidFill>
+            <a:headEnd type="triangle"/>
+            <a:tailEnd type="triangle"/>
+          </a:ln>
+        </p:spPr>
+        <p:style>
+          <a:lnRef idx="1">
+            <a:schemeClr val="accent1"/>
+          </a:lnRef>
+          <a:fillRef idx="0">
+            <a:schemeClr val="accent1"/>
+          </a:fillRef>
+          <a:effectRef idx="0">
+            <a:schemeClr val="accent1"/>
+          </a:effectRef>
+          <a:fontRef idx="minor">
+            <a:schemeClr val="tx1"/>
+          </a:fontRef>
+        </p:style>
+      </p:cxnSp>
+      <p:sp>
+        <p:nvSpPr>
+          <p:cNvPr id="27" name="TextBox 26"/>
+          <p:cNvSpPr txBox="1"/>
+          <p:nvPr/>
+        </p:nvSpPr>
+        <p:spPr>
+          <a:xfrm>
+            <a:off x="3316966" y="1471048"/>
+            <a:ext cx="2822078" cy="707886"/>
+          </a:xfrm>
+          <a:prstGeom prst="rect">
+            <a:avLst/>
+          </a:prstGeom>
+          <a:noFill/>
+        </p:spPr>
+        <p:txBody>
+          <a:bodyPr wrap="square" rtlCol="0">
+            <a:spAutoFit/>
+          </a:bodyPr>
+          <a:lstStyle/>
+          <a:p>
+            <a:r>
+              <a:rPr lang="en-US" sz="4000" b="1" dirty="0">
+                <a:solidFill>
+                  <a:srgbClr val="002060"/>
+                </a:solidFill>
+              </a:rPr>
+              <a:t>A</a:t>
+            </a:r>
+            <a:r>
+              <a:rPr lang="en-US" sz="2800" b="1" dirty="0">
+                <a:solidFill>
+                  <a:srgbClr val="002060"/>
+                </a:solidFill>
+              </a:rPr>
+              <a:t>(</a:t>
+            </a:r>
+            <a:r>
+              <a:rPr lang="en-US" sz="2800" b="1" dirty="0" err="1">
+                <a:solidFill>
+                  <a:srgbClr val="002060"/>
+                </a:solidFill>
+              </a:rPr>
+              <a:t>ax,ay,az</a:t>
+            </a:r>
+            <a:r>
+              <a:rPr lang="en-US" sz="2800" b="1" dirty="0">
+                <a:solidFill>
+                  <a:srgbClr val="002060"/>
+                </a:solidFill>
+              </a:rPr>
+              <a:t>)</a:t>
+            </a:r>
+            <a:endParaRPr lang="en-US" sz="1200" b="1" dirty="0">
+              <a:solidFill>
+                <a:srgbClr val="002060"/>
+              </a:solidFill>
+            </a:endParaRPr>
+          </a:p>
+        </p:txBody>
+      </p:sp>
+      <p:sp>
+        <p:nvSpPr>
+          <p:cNvPr id="28" name="TextBox 27"/>
+          <p:cNvSpPr txBox="1"/>
+          <p:nvPr/>
+        </p:nvSpPr>
+        <p:spPr>
+          <a:xfrm>
+            <a:off x="3328308" y="4679454"/>
+            <a:ext cx="2822078" cy="707886"/>
+          </a:xfrm>
+          <a:prstGeom prst="rect">
+            <a:avLst/>
+          </a:prstGeom>
+          <a:noFill/>
+        </p:spPr>
+        <p:txBody>
+          <a:bodyPr wrap="square" rtlCol="0">
+            <a:spAutoFit/>
+          </a:bodyPr>
+          <a:lstStyle/>
+          <a:p>
+            <a:r>
+              <a:rPr lang="en-US" sz="4000" b="1" dirty="0">
+                <a:solidFill>
+                  <a:srgbClr val="002060"/>
+                </a:solidFill>
+              </a:rPr>
+              <a:t>B</a:t>
+            </a:r>
+            <a:r>
+              <a:rPr lang="en-US" sz="2800" b="1" dirty="0">
+                <a:solidFill>
+                  <a:srgbClr val="002060"/>
+                </a:solidFill>
+              </a:rPr>
+              <a:t>(</a:t>
+            </a:r>
+            <a:r>
+              <a:rPr lang="en-US" sz="2800" b="1" dirty="0" err="1">
+                <a:solidFill>
+                  <a:srgbClr val="002060"/>
+                </a:solidFill>
+              </a:rPr>
+              <a:t>bx,by,bz</a:t>
+            </a:r>
+            <a:r>
+              <a:rPr lang="en-US" sz="2800" b="1" dirty="0">
+                <a:solidFill>
+                  <a:srgbClr val="002060"/>
+                </a:solidFill>
+              </a:rPr>
+              <a:t>)</a:t>
+            </a:r>
+            <a:endParaRPr lang="en-US" sz="1200" b="1" dirty="0">
+              <a:solidFill>
+                <a:srgbClr val="002060"/>
+              </a:solidFill>
+            </a:endParaRPr>
+          </a:p>
+        </p:txBody>
+      </p:sp>
+      <p:sp>
+        <p:nvSpPr>
+          <p:cNvPr id="29" name="TextBox 28"/>
+          <p:cNvSpPr txBox="1"/>
+          <p:nvPr/>
+        </p:nvSpPr>
+        <p:spPr>
+          <a:xfrm>
+            <a:off x="9284972" y="4704168"/>
+            <a:ext cx="2822078" cy="707886"/>
+          </a:xfrm>
+          <a:prstGeom prst="rect">
+            <a:avLst/>
+          </a:prstGeom>
+          <a:noFill/>
+        </p:spPr>
+        <p:txBody>
+          <a:bodyPr wrap="square" rtlCol="0">
+            <a:spAutoFit/>
+          </a:bodyPr>
+          <a:lstStyle/>
+          <a:p>
+            <a:r>
+              <a:rPr lang="en-US" sz="4000" b="1" dirty="0">
+                <a:solidFill>
+                  <a:srgbClr val="002060"/>
+                </a:solidFill>
+              </a:rPr>
+              <a:t>C</a:t>
+            </a:r>
+            <a:r>
+              <a:rPr lang="en-US" sz="2800" b="1" dirty="0">
+                <a:solidFill>
+                  <a:srgbClr val="002060"/>
+                </a:solidFill>
+              </a:rPr>
+              <a:t>(</a:t>
+            </a:r>
+            <a:r>
+              <a:rPr lang="en-US" sz="2800" b="1" dirty="0" err="1">
+                <a:solidFill>
+                  <a:srgbClr val="002060"/>
+                </a:solidFill>
+              </a:rPr>
+              <a:t>cx,cy,cz</a:t>
+            </a:r>
+            <a:r>
+              <a:rPr lang="en-US" sz="2800" b="1" dirty="0">
+                <a:solidFill>
+                  <a:srgbClr val="002060"/>
+                </a:solidFill>
+              </a:rPr>
+              <a:t>)</a:t>
+            </a:r>
+            <a:endParaRPr lang="en-US" sz="1200" b="1" dirty="0">
+              <a:solidFill>
+                <a:srgbClr val="002060"/>
+              </a:solidFill>
+            </a:endParaRPr>
+          </a:p>
+        </p:txBody>
+      </p:sp>
+      <p:sp>
+        <p:nvSpPr>
+          <p:cNvPr id="30" name="TextBox 29"/>
+          <p:cNvSpPr txBox="1"/>
+          <p:nvPr/>
+        </p:nvSpPr>
+        <p:spPr>
+          <a:xfrm>
+            <a:off x="9303608" y="1495477"/>
+            <a:ext cx="2822078" cy="707886"/>
+          </a:xfrm>
+          <a:prstGeom prst="rect">
+            <a:avLst/>
+          </a:prstGeom>
+          <a:noFill/>
+        </p:spPr>
+        <p:txBody>
+          <a:bodyPr wrap="square" rtlCol="0">
+            <a:spAutoFit/>
+          </a:bodyPr>
+          <a:lstStyle/>
+          <a:p>
+            <a:r>
+              <a:rPr lang="en-US" sz="4000" b="1" dirty="0">
+                <a:solidFill>
+                  <a:srgbClr val="002060"/>
+                </a:solidFill>
+              </a:rPr>
+              <a:t>D</a:t>
+            </a:r>
+            <a:r>
+              <a:rPr lang="en-US" sz="2800" b="1" dirty="0">
+                <a:solidFill>
+                  <a:srgbClr val="002060"/>
+                </a:solidFill>
+              </a:rPr>
+              <a:t>(</a:t>
+            </a:r>
+            <a:r>
+              <a:rPr lang="en-US" sz="2800" b="1" dirty="0" err="1">
+                <a:solidFill>
+                  <a:srgbClr val="002060"/>
+                </a:solidFill>
+              </a:rPr>
+              <a:t>dx,dy,dz</a:t>
+            </a:r>
+            <a:r>
+              <a:rPr lang="en-US" sz="2800" b="1" dirty="0">
+                <a:solidFill>
+                  <a:srgbClr val="002060"/>
+                </a:solidFill>
+              </a:rPr>
+              <a:t>)</a:t>
+            </a:r>
+            <a:endParaRPr lang="en-US" sz="1200" b="1" dirty="0">
+              <a:solidFill>
+                <a:srgbClr val="002060"/>
+              </a:solidFill>
+            </a:endParaRPr>
+          </a:p>
+        </p:txBody>
+      </p:sp>
+      <p:sp>
+        <p:nvSpPr>
+          <p:cNvPr id="31" name="TextBox 30"/>
+          <p:cNvSpPr txBox="1"/>
+          <p:nvPr/>
+        </p:nvSpPr>
+        <p:spPr>
+          <a:xfrm>
+            <a:off x="6671621" y="2799186"/>
+            <a:ext cx="2822078" cy="707886"/>
+          </a:xfrm>
+          <a:prstGeom prst="rect">
+            <a:avLst/>
+          </a:prstGeom>
+          <a:noFill/>
+        </p:spPr>
+        <p:txBody>
+          <a:bodyPr wrap="square" rtlCol="0">
+            <a:spAutoFit/>
+          </a:bodyPr>
+          <a:lstStyle/>
+          <a:p>
+            <a:r>
+              <a:rPr lang="en-US" sz="4000" b="1" dirty="0">
+                <a:solidFill>
+                  <a:srgbClr val="002060"/>
+                </a:solidFill>
+              </a:rPr>
+              <a:t>P</a:t>
+            </a:r>
+            <a:r>
+              <a:rPr lang="en-US" sz="2800" b="1" dirty="0">
+                <a:solidFill>
+                  <a:srgbClr val="002060"/>
+                </a:solidFill>
+              </a:rPr>
+              <a:t>(</a:t>
+            </a:r>
+            <a:r>
+              <a:rPr lang="en-US" sz="2800" b="1" dirty="0" err="1">
+                <a:solidFill>
+                  <a:srgbClr val="002060"/>
+                </a:solidFill>
+              </a:rPr>
+              <a:t>px,py,pz</a:t>
+            </a:r>
+            <a:r>
+              <a:rPr lang="en-US" sz="2800" b="1" dirty="0">
+                <a:solidFill>
+                  <a:srgbClr val="002060"/>
+                </a:solidFill>
+              </a:rPr>
+              <a:t>)</a:t>
+            </a:r>
+            <a:endParaRPr lang="en-US" sz="1200" b="1" dirty="0">
+              <a:solidFill>
+                <a:srgbClr val="002060"/>
+              </a:solidFill>
+            </a:endParaRPr>
+          </a:p>
+        </p:txBody>
+      </p:sp>
+      <p:sp>
+        <p:nvSpPr>
+          <p:cNvPr id="32" name="Oval 31"/>
+          <p:cNvSpPr/>
+          <p:nvPr/>
+        </p:nvSpPr>
+        <p:spPr>
+          <a:xfrm>
+            <a:off x="3768512" y="2060720"/>
+            <a:ext cx="259081" cy="231071"/>
+          </a:xfrm>
+          <a:prstGeom prst="ellipse">
+            <a:avLst/>
+          </a:prstGeom>
+        </p:spPr>
+        <p:style>
+          <a:lnRef idx="2">
+            <a:schemeClr val="accent1">
+              <a:shade val="50000"/>
+            </a:schemeClr>
+          </a:lnRef>
+          <a:fillRef idx="1">
+            <a:schemeClr val="accent1"/>
+          </a:fillRef>
+          <a:effectRef idx="0">
+            <a:schemeClr val="accent1"/>
+          </a:effectRef>
+          <a:fontRef idx="minor">
+            <a:schemeClr val="lt1"/>
+          </a:fontRef>
+        </p:style>
+        <p:txBody>
+          <a:bodyPr rtlCol="0" anchor="ctr"/>
+          <a:lstStyle/>
+          <a:p>
+            <a:pPr algn="ctr"/>
+            <a:endParaRPr lang="en-US"/>
+          </a:p>
+        </p:txBody>
+      </p:sp>
+      <p:sp>
+        <p:nvSpPr>
+          <p:cNvPr id="33" name="Oval 32"/>
+          <p:cNvSpPr/>
+          <p:nvPr/>
+        </p:nvSpPr>
+        <p:spPr>
+          <a:xfrm>
+            <a:off x="3763572" y="4658007"/>
+            <a:ext cx="259081" cy="231071"/>
+          </a:xfrm>
+          <a:prstGeom prst="ellipse">
+            <a:avLst/>
+          </a:prstGeom>
+        </p:spPr>
+        <p:style>
+          <a:lnRef idx="2">
+            <a:schemeClr val="accent1">
+              <a:shade val="50000"/>
+            </a:schemeClr>
+          </a:lnRef>
+          <a:fillRef idx="1">
+            <a:schemeClr val="accent1"/>
+          </a:fillRef>
+          <a:effectRef idx="0">
+            <a:schemeClr val="accent1"/>
+          </a:effectRef>
+          <a:fontRef idx="minor">
+            <a:schemeClr val="lt1"/>
+          </a:fontRef>
+        </p:style>
+        <p:txBody>
+          <a:bodyPr rtlCol="0" anchor="ctr"/>
+          <a:lstStyle/>
+          <a:p>
+            <a:pPr algn="ctr"/>
+            <a:endParaRPr lang="en-US"/>
+          </a:p>
+        </p:txBody>
+      </p:sp>
+      <p:sp>
+        <p:nvSpPr>
+          <p:cNvPr id="34" name="Oval 33"/>
+          <p:cNvSpPr/>
+          <p:nvPr/>
+        </p:nvSpPr>
+        <p:spPr>
+          <a:xfrm>
+            <a:off x="9394954" y="2053938"/>
+            <a:ext cx="259081" cy="231071"/>
+          </a:xfrm>
+          <a:prstGeom prst="ellipse">
+            <a:avLst/>
+          </a:prstGeom>
+        </p:spPr>
+        <p:style>
+          <a:lnRef idx="2">
+            <a:schemeClr val="accent1">
+              <a:shade val="50000"/>
+            </a:schemeClr>
+          </a:lnRef>
+          <a:fillRef idx="1">
+            <a:schemeClr val="accent1"/>
+          </a:fillRef>
+          <a:effectRef idx="0">
+            <a:schemeClr val="accent1"/>
+          </a:effectRef>
+          <a:fontRef idx="minor">
+            <a:schemeClr val="lt1"/>
+          </a:fontRef>
+        </p:style>
+        <p:txBody>
+          <a:bodyPr rtlCol="0" anchor="ctr"/>
+          <a:lstStyle/>
+          <a:p>
+            <a:pPr algn="ctr"/>
+            <a:endParaRPr lang="en-US"/>
+          </a:p>
+        </p:txBody>
+      </p:sp>
+      <p:sp>
+        <p:nvSpPr>
+          <p:cNvPr id="35" name="Oval 34"/>
+          <p:cNvSpPr/>
+          <p:nvPr/>
+        </p:nvSpPr>
+        <p:spPr>
+          <a:xfrm>
+            <a:off x="9407310" y="4625178"/>
+            <a:ext cx="259081" cy="231071"/>
+          </a:xfrm>
+          <a:prstGeom prst="ellipse">
+            <a:avLst/>
+          </a:prstGeom>
+        </p:spPr>
+        <p:style>
+          <a:lnRef idx="2">
+            <a:schemeClr val="accent1">
+              <a:shade val="50000"/>
+            </a:schemeClr>
+          </a:lnRef>
+          <a:fillRef idx="1">
+            <a:schemeClr val="accent1"/>
+          </a:fillRef>
+          <a:effectRef idx="0">
+            <a:schemeClr val="accent1"/>
+          </a:effectRef>
+          <a:fontRef idx="minor">
+            <a:schemeClr val="lt1"/>
+          </a:fontRef>
+        </p:style>
+        <p:txBody>
+          <a:bodyPr rtlCol="0" anchor="ctr"/>
+          <a:lstStyle/>
+          <a:p>
+            <a:pPr algn="ctr"/>
+            <a:endParaRPr lang="en-US"/>
+          </a:p>
+        </p:txBody>
+      </p:sp>
+      <p:sp>
+        <p:nvSpPr>
+          <p:cNvPr id="36" name="Oval 35"/>
+          <p:cNvSpPr/>
+          <p:nvPr/>
+        </p:nvSpPr>
+        <p:spPr>
+          <a:xfrm>
+            <a:off x="6587911" y="3332514"/>
+            <a:ext cx="259081" cy="231071"/>
+          </a:xfrm>
+          <a:prstGeom prst="ellipse">
+            <a:avLst/>
+          </a:prstGeom>
+        </p:spPr>
+        <p:style>
+          <a:lnRef idx="2">
+            <a:schemeClr val="accent1">
+              <a:shade val="50000"/>
+            </a:schemeClr>
+          </a:lnRef>
+          <a:fillRef idx="1">
+            <a:schemeClr val="accent1"/>
+          </a:fillRef>
+          <a:effectRef idx="0">
+            <a:schemeClr val="accent1"/>
+          </a:effectRef>
+          <a:fontRef idx="minor">
+            <a:schemeClr val="lt1"/>
+          </a:fontRef>
+        </p:style>
+        <p:txBody>
+          <a:bodyPr rtlCol="0" anchor="ctr"/>
+          <a:lstStyle/>
+          <a:p>
+            <a:pPr algn="ctr"/>
+            <a:endParaRPr lang="en-US"/>
+          </a:p>
+        </p:txBody>
+      </p:sp>
+    </p:spTree>
+    <p:extLst>
+      <p:ext uri="{BB962C8B-B14F-4D97-AF65-F5344CB8AC3E}">
+        <p14:creationId xmlns:p14="http://schemas.microsoft.com/office/powerpoint/2010/main" val="743226083"/>
+      </p:ext>
+    </p:extLst>
+  </p:cSld>
+  <p:clrMapOvr>
+    <a:masterClrMapping/>
+  </p:clrMapOvr>
+</p:sld>
+</file>
+
+<file path=ppt/slides/slide7.xml><?xml version="1.0" encoding="utf-8"?>
+<p:sld xmlns:a="http://schemas.openxmlformats.org/drawingml/2006/main" xmlns:r="http://schemas.openxmlformats.org/officeDocument/2006/relationships" xmlns:p="http://schemas.openxmlformats.org/presentationml/2006/main">
+  <p:cSld>
+    <p:spTree>
+      <p:nvGrpSpPr>
+        <p:cNvPr id="1" name=""/>
+        <p:cNvGrpSpPr/>
+        <p:nvPr/>
+      </p:nvGrpSpPr>
+      <p:grpSpPr>
+        <a:xfrm>
+          <a:off x="0" y="0"/>
+          <a:ext cx="0" cy="0"/>
+          <a:chOff x="0" y="0"/>
+          <a:chExt cx="0" cy="0"/>
+        </a:xfrm>
+      </p:grpSpPr>
+      <p:sp>
+        <p:nvSpPr>
+          <p:cNvPr id="5" name="Rectangle 4"/>
+          <p:cNvSpPr/>
+          <p:nvPr/>
+        </p:nvSpPr>
+        <p:spPr>
+          <a:xfrm>
+            <a:off x="3822516" y="1314957"/>
+            <a:ext cx="5638800" cy="2590800"/>
+          </a:xfrm>
+          <a:prstGeom prst="rect">
+            <a:avLst/>
+          </a:prstGeom>
+          <a:noFill/>
+          <a:ln w="57150">
+            <a:solidFill>
+              <a:srgbClr val="C00000"/>
+            </a:solidFill>
+          </a:ln>
+        </p:spPr>
+        <p:style>
+          <a:lnRef idx="2">
+            <a:schemeClr val="accent1">
+              <a:shade val="50000"/>
+            </a:schemeClr>
+          </a:lnRef>
+          <a:fillRef idx="1">
+            <a:schemeClr val="accent1"/>
+          </a:fillRef>
+          <a:effectRef idx="0">
+            <a:schemeClr val="accent1"/>
+          </a:effectRef>
+          <a:fontRef idx="minor">
+            <a:schemeClr val="lt1"/>
+          </a:fontRef>
+        </p:style>
+        <p:txBody>
+          <a:bodyPr rtlCol="0" anchor="ctr"/>
+          <a:lstStyle/>
+          <a:p>
+            <a:pPr algn="ctr"/>
+            <a:endParaRPr lang="en-US"/>
+          </a:p>
+        </p:txBody>
+      </p:sp>
+      <p:sp>
+        <p:nvSpPr>
+          <p:cNvPr id="4" name="Rectangle 3"/>
+          <p:cNvSpPr/>
+          <p:nvPr/>
+        </p:nvSpPr>
+        <p:spPr>
+          <a:xfrm>
+            <a:off x="2693926" y="2540507"/>
+            <a:ext cx="5638800" cy="2590800"/>
+          </a:xfrm>
+          <a:prstGeom prst="rect">
+            <a:avLst/>
+          </a:prstGeom>
+          <a:noFill/>
+          <a:ln w="57150">
+            <a:solidFill>
+              <a:srgbClr val="C00000"/>
+            </a:solidFill>
+          </a:ln>
+        </p:spPr>
+        <p:style>
+          <a:lnRef idx="2">
+            <a:schemeClr val="accent1">
+              <a:shade val="50000"/>
+            </a:schemeClr>
+          </a:lnRef>
+          <a:fillRef idx="1">
+            <a:schemeClr val="accent1"/>
+          </a:fillRef>
+          <a:effectRef idx="0">
+            <a:schemeClr val="accent1"/>
+          </a:effectRef>
+          <a:fontRef idx="minor">
+            <a:schemeClr val="lt1"/>
+          </a:fontRef>
+        </p:style>
+        <p:txBody>
+          <a:bodyPr rtlCol="0" anchor="ctr"/>
+          <a:lstStyle/>
+          <a:p>
+            <a:pPr algn="ctr"/>
+            <a:endParaRPr lang="en-US"/>
+          </a:p>
+        </p:txBody>
+      </p:sp>
+      <p:cxnSp>
+        <p:nvCxnSpPr>
+          <p:cNvPr id="7" name="Straight Connector 6"/>
+          <p:cNvCxnSpPr>
+            <a:cxnSpLocks/>
+          </p:cNvCxnSpPr>
+          <p:nvPr/>
+        </p:nvCxnSpPr>
+        <p:spPr>
+          <a:xfrm flipV="1">
+            <a:off x="2693926" y="1314958"/>
+            <a:ext cx="1128590" cy="1220129"/>
+          </a:xfrm>
+          <a:prstGeom prst="line">
+            <a:avLst/>
+          </a:prstGeom>
+          <a:ln w="57150">
+            <a:solidFill>
+              <a:srgbClr val="C00000"/>
+            </a:solidFill>
+          </a:ln>
+        </p:spPr>
+        <p:style>
+          <a:lnRef idx="1">
+            <a:schemeClr val="accent1"/>
+          </a:lnRef>
+          <a:fillRef idx="0">
+            <a:schemeClr val="accent1"/>
+          </a:fillRef>
+          <a:effectRef idx="0">
+            <a:schemeClr val="accent1"/>
+          </a:effectRef>
+          <a:fontRef idx="minor">
+            <a:schemeClr val="tx1"/>
+          </a:fontRef>
+        </p:style>
+      </p:cxnSp>
+      <p:cxnSp>
+        <p:nvCxnSpPr>
+          <p:cNvPr id="8" name="Straight Connector 7"/>
+          <p:cNvCxnSpPr>
+            <a:cxnSpLocks/>
+          </p:cNvCxnSpPr>
+          <p:nvPr/>
+        </p:nvCxnSpPr>
+        <p:spPr>
+          <a:xfrm flipV="1">
+            <a:off x="8332726" y="1312596"/>
+            <a:ext cx="1128590" cy="1227910"/>
+          </a:xfrm>
+          <a:prstGeom prst="line">
+            <a:avLst/>
+          </a:prstGeom>
+          <a:ln w="57150">
+            <a:solidFill>
+              <a:srgbClr val="C00000"/>
+            </a:solidFill>
+          </a:ln>
+        </p:spPr>
+        <p:style>
+          <a:lnRef idx="1">
+            <a:schemeClr val="accent1"/>
+          </a:lnRef>
+          <a:fillRef idx="0">
+            <a:schemeClr val="accent1"/>
+          </a:fillRef>
+          <a:effectRef idx="0">
+            <a:schemeClr val="accent1"/>
+          </a:effectRef>
+          <a:fontRef idx="minor">
+            <a:schemeClr val="tx1"/>
+          </a:fontRef>
+        </p:style>
+      </p:cxnSp>
+      <p:cxnSp>
+        <p:nvCxnSpPr>
+          <p:cNvPr id="9" name="Straight Connector 8"/>
+          <p:cNvCxnSpPr>
+            <a:cxnSpLocks/>
+          </p:cNvCxnSpPr>
+          <p:nvPr/>
+        </p:nvCxnSpPr>
+        <p:spPr>
+          <a:xfrm flipV="1">
+            <a:off x="8332726" y="3905759"/>
+            <a:ext cx="1128590" cy="1223342"/>
+          </a:xfrm>
+          <a:prstGeom prst="line">
+            <a:avLst/>
+          </a:prstGeom>
+          <a:ln w="57150">
+            <a:solidFill>
+              <a:srgbClr val="C00000"/>
+            </a:solidFill>
+          </a:ln>
+        </p:spPr>
+        <p:style>
+          <a:lnRef idx="1">
+            <a:schemeClr val="accent1"/>
+          </a:lnRef>
+          <a:fillRef idx="0">
+            <a:schemeClr val="accent1"/>
+          </a:fillRef>
+          <a:effectRef idx="0">
+            <a:schemeClr val="accent1"/>
+          </a:effectRef>
+          <a:fontRef idx="minor">
+            <a:schemeClr val="tx1"/>
+          </a:fontRef>
+        </p:style>
+      </p:cxnSp>
+      <p:sp>
+        <p:nvSpPr>
+          <p:cNvPr id="10" name="Rectangle 9"/>
+          <p:cNvSpPr/>
+          <p:nvPr/>
+        </p:nvSpPr>
+        <p:spPr>
+          <a:xfrm>
+            <a:off x="3445828" y="2733542"/>
+            <a:ext cx="4785360" cy="1880292"/>
+          </a:xfrm>
+          <a:prstGeom prst="rect">
+            <a:avLst/>
+          </a:prstGeom>
+          <a:solidFill>
+            <a:schemeClr val="bg1"/>
+          </a:solidFill>
+          <a:ln>
+            <a:noFill/>
+          </a:ln>
+        </p:spPr>
+        <p:style>
+          <a:lnRef idx="2">
+            <a:schemeClr val="accent1">
+              <a:shade val="50000"/>
+            </a:schemeClr>
+          </a:lnRef>
+          <a:fillRef idx="1">
+            <a:schemeClr val="accent1"/>
+          </a:fillRef>
+          <a:effectRef idx="0">
+            <a:schemeClr val="accent1"/>
+          </a:effectRef>
+          <a:fontRef idx="minor">
+            <a:schemeClr val="lt1"/>
+          </a:fontRef>
+        </p:style>
+        <p:txBody>
+          <a:bodyPr rtlCol="0" anchor="ctr"/>
+          <a:lstStyle/>
+          <a:p>
+            <a:pPr algn="ctr"/>
+            <a:endParaRPr lang="en-US"/>
+          </a:p>
+        </p:txBody>
+      </p:sp>
+      <p:cxnSp>
+        <p:nvCxnSpPr>
+          <p:cNvPr id="12" name="Straight Connector 11"/>
+          <p:cNvCxnSpPr/>
+          <p:nvPr/>
+        </p:nvCxnSpPr>
+        <p:spPr>
+          <a:xfrm flipH="1">
+            <a:off x="3822516" y="3905757"/>
+            <a:ext cx="4510210" cy="0"/>
+          </a:xfrm>
+          <a:prstGeom prst="line">
+            <a:avLst/>
+          </a:prstGeom>
+          <a:ln w="57150">
+            <a:solidFill>
+              <a:srgbClr val="C00000"/>
+            </a:solidFill>
+            <a:prstDash val="sysDash"/>
+          </a:ln>
+        </p:spPr>
+        <p:style>
+          <a:lnRef idx="1">
+            <a:schemeClr val="accent1"/>
+          </a:lnRef>
+          <a:fillRef idx="0">
+            <a:schemeClr val="accent1"/>
+          </a:fillRef>
+          <a:effectRef idx="0">
+            <a:schemeClr val="accent1"/>
+          </a:effectRef>
+          <a:fontRef idx="minor">
+            <a:schemeClr val="tx1"/>
+          </a:fontRef>
+        </p:style>
+      </p:cxnSp>
+      <p:cxnSp>
+        <p:nvCxnSpPr>
+          <p:cNvPr id="13" name="Straight Connector 12"/>
+          <p:cNvCxnSpPr/>
+          <p:nvPr/>
+        </p:nvCxnSpPr>
+        <p:spPr>
+          <a:xfrm flipV="1">
+            <a:off x="2760593" y="3891671"/>
+            <a:ext cx="1128590" cy="1169785"/>
+          </a:xfrm>
+          <a:prstGeom prst="line">
+            <a:avLst/>
+          </a:prstGeom>
+          <a:ln w="57150">
+            <a:solidFill>
+              <a:srgbClr val="C00000"/>
+            </a:solidFill>
+            <a:prstDash val="sysDash"/>
+          </a:ln>
+        </p:spPr>
+        <p:style>
+          <a:lnRef idx="1">
+            <a:schemeClr val="accent1"/>
+          </a:lnRef>
+          <a:fillRef idx="0">
+            <a:schemeClr val="accent1"/>
+          </a:fillRef>
+          <a:effectRef idx="0">
+            <a:schemeClr val="accent1"/>
+          </a:effectRef>
+          <a:fontRef idx="minor">
+            <a:schemeClr val="tx1"/>
+          </a:fontRef>
+        </p:style>
+      </p:cxnSp>
+      <p:cxnSp>
+        <p:nvCxnSpPr>
+          <p:cNvPr id="15" name="Straight Connector 14"/>
+          <p:cNvCxnSpPr/>
+          <p:nvPr/>
+        </p:nvCxnSpPr>
+        <p:spPr>
+          <a:xfrm flipH="1" flipV="1">
+            <a:off x="3822516" y="2484742"/>
+            <a:ext cx="0" cy="1421015"/>
+          </a:xfrm>
+          <a:prstGeom prst="line">
+            <a:avLst/>
+          </a:prstGeom>
+          <a:ln w="57150">
+            <a:solidFill>
+              <a:srgbClr val="C00000"/>
+            </a:solidFill>
+            <a:prstDash val="sysDash"/>
+          </a:ln>
+        </p:spPr>
+        <p:style>
+          <a:lnRef idx="1">
+            <a:schemeClr val="accent1"/>
+          </a:lnRef>
+          <a:fillRef idx="0">
+            <a:schemeClr val="accent1"/>
+          </a:fillRef>
+          <a:effectRef idx="0">
+            <a:schemeClr val="accent1"/>
+          </a:effectRef>
+          <a:fontRef idx="minor">
+            <a:schemeClr val="tx1"/>
+          </a:fontRef>
+        </p:style>
+      </p:cxnSp>
+      <p:cxnSp>
+        <p:nvCxnSpPr>
+          <p:cNvPr id="16" name="Straight Arrow Connector 15"/>
+          <p:cNvCxnSpPr/>
+          <p:nvPr/>
+        </p:nvCxnSpPr>
+        <p:spPr>
+          <a:xfrm>
+            <a:off x="3817162" y="1046304"/>
+            <a:ext cx="5644154" cy="0"/>
+          </a:xfrm>
+          <a:prstGeom prst="straightConnector1">
+            <a:avLst/>
+          </a:prstGeom>
+          <a:ln w="38100">
+            <a:solidFill>
+              <a:srgbClr val="00B050"/>
+            </a:solidFill>
+            <a:headEnd type="triangle"/>
+            <a:tailEnd type="triangle"/>
+          </a:ln>
+        </p:spPr>
+        <p:style>
+          <a:lnRef idx="1">
+            <a:schemeClr val="accent1"/>
+          </a:lnRef>
+          <a:fillRef idx="0">
+            <a:schemeClr val="accent1"/>
+          </a:fillRef>
+          <a:effectRef idx="0">
+            <a:schemeClr val="accent1"/>
+          </a:effectRef>
+          <a:fontRef idx="minor">
+            <a:schemeClr val="tx1"/>
+          </a:fontRef>
+        </p:style>
+      </p:cxnSp>
+      <p:sp>
+        <p:nvSpPr>
+          <p:cNvPr id="17" name="TextBox 16"/>
+          <p:cNvSpPr txBox="1"/>
+          <p:nvPr/>
+        </p:nvSpPr>
+        <p:spPr>
+          <a:xfrm>
+            <a:off x="3705536" y="405647"/>
+            <a:ext cx="5644154" cy="523220"/>
+          </a:xfrm>
+          <a:prstGeom prst="rect">
+            <a:avLst/>
+          </a:prstGeom>
+          <a:noFill/>
+        </p:spPr>
+        <p:txBody>
+          <a:bodyPr wrap="square" rtlCol="0">
+            <a:spAutoFit/>
+          </a:bodyPr>
+          <a:lstStyle/>
+          <a:p>
+            <a:pPr algn="ctr"/>
+            <a:r>
+              <a:rPr lang="en-US" sz="2800" dirty="0" err="1">
+                <a:solidFill>
+                  <a:srgbClr val="00B050"/>
+                </a:solidFill>
+              </a:rPr>
+              <a:t>Largura</a:t>
+            </a:r>
+            <a:endParaRPr lang="en-US" sz="2800" dirty="0">
+              <a:solidFill>
+                <a:srgbClr val="00B050"/>
+              </a:solidFill>
+            </a:endParaRPr>
+          </a:p>
+        </p:txBody>
+      </p:sp>
+      <p:cxnSp>
+        <p:nvCxnSpPr>
+          <p:cNvPr id="18" name="Straight Arrow Connector 17"/>
+          <p:cNvCxnSpPr/>
+          <p:nvPr/>
+        </p:nvCxnSpPr>
+        <p:spPr>
+          <a:xfrm flipV="1">
+            <a:off x="8663474" y="4069702"/>
+            <a:ext cx="1066800" cy="1257070"/>
+          </a:xfrm>
+          <a:prstGeom prst="straightConnector1">
+            <a:avLst/>
+          </a:prstGeom>
+          <a:ln w="38100">
+            <a:solidFill>
+              <a:srgbClr val="00B050"/>
+            </a:solidFill>
+            <a:headEnd type="triangle"/>
+            <a:tailEnd type="triangle"/>
+          </a:ln>
+        </p:spPr>
+        <p:style>
+          <a:lnRef idx="1">
+            <a:schemeClr val="accent1"/>
+          </a:lnRef>
+          <a:fillRef idx="0">
+            <a:schemeClr val="accent1"/>
+          </a:fillRef>
+          <a:effectRef idx="0">
+            <a:schemeClr val="accent1"/>
+          </a:effectRef>
+          <a:fontRef idx="minor">
+            <a:schemeClr val="tx1"/>
+          </a:fontRef>
+        </p:style>
+      </p:cxnSp>
+      <p:sp>
+        <p:nvSpPr>
+          <p:cNvPr id="21" name="TextBox 20"/>
+          <p:cNvSpPr txBox="1"/>
+          <p:nvPr/>
+        </p:nvSpPr>
+        <p:spPr>
+          <a:xfrm rot="18637963">
+            <a:off x="8364661" y="4576910"/>
+            <a:ext cx="2193309" cy="523220"/>
+          </a:xfrm>
+          <a:prstGeom prst="rect">
+            <a:avLst/>
+          </a:prstGeom>
+          <a:noFill/>
+        </p:spPr>
+        <p:txBody>
+          <a:bodyPr wrap="square" rtlCol="0">
+            <a:spAutoFit/>
+          </a:bodyPr>
+          <a:lstStyle/>
+          <a:p>
+            <a:pPr algn="ctr"/>
+            <a:r>
+              <a:rPr lang="en-US" sz="2800" dirty="0" err="1">
+                <a:solidFill>
+                  <a:srgbClr val="00B050"/>
+                </a:solidFill>
+              </a:rPr>
+              <a:t>Comprimento</a:t>
+            </a:r>
+            <a:endParaRPr lang="en-US" dirty="0">
+              <a:solidFill>
+                <a:srgbClr val="00B050"/>
+              </a:solidFill>
+            </a:endParaRPr>
+          </a:p>
+        </p:txBody>
+      </p:sp>
+      <p:cxnSp>
+        <p:nvCxnSpPr>
+          <p:cNvPr id="22" name="Straight Arrow Connector 21"/>
+          <p:cNvCxnSpPr/>
+          <p:nvPr/>
+        </p:nvCxnSpPr>
+        <p:spPr>
+          <a:xfrm flipV="1">
+            <a:off x="9760754" y="1354043"/>
+            <a:ext cx="0" cy="2372927"/>
+          </a:xfrm>
+          <a:prstGeom prst="straightConnector1">
+            <a:avLst/>
+          </a:prstGeom>
+          <a:ln w="38100">
+            <a:solidFill>
+              <a:srgbClr val="00B050"/>
+            </a:solidFill>
+            <a:headEnd type="triangle"/>
+            <a:tailEnd type="triangle"/>
+          </a:ln>
+        </p:spPr>
+        <p:style>
+          <a:lnRef idx="1">
+            <a:schemeClr val="accent1"/>
+          </a:lnRef>
+          <a:fillRef idx="0">
+            <a:schemeClr val="accent1"/>
+          </a:fillRef>
+          <a:effectRef idx="0">
+            <a:schemeClr val="accent1"/>
+          </a:effectRef>
+          <a:fontRef idx="minor">
+            <a:schemeClr val="tx1"/>
+          </a:fontRef>
+        </p:style>
+      </p:cxnSp>
+      <p:sp>
+        <p:nvSpPr>
+          <p:cNvPr id="24" name="TextBox 23"/>
+          <p:cNvSpPr txBox="1"/>
+          <p:nvPr/>
+        </p:nvSpPr>
+        <p:spPr>
+          <a:xfrm rot="5400000">
+            <a:off x="9377715" y="2143208"/>
+            <a:ext cx="1609007" cy="523220"/>
+          </a:xfrm>
+          <a:prstGeom prst="rect">
+            <a:avLst/>
+          </a:prstGeom>
+          <a:noFill/>
+        </p:spPr>
+        <p:txBody>
+          <a:bodyPr wrap="square" rtlCol="0">
+            <a:spAutoFit/>
+          </a:bodyPr>
+          <a:lstStyle/>
+          <a:p>
+            <a:pPr algn="ctr"/>
+            <a:r>
+              <a:rPr lang="en-US" sz="2800" dirty="0" err="1">
+                <a:solidFill>
+                  <a:srgbClr val="00B050"/>
+                </a:solidFill>
+              </a:rPr>
+              <a:t>Altura</a:t>
+            </a:r>
+            <a:endParaRPr lang="en-US" dirty="0">
+              <a:solidFill>
+                <a:srgbClr val="00B050"/>
+              </a:solidFill>
+            </a:endParaRPr>
+          </a:p>
+        </p:txBody>
+      </p:sp>
+      <p:cxnSp>
+        <p:nvCxnSpPr>
+          <p:cNvPr id="27" name="Straight Arrow Connector 26"/>
+          <p:cNvCxnSpPr>
+            <a:cxnSpLocks/>
+          </p:cNvCxnSpPr>
+          <p:nvPr/>
+        </p:nvCxnSpPr>
+        <p:spPr>
+          <a:xfrm flipV="1">
+            <a:off x="5656462" y="2149437"/>
+            <a:ext cx="4766" cy="1403649"/>
+          </a:xfrm>
+          <a:prstGeom prst="straightConnector1">
+            <a:avLst/>
+          </a:prstGeom>
+          <a:ln w="101600">
+            <a:solidFill>
+              <a:schemeClr val="tx1"/>
+            </a:solidFill>
+            <a:tailEnd type="triangle"/>
+          </a:ln>
+        </p:spPr>
+        <p:style>
+          <a:lnRef idx="1">
+            <a:schemeClr val="accent1"/>
+          </a:lnRef>
+          <a:fillRef idx="0">
+            <a:schemeClr val="accent1"/>
+          </a:fillRef>
+          <a:effectRef idx="0">
+            <a:schemeClr val="accent1"/>
+          </a:effectRef>
+          <a:fontRef idx="minor">
+            <a:schemeClr val="tx1"/>
+          </a:fontRef>
+        </p:style>
+      </p:cxnSp>
+      <p:cxnSp>
+        <p:nvCxnSpPr>
+          <p:cNvPr id="28" name="Straight Arrow Connector 27"/>
+          <p:cNvCxnSpPr/>
+          <p:nvPr/>
+        </p:nvCxnSpPr>
+        <p:spPr>
+          <a:xfrm flipV="1">
+            <a:off x="5628591" y="3522604"/>
+            <a:ext cx="1488980" cy="0"/>
+          </a:xfrm>
+          <a:prstGeom prst="straightConnector1">
+            <a:avLst/>
+          </a:prstGeom>
+          <a:ln w="101600">
+            <a:solidFill>
+              <a:schemeClr val="tx1"/>
+            </a:solidFill>
+            <a:tailEnd type="triangle"/>
+          </a:ln>
+        </p:spPr>
+        <p:style>
+          <a:lnRef idx="1">
+            <a:schemeClr val="accent1"/>
+          </a:lnRef>
+          <a:fillRef idx="0">
+            <a:schemeClr val="accent1"/>
+          </a:fillRef>
+          <a:effectRef idx="0">
+            <a:schemeClr val="accent1"/>
+          </a:effectRef>
+          <a:fontRef idx="minor">
+            <a:schemeClr val="tx1"/>
+          </a:fontRef>
+        </p:style>
+      </p:cxnSp>
+      <p:cxnSp>
+        <p:nvCxnSpPr>
+          <p:cNvPr id="32" name="Straight Arrow Connector 31"/>
+          <p:cNvCxnSpPr>
+            <a:cxnSpLocks/>
+          </p:cNvCxnSpPr>
+          <p:nvPr/>
+        </p:nvCxnSpPr>
+        <p:spPr>
+          <a:xfrm flipH="1">
+            <a:off x="5007153" y="3507363"/>
+            <a:ext cx="654075" cy="667046"/>
+          </a:xfrm>
+          <a:prstGeom prst="straightConnector1">
+            <a:avLst/>
+          </a:prstGeom>
+          <a:ln w="101600">
+            <a:solidFill>
+              <a:schemeClr val="tx1"/>
+            </a:solidFill>
+            <a:tailEnd type="triangle"/>
+          </a:ln>
+        </p:spPr>
+        <p:style>
+          <a:lnRef idx="1">
+            <a:schemeClr val="accent1"/>
+          </a:lnRef>
+          <a:fillRef idx="0">
+            <a:schemeClr val="accent1"/>
+          </a:fillRef>
+          <a:effectRef idx="0">
+            <a:schemeClr val="accent1"/>
+          </a:effectRef>
+          <a:fontRef idx="minor">
+            <a:schemeClr val="tx1"/>
+          </a:fontRef>
+        </p:style>
+      </p:cxnSp>
+      <p:sp>
+        <p:nvSpPr>
+          <p:cNvPr id="35" name="TextBox 34"/>
+          <p:cNvSpPr txBox="1"/>
+          <p:nvPr/>
+        </p:nvSpPr>
+        <p:spPr>
+          <a:xfrm>
+            <a:off x="6914831" y="3372588"/>
+            <a:ext cx="461222" cy="584775"/>
+          </a:xfrm>
+          <a:prstGeom prst="rect">
+            <a:avLst/>
+          </a:prstGeom>
+          <a:noFill/>
+        </p:spPr>
+        <p:txBody>
+          <a:bodyPr wrap="square" rtlCol="0">
+            <a:spAutoFit/>
+          </a:bodyPr>
+          <a:lstStyle/>
+          <a:p>
+            <a:r>
+              <a:rPr lang="en-US" sz="3200" b="1" dirty="0"/>
+              <a:t>x</a:t>
+            </a:r>
+            <a:endParaRPr lang="en-US" b="1" dirty="0"/>
+          </a:p>
+        </p:txBody>
+      </p:sp>
+      <p:sp>
+        <p:nvSpPr>
+          <p:cNvPr id="36" name="TextBox 35"/>
+          <p:cNvSpPr txBox="1"/>
+          <p:nvPr/>
+        </p:nvSpPr>
+        <p:spPr>
+          <a:xfrm>
+            <a:off x="5764301" y="2708207"/>
+            <a:ext cx="461222" cy="584775"/>
+          </a:xfrm>
+          <a:prstGeom prst="rect">
+            <a:avLst/>
+          </a:prstGeom>
+          <a:noFill/>
+        </p:spPr>
+        <p:txBody>
+          <a:bodyPr wrap="square" rtlCol="0">
+            <a:spAutoFit/>
+          </a:bodyPr>
+          <a:lstStyle/>
+          <a:p>
+            <a:r>
+              <a:rPr lang="en-US" sz="3200" b="1" dirty="0"/>
+              <a:t>y</a:t>
+            </a:r>
+            <a:endParaRPr lang="en-US" b="1" dirty="0"/>
+          </a:p>
+        </p:txBody>
+      </p:sp>
+      <p:sp>
+        <p:nvSpPr>
+          <p:cNvPr id="37" name="TextBox 36"/>
+          <p:cNvSpPr txBox="1"/>
+          <p:nvPr/>
+        </p:nvSpPr>
+        <p:spPr>
+          <a:xfrm>
+            <a:off x="5050496" y="4136329"/>
+            <a:ext cx="461222" cy="584775"/>
+          </a:xfrm>
+          <a:prstGeom prst="rect">
+            <a:avLst/>
+          </a:prstGeom>
+          <a:noFill/>
+        </p:spPr>
+        <p:txBody>
+          <a:bodyPr wrap="square" rtlCol="0">
+            <a:spAutoFit/>
+          </a:bodyPr>
+          <a:lstStyle/>
+          <a:p>
+            <a:r>
+              <a:rPr lang="en-US" sz="3200" b="1" dirty="0"/>
+              <a:t>z</a:t>
+            </a:r>
+            <a:endParaRPr lang="en-US" b="1" dirty="0"/>
+          </a:p>
+        </p:txBody>
+      </p:sp>
+      <p:sp>
+        <p:nvSpPr>
+          <p:cNvPr id="46" name="Oval 45"/>
+          <p:cNvSpPr/>
+          <p:nvPr/>
+        </p:nvSpPr>
+        <p:spPr>
+          <a:xfrm>
+            <a:off x="4195561" y="1686388"/>
+            <a:ext cx="788458" cy="463049"/>
+          </a:xfrm>
+          <a:prstGeom prst="ellipse">
+            <a:avLst/>
+          </a:prstGeom>
+        </p:spPr>
+        <p:style>
+          <a:lnRef idx="2">
+            <a:schemeClr val="accent1">
+              <a:shade val="50000"/>
+            </a:schemeClr>
+          </a:lnRef>
+          <a:fillRef idx="1">
+            <a:schemeClr val="accent1"/>
+          </a:fillRef>
+          <a:effectRef idx="0">
+            <a:schemeClr val="accent1"/>
+          </a:effectRef>
+          <a:fontRef idx="minor">
+            <a:schemeClr val="lt1"/>
+          </a:fontRef>
+        </p:style>
+        <p:txBody>
+          <a:bodyPr rtlCol="0" anchor="ctr"/>
+          <a:lstStyle/>
+          <a:p>
+            <a:pPr algn="ctr"/>
+            <a:r>
+              <a:rPr lang="en-US" sz="3600" b="1" dirty="0"/>
+              <a:t>A</a:t>
+            </a:r>
+            <a:endParaRPr lang="en-US" b="1" dirty="0"/>
+          </a:p>
+        </p:txBody>
+      </p:sp>
+      <p:sp>
+        <p:nvSpPr>
+          <p:cNvPr id="47" name="Oval 46"/>
+          <p:cNvSpPr/>
+          <p:nvPr/>
+        </p:nvSpPr>
+        <p:spPr>
+          <a:xfrm>
+            <a:off x="3801332" y="3474676"/>
+            <a:ext cx="788458" cy="612740"/>
+          </a:xfrm>
+          <a:prstGeom prst="ellipse">
+            <a:avLst/>
+          </a:prstGeom>
+        </p:spPr>
+        <p:style>
+          <a:lnRef idx="2">
+            <a:schemeClr val="accent1">
+              <a:shade val="50000"/>
+            </a:schemeClr>
+          </a:lnRef>
+          <a:fillRef idx="1">
+            <a:schemeClr val="accent1"/>
+          </a:fillRef>
+          <a:effectRef idx="0">
+            <a:schemeClr val="accent1"/>
+          </a:effectRef>
+          <a:fontRef idx="minor">
+            <a:schemeClr val="lt1"/>
+          </a:fontRef>
+        </p:style>
+        <p:txBody>
+          <a:bodyPr rtlCol="0" anchor="ctr"/>
+          <a:lstStyle/>
+          <a:p>
+            <a:pPr algn="ctr"/>
+            <a:r>
+              <a:rPr lang="en-US" sz="3600" b="1" dirty="0"/>
+              <a:t>C</a:t>
+            </a:r>
+            <a:endParaRPr lang="en-US" b="1" dirty="0"/>
+          </a:p>
+        </p:txBody>
+      </p:sp>
+      <p:sp>
+        <p:nvSpPr>
+          <p:cNvPr id="48" name="Oval 47"/>
+          <p:cNvSpPr/>
+          <p:nvPr/>
+        </p:nvSpPr>
+        <p:spPr>
+          <a:xfrm rot="19365086">
+            <a:off x="8550895" y="2906367"/>
+            <a:ext cx="710765" cy="532772"/>
+          </a:xfrm>
+          <a:prstGeom prst="ellipse">
+            <a:avLst/>
+          </a:prstGeom>
+        </p:spPr>
+        <p:style>
+          <a:lnRef idx="2">
+            <a:schemeClr val="accent1">
+              <a:shade val="50000"/>
+            </a:schemeClr>
+          </a:lnRef>
+          <a:fillRef idx="1">
+            <a:schemeClr val="accent1"/>
+          </a:fillRef>
+          <a:effectRef idx="0">
+            <a:schemeClr val="accent1"/>
+          </a:effectRef>
+          <a:fontRef idx="minor">
+            <a:schemeClr val="lt1"/>
+          </a:fontRef>
+        </p:style>
+        <p:txBody>
+          <a:bodyPr rtlCol="0" anchor="ctr"/>
+          <a:lstStyle/>
+          <a:p>
+            <a:pPr algn="ctr"/>
+            <a:r>
+              <a:rPr lang="en-US" sz="3600" b="1" dirty="0"/>
+              <a:t>B</a:t>
+            </a:r>
+            <a:endParaRPr lang="en-US" b="1" dirty="0"/>
+          </a:p>
+        </p:txBody>
+      </p:sp>
+    </p:spTree>
+    <p:extLst>
+      <p:ext uri="{BB962C8B-B14F-4D97-AF65-F5344CB8AC3E}">
+        <p14:creationId xmlns:p14="http://schemas.microsoft.com/office/powerpoint/2010/main" val="4144538949"/>
+      </p:ext>
+    </p:extLst>
+  </p:cSld>
+  <p:clrMapOvr>
+    <a:masterClrMapping/>
+  </p:clrMapOvr>
+</p:sld>
+</file>
+
+<file path=ppt/slides/slide8.xml><?xml version="1.0" encoding="utf-8"?>
+<p:sld xmlns:a="http://schemas.openxmlformats.org/drawingml/2006/main" xmlns:r="http://schemas.openxmlformats.org/officeDocument/2006/relationships" xmlns:p="http://schemas.openxmlformats.org/presentationml/2006/main">
+  <p:cSld>
+    <p:spTree>
+      <p:nvGrpSpPr>
+        <p:cNvPr id="1" name=""/>
+        <p:cNvGrpSpPr/>
+        <p:nvPr/>
+      </p:nvGrpSpPr>
+      <p:grpSpPr>
+        <a:xfrm>
+          <a:off x="0" y="0"/>
+          <a:ext cx="0" cy="0"/>
+          <a:chOff x="0" y="0"/>
+          <a:chExt cx="0" cy="0"/>
+        </a:xfrm>
+      </p:grpSpPr>
       <p:pic>
         <p:nvPicPr>
           <p:cNvPr id="25" name="Picture 24"/>
@@ -6759,13 +10323,15 @@
       <p:cxnSp>
         <p:nvCxnSpPr>
           <p:cNvPr id="11" name="Straight Connector 10"/>
-          <p:cNvCxnSpPr/>
+          <p:cNvCxnSpPr>
+            <a:cxnSpLocks/>
+          </p:cNvCxnSpPr>
           <p:nvPr/>
         </p:nvCxnSpPr>
         <p:spPr>
-          <a:xfrm flipH="1">
+          <a:xfrm>
             <a:off x="6227148" y="3333834"/>
-            <a:ext cx="0" cy="1725846"/>
+            <a:ext cx="1209972" cy="1177208"/>
           </a:xfrm>
           <a:prstGeom prst="line">
             <a:avLst/>
@@ -6794,13 +10360,15 @@
       <p:cxnSp>
         <p:nvCxnSpPr>
           <p:cNvPr id="12" name="Straight Connector 11"/>
-          <p:cNvCxnSpPr/>
+          <p:cNvCxnSpPr>
+            <a:cxnSpLocks/>
+          </p:cNvCxnSpPr>
           <p:nvPr/>
         </p:nvCxnSpPr>
         <p:spPr>
           <a:xfrm>
             <a:off x="6242388" y="3333834"/>
-            <a:ext cx="1209972" cy="1207686"/>
+            <a:ext cx="1626545" cy="0"/>
           </a:xfrm>
           <a:prstGeom prst="line">
             <a:avLst/>
@@ -6829,13 +10397,15 @@
       <p:cxnSp>
         <p:nvCxnSpPr>
           <p:cNvPr id="15" name="Straight Connector 14"/>
-          <p:cNvCxnSpPr/>
+          <p:cNvCxnSpPr>
+            <a:cxnSpLocks/>
+          </p:cNvCxnSpPr>
           <p:nvPr/>
         </p:nvCxnSpPr>
         <p:spPr>
           <a:xfrm flipV="1">
-            <a:off x="6211908" y="4511042"/>
-            <a:ext cx="1225212" cy="518157"/>
+            <a:off x="7437120" y="3333834"/>
+            <a:ext cx="476982" cy="1177208"/>
           </a:xfrm>
           <a:prstGeom prst="line">
             <a:avLst/>
@@ -6868,9 +10438,9 @@
           <p:nvPr/>
         </p:nvSpPr>
         <p:spPr>
-          <a:xfrm>
-            <a:off x="6277483" y="3937678"/>
-            <a:ext cx="519558" cy="259080"/>
+          <a:xfrm rot="18510582">
+            <a:off x="6765227" y="3524514"/>
+            <a:ext cx="479852" cy="208645"/>
           </a:xfrm>
           <a:custGeom>
             <a:avLst/>
@@ -6952,8 +10522,8 @@
         </p:nvSpPr>
         <p:spPr>
           <a:xfrm>
-            <a:off x="6277483" y="3728613"/>
-            <a:ext cx="336952" cy="369332"/>
+            <a:off x="7049273" y="3553106"/>
+            <a:ext cx="311304" cy="369332"/>
           </a:xfrm>
           <a:prstGeom prst="rect">
             <a:avLst/>
@@ -6967,12 +10537,12 @@
           <a:lstStyle/>
           <a:p>
             <a:r>
-              <a:rPr lang="el-GR" b="1" dirty="0" smtClean="0">
+              <a:rPr lang="el-GR" b="1" dirty="0">
                 <a:solidFill>
                   <a:srgbClr val="002060"/>
                 </a:solidFill>
               </a:rPr>
-              <a:t>ϴ</a:t>
+              <a:t>β</a:t>
             </a:r>
             <a:endParaRPr lang="en-US" b="1" dirty="0">
               <a:solidFill>
@@ -7005,7 +10575,7 @@
           <a:lstStyle/>
           <a:p>
             <a:r>
-              <a:rPr lang="en-US" sz="2400" b="1" dirty="0" smtClean="0"/>
+              <a:rPr lang="en-US" sz="2400" b="1" dirty="0"/>
               <a:t>z</a:t>
             </a:r>
             <a:endParaRPr lang="en-US" b="1" dirty="0"/>
@@ -7035,7 +10605,7 @@
           <a:lstStyle/>
           <a:p>
             <a:r>
-              <a:rPr lang="en-US" sz="2400" b="1" dirty="0" smtClean="0"/>
+              <a:rPr lang="en-US" sz="2400" b="1" dirty="0"/>
               <a:t>x</a:t>
             </a:r>
             <a:endParaRPr lang="en-US" b="1" dirty="0"/>
@@ -7065,7 +10635,7 @@
           <a:lstStyle/>
           <a:p>
             <a:r>
-              <a:rPr lang="en-US" sz="2800" b="1" dirty="0" smtClean="0">
+              <a:rPr lang="en-US" sz="2800" b="1" dirty="0">
                 <a:solidFill>
                   <a:srgbClr val="002060"/>
                 </a:solidFill>
@@ -7141,7 +10711,7 @@
           <a:lstStyle/>
           <a:p>
             <a:r>
-              <a:rPr lang="en-US" sz="2800" b="1" dirty="0" smtClean="0">
+              <a:rPr lang="en-US" sz="2800" b="1" dirty="0">
                 <a:solidFill>
                   <a:srgbClr val="002060"/>
                 </a:solidFill>
@@ -7169,7 +10739,7 @@
 </p:sld>
 </file>
 
-<file path=ppt/slides/slide6.xml><?xml version="1.0" encoding="utf-8"?>
+<file path=ppt/slides/slide9.xml><?xml version="1.0" encoding="utf-8"?>
 <p:sld xmlns:a="http://schemas.openxmlformats.org/drawingml/2006/main" xmlns:r="http://schemas.openxmlformats.org/officeDocument/2006/relationships" xmlns:p="http://schemas.openxmlformats.org/presentationml/2006/main">
   <p:cSld>
     <p:spTree>
@@ -7186,798 +10756,6 @@
           <a:chExt cx="0" cy="0"/>
         </a:xfrm>
       </p:grpSpPr>
-      <p:pic>
-        <p:nvPicPr>
-          <p:cNvPr id="4" name="Picture 3"/>
-          <p:cNvPicPr>
-            <a:picLocks noChangeAspect="1"/>
-          </p:cNvPicPr>
-          <p:nvPr/>
-        </p:nvPicPr>
-        <p:blipFill>
-          <a:blip r:embed="rId2">
-            <a:extLst>
-              <a:ext uri="{28A0092B-C50C-407E-A947-70E740481C1C}">
-                <a14:useLocalDpi xmlns:a14="http://schemas.microsoft.com/office/drawing/2010/main" val="0"/>
-              </a:ext>
-            </a:extLst>
-          </a:blip>
-          <a:stretch>
-            <a:fillRect/>
-          </a:stretch>
-        </p:blipFill>
-        <p:spPr>
-          <a:xfrm>
-            <a:off x="1975592" y="1402080"/>
-            <a:ext cx="7975582" cy="4007371"/>
-          </a:xfrm>
-          <a:prstGeom prst="rect">
-            <a:avLst/>
-          </a:prstGeom>
-        </p:spPr>
-      </p:pic>
-      <p:sp>
-        <p:nvSpPr>
-          <p:cNvPr id="5" name="TextBox 4"/>
-          <p:cNvSpPr txBox="1"/>
-          <p:nvPr/>
-        </p:nvSpPr>
-        <p:spPr>
-          <a:xfrm>
-            <a:off x="5135880" y="2849880"/>
-            <a:ext cx="370614" cy="461665"/>
-          </a:xfrm>
-          <a:prstGeom prst="rect">
-            <a:avLst/>
-          </a:prstGeom>
-          <a:noFill/>
-        </p:spPr>
-        <p:txBody>
-          <a:bodyPr wrap="none" rtlCol="0">
-            <a:spAutoFit/>
-          </a:bodyPr>
-          <a:lstStyle/>
-          <a:p>
-            <a:r>
-              <a:rPr lang="en-US" sz="2400" b="1" dirty="0" smtClean="0">
-                <a:solidFill>
-                  <a:srgbClr val="FF0000"/>
-                </a:solidFill>
-              </a:rPr>
-              <a:t>A</a:t>
-            </a:r>
-            <a:endParaRPr lang="en-US" b="1" dirty="0">
-              <a:solidFill>
-                <a:srgbClr val="FF0000"/>
-              </a:solidFill>
-            </a:endParaRPr>
-          </a:p>
-        </p:txBody>
-      </p:sp>
-      <p:sp>
-        <p:nvSpPr>
-          <p:cNvPr id="6" name="TextBox 5"/>
-          <p:cNvSpPr txBox="1"/>
-          <p:nvPr/>
-        </p:nvSpPr>
-        <p:spPr>
-          <a:xfrm>
-            <a:off x="4965813" y="4025217"/>
-            <a:ext cx="370614" cy="461665"/>
-          </a:xfrm>
-          <a:prstGeom prst="rect">
-            <a:avLst/>
-          </a:prstGeom>
-          <a:noFill/>
-        </p:spPr>
-        <p:txBody>
-          <a:bodyPr wrap="none" rtlCol="0">
-            <a:spAutoFit/>
-          </a:bodyPr>
-          <a:lstStyle/>
-          <a:p>
-            <a:r>
-              <a:rPr lang="en-US" sz="2400" b="1" dirty="0" smtClean="0">
-                <a:solidFill>
-                  <a:srgbClr val="FF0000"/>
-                </a:solidFill>
-              </a:rPr>
-              <a:t>B</a:t>
-            </a:r>
-            <a:endParaRPr lang="en-US" b="1" dirty="0">
-              <a:solidFill>
-                <a:srgbClr val="FF0000"/>
-              </a:solidFill>
-            </a:endParaRPr>
-          </a:p>
-        </p:txBody>
-      </p:sp>
-      <p:sp>
-        <p:nvSpPr>
-          <p:cNvPr id="7" name="TextBox 6"/>
-          <p:cNvSpPr txBox="1"/>
-          <p:nvPr/>
-        </p:nvSpPr>
-        <p:spPr>
-          <a:xfrm>
-            <a:off x="6568361" y="2788544"/>
-            <a:ext cx="378630" cy="461665"/>
-          </a:xfrm>
-          <a:prstGeom prst="rect">
-            <a:avLst/>
-          </a:prstGeom>
-          <a:noFill/>
-        </p:spPr>
-        <p:txBody>
-          <a:bodyPr wrap="none" rtlCol="0">
-            <a:spAutoFit/>
-          </a:bodyPr>
-          <a:lstStyle/>
-          <a:p>
-            <a:r>
-              <a:rPr lang="en-US" sz="2400" b="1" dirty="0" smtClean="0">
-                <a:solidFill>
-                  <a:srgbClr val="FF0000"/>
-                </a:solidFill>
-              </a:rPr>
-              <a:t>D</a:t>
-            </a:r>
-            <a:endParaRPr lang="en-US" b="1" dirty="0">
-              <a:solidFill>
-                <a:srgbClr val="FF0000"/>
-              </a:solidFill>
-            </a:endParaRPr>
-          </a:p>
-        </p:txBody>
-      </p:sp>
-      <p:sp>
-        <p:nvSpPr>
-          <p:cNvPr id="8" name="TextBox 7"/>
-          <p:cNvSpPr txBox="1"/>
-          <p:nvPr/>
-        </p:nvSpPr>
-        <p:spPr>
-          <a:xfrm>
-            <a:off x="6809853" y="3861666"/>
-            <a:ext cx="348172" cy="461665"/>
-          </a:xfrm>
-          <a:prstGeom prst="rect">
-            <a:avLst/>
-          </a:prstGeom>
-          <a:noFill/>
-        </p:spPr>
-        <p:txBody>
-          <a:bodyPr wrap="none" rtlCol="0">
-            <a:spAutoFit/>
-          </a:bodyPr>
-          <a:lstStyle/>
-          <a:p>
-            <a:r>
-              <a:rPr lang="en-US" sz="2400" b="1" dirty="0" smtClean="0">
-                <a:solidFill>
-                  <a:srgbClr val="FF0000"/>
-                </a:solidFill>
-              </a:rPr>
-              <a:t>C</a:t>
-            </a:r>
-            <a:endParaRPr lang="en-US" b="1" dirty="0">
-              <a:solidFill>
-                <a:srgbClr val="FF0000"/>
-              </a:solidFill>
-            </a:endParaRPr>
-          </a:p>
-        </p:txBody>
-      </p:sp>
-      <p:sp>
-        <p:nvSpPr>
-          <p:cNvPr id="9" name="Oval 8"/>
-          <p:cNvSpPr/>
-          <p:nvPr/>
-        </p:nvSpPr>
-        <p:spPr>
-          <a:xfrm flipH="1" flipV="1">
-            <a:off x="5036820" y="3159145"/>
-            <a:ext cx="167640" cy="182880"/>
-          </a:xfrm>
-          <a:prstGeom prst="ellipse">
-            <a:avLst/>
-          </a:prstGeom>
-          <a:solidFill>
-            <a:srgbClr val="FF0000"/>
-          </a:solidFill>
-          <a:ln>
-            <a:noFill/>
-          </a:ln>
-        </p:spPr>
-        <p:style>
-          <a:lnRef idx="2">
-            <a:schemeClr val="accent1">
-              <a:shade val="50000"/>
-            </a:schemeClr>
-          </a:lnRef>
-          <a:fillRef idx="1">
-            <a:schemeClr val="accent1"/>
-          </a:fillRef>
-          <a:effectRef idx="0">
-            <a:schemeClr val="accent1"/>
-          </a:effectRef>
-          <a:fontRef idx="minor">
-            <a:schemeClr val="lt1"/>
-          </a:fontRef>
-        </p:style>
-        <p:txBody>
-          <a:bodyPr rtlCol="0" anchor="ctr"/>
-          <a:lstStyle/>
-          <a:p>
-            <a:pPr algn="ctr"/>
-            <a:endParaRPr lang="en-US"/>
-          </a:p>
-        </p:txBody>
-      </p:sp>
-      <p:sp>
-        <p:nvSpPr>
-          <p:cNvPr id="10" name="Oval 9"/>
-          <p:cNvSpPr/>
-          <p:nvPr/>
-        </p:nvSpPr>
-        <p:spPr>
-          <a:xfrm flipH="1" flipV="1">
-            <a:off x="4966857" y="3964257"/>
-            <a:ext cx="167640" cy="182880"/>
-          </a:xfrm>
-          <a:prstGeom prst="ellipse">
-            <a:avLst/>
-          </a:prstGeom>
-          <a:solidFill>
-            <a:srgbClr val="FF0000"/>
-          </a:solidFill>
-          <a:ln>
-            <a:noFill/>
-          </a:ln>
-        </p:spPr>
-        <p:style>
-          <a:lnRef idx="2">
-            <a:schemeClr val="accent1">
-              <a:shade val="50000"/>
-            </a:schemeClr>
-          </a:lnRef>
-          <a:fillRef idx="1">
-            <a:schemeClr val="accent1"/>
-          </a:fillRef>
-          <a:effectRef idx="0">
-            <a:schemeClr val="accent1"/>
-          </a:effectRef>
-          <a:fontRef idx="minor">
-            <a:schemeClr val="lt1"/>
-          </a:fontRef>
-        </p:style>
-        <p:txBody>
-          <a:bodyPr rtlCol="0" anchor="ctr"/>
-          <a:lstStyle/>
-          <a:p>
-            <a:pPr algn="ctr"/>
-            <a:endParaRPr lang="en-US"/>
-          </a:p>
-        </p:txBody>
-      </p:sp>
-      <p:sp>
-        <p:nvSpPr>
-          <p:cNvPr id="11" name="Oval 10"/>
-          <p:cNvSpPr/>
-          <p:nvPr/>
-        </p:nvSpPr>
-        <p:spPr>
-          <a:xfrm flipH="1" flipV="1">
-            <a:off x="6779351" y="3842337"/>
-            <a:ext cx="167640" cy="182880"/>
-          </a:xfrm>
-          <a:prstGeom prst="ellipse">
-            <a:avLst/>
-          </a:prstGeom>
-          <a:solidFill>
-            <a:srgbClr val="FF0000"/>
-          </a:solidFill>
-          <a:ln>
-            <a:noFill/>
-          </a:ln>
-        </p:spPr>
-        <p:style>
-          <a:lnRef idx="2">
-            <a:schemeClr val="accent1">
-              <a:shade val="50000"/>
-            </a:schemeClr>
-          </a:lnRef>
-          <a:fillRef idx="1">
-            <a:schemeClr val="accent1"/>
-          </a:fillRef>
-          <a:effectRef idx="0">
-            <a:schemeClr val="accent1"/>
-          </a:effectRef>
-          <a:fontRef idx="minor">
-            <a:schemeClr val="lt1"/>
-          </a:fontRef>
-        </p:style>
-        <p:txBody>
-          <a:bodyPr rtlCol="0" anchor="ctr"/>
-          <a:lstStyle/>
-          <a:p>
-            <a:pPr algn="ctr"/>
-            <a:endParaRPr lang="en-US"/>
-          </a:p>
-        </p:txBody>
-      </p:sp>
-      <p:sp>
-        <p:nvSpPr>
-          <p:cNvPr id="12" name="Oval 11"/>
-          <p:cNvSpPr/>
-          <p:nvPr/>
-        </p:nvSpPr>
-        <p:spPr>
-          <a:xfrm flipH="1" flipV="1">
-            <a:off x="6568361" y="3133130"/>
-            <a:ext cx="167640" cy="182880"/>
-          </a:xfrm>
-          <a:prstGeom prst="ellipse">
-            <a:avLst/>
-          </a:prstGeom>
-          <a:solidFill>
-            <a:srgbClr val="FF0000"/>
-          </a:solidFill>
-          <a:ln>
-            <a:noFill/>
-          </a:ln>
-        </p:spPr>
-        <p:style>
-          <a:lnRef idx="2">
-            <a:schemeClr val="accent1">
-              <a:shade val="50000"/>
-            </a:schemeClr>
-          </a:lnRef>
-          <a:fillRef idx="1">
-            <a:schemeClr val="accent1"/>
-          </a:fillRef>
-          <a:effectRef idx="0">
-            <a:schemeClr val="accent1"/>
-          </a:effectRef>
-          <a:fontRef idx="minor">
-            <a:schemeClr val="lt1"/>
-          </a:fontRef>
-        </p:style>
-        <p:txBody>
-          <a:bodyPr rtlCol="0" anchor="ctr"/>
-          <a:lstStyle/>
-          <a:p>
-            <a:pPr algn="ctr"/>
-            <a:endParaRPr lang="en-US"/>
-          </a:p>
-        </p:txBody>
-      </p:sp>
-    </p:spTree>
-    <p:extLst>
-      <p:ext uri="{BB962C8B-B14F-4D97-AF65-F5344CB8AC3E}">
-        <p14:creationId xmlns:p14="http://schemas.microsoft.com/office/powerpoint/2010/main" val="3873191890"/>
-      </p:ext>
-    </p:extLst>
-  </p:cSld>
-  <p:clrMapOvr>
-    <a:masterClrMapping/>
-  </p:clrMapOvr>
-</p:sld>
-</file>
-
-<file path=ppt/slides/slide7.xml><?xml version="1.0" encoding="utf-8"?>
-<p:sld xmlns:a="http://schemas.openxmlformats.org/drawingml/2006/main" xmlns:r="http://schemas.openxmlformats.org/officeDocument/2006/relationships" xmlns:p="http://schemas.openxmlformats.org/presentationml/2006/main">
-  <p:cSld>
-    <p:spTree>
-      <p:nvGrpSpPr>
-        <p:cNvPr id="1" name=""/>
-        <p:cNvGrpSpPr/>
-        <p:nvPr/>
-      </p:nvGrpSpPr>
-      <p:grpSpPr>
-        <a:xfrm>
-          <a:off x="0" y="0"/>
-          <a:ext cx="0" cy="0"/>
-          <a:chOff x="0" y="0"/>
-          <a:chExt cx="0" cy="0"/>
-        </a:xfrm>
-      </p:grpSpPr>
-      <p:pic>
-        <p:nvPicPr>
-          <p:cNvPr id="4" name="Picture 3"/>
-          <p:cNvPicPr>
-            <a:picLocks noChangeAspect="1"/>
-          </p:cNvPicPr>
-          <p:nvPr/>
-        </p:nvPicPr>
-        <p:blipFill>
-          <a:blip r:embed="rId2">
-            <a:extLst>
-              <a:ext uri="{28A0092B-C50C-407E-A947-70E740481C1C}">
-                <a14:useLocalDpi xmlns:a14="http://schemas.microsoft.com/office/drawing/2010/main" val="0"/>
-              </a:ext>
-            </a:extLst>
-          </a:blip>
-          <a:stretch>
-            <a:fillRect/>
-          </a:stretch>
-        </p:blipFill>
-        <p:spPr>
-          <a:xfrm>
-            <a:off x="2418837" y="1838103"/>
-            <a:ext cx="7354326" cy="3181794"/>
-          </a:xfrm>
-          <a:prstGeom prst="rect">
-            <a:avLst/>
-          </a:prstGeom>
-        </p:spPr>
-      </p:pic>
-      <p:sp>
-        <p:nvSpPr>
-          <p:cNvPr id="5" name="Oval 4"/>
-          <p:cNvSpPr/>
-          <p:nvPr/>
-        </p:nvSpPr>
-        <p:spPr>
-          <a:xfrm flipH="1" flipV="1">
-            <a:off x="5768340" y="2884825"/>
-            <a:ext cx="167640" cy="182880"/>
-          </a:xfrm>
-          <a:prstGeom prst="ellipse">
-            <a:avLst/>
-          </a:prstGeom>
-          <a:solidFill>
-            <a:srgbClr val="FF0000"/>
-          </a:solidFill>
-          <a:ln>
-            <a:noFill/>
-          </a:ln>
-        </p:spPr>
-        <p:style>
-          <a:lnRef idx="2">
-            <a:schemeClr val="accent1">
-              <a:shade val="50000"/>
-            </a:schemeClr>
-          </a:lnRef>
-          <a:fillRef idx="1">
-            <a:schemeClr val="accent1"/>
-          </a:fillRef>
-          <a:effectRef idx="0">
-            <a:schemeClr val="accent1"/>
-          </a:effectRef>
-          <a:fontRef idx="minor">
-            <a:schemeClr val="lt1"/>
-          </a:fontRef>
-        </p:style>
-        <p:txBody>
-          <a:bodyPr rtlCol="0" anchor="ctr"/>
-          <a:lstStyle/>
-          <a:p>
-            <a:pPr algn="ctr"/>
-            <a:endParaRPr lang="en-US"/>
-          </a:p>
-        </p:txBody>
-      </p:sp>
-      <p:sp>
-        <p:nvSpPr>
-          <p:cNvPr id="6" name="Oval 5"/>
-          <p:cNvSpPr/>
-          <p:nvPr/>
-        </p:nvSpPr>
-        <p:spPr>
-          <a:xfrm flipH="1" flipV="1">
-            <a:off x="5737860" y="3646825"/>
-            <a:ext cx="167640" cy="182880"/>
-          </a:xfrm>
-          <a:prstGeom prst="ellipse">
-            <a:avLst/>
-          </a:prstGeom>
-          <a:solidFill>
-            <a:srgbClr val="FF0000"/>
-          </a:solidFill>
-          <a:ln>
-            <a:noFill/>
-          </a:ln>
-        </p:spPr>
-        <p:style>
-          <a:lnRef idx="2">
-            <a:schemeClr val="accent1">
-              <a:shade val="50000"/>
-            </a:schemeClr>
-          </a:lnRef>
-          <a:fillRef idx="1">
-            <a:schemeClr val="accent1"/>
-          </a:fillRef>
-          <a:effectRef idx="0">
-            <a:schemeClr val="accent1"/>
-          </a:effectRef>
-          <a:fontRef idx="minor">
-            <a:schemeClr val="lt1"/>
-          </a:fontRef>
-        </p:style>
-        <p:txBody>
-          <a:bodyPr rtlCol="0" anchor="ctr"/>
-          <a:lstStyle/>
-          <a:p>
-            <a:pPr algn="ctr"/>
-            <a:endParaRPr lang="en-US"/>
-          </a:p>
-        </p:txBody>
-      </p:sp>
-      <p:sp>
-        <p:nvSpPr>
-          <p:cNvPr id="7" name="Oval 6"/>
-          <p:cNvSpPr/>
-          <p:nvPr/>
-        </p:nvSpPr>
-        <p:spPr>
-          <a:xfrm flipH="1" flipV="1">
-            <a:off x="6850380" y="2823865"/>
-            <a:ext cx="167640" cy="182880"/>
-          </a:xfrm>
-          <a:prstGeom prst="ellipse">
-            <a:avLst/>
-          </a:prstGeom>
-          <a:solidFill>
-            <a:srgbClr val="FF0000"/>
-          </a:solidFill>
-          <a:ln>
-            <a:noFill/>
-          </a:ln>
-        </p:spPr>
-        <p:style>
-          <a:lnRef idx="2">
-            <a:schemeClr val="accent1">
-              <a:shade val="50000"/>
-            </a:schemeClr>
-          </a:lnRef>
-          <a:fillRef idx="1">
-            <a:schemeClr val="accent1"/>
-          </a:fillRef>
-          <a:effectRef idx="0">
-            <a:schemeClr val="accent1"/>
-          </a:effectRef>
-          <a:fontRef idx="minor">
-            <a:schemeClr val="lt1"/>
-          </a:fontRef>
-        </p:style>
-        <p:txBody>
-          <a:bodyPr rtlCol="0" anchor="ctr"/>
-          <a:lstStyle/>
-          <a:p>
-            <a:pPr algn="ctr"/>
-            <a:endParaRPr lang="en-US"/>
-          </a:p>
-        </p:txBody>
-      </p:sp>
-      <p:sp>
-        <p:nvSpPr>
-          <p:cNvPr id="8" name="Oval 7"/>
-          <p:cNvSpPr/>
-          <p:nvPr/>
-        </p:nvSpPr>
-        <p:spPr>
-          <a:xfrm flipH="1" flipV="1">
-            <a:off x="6949440" y="3555385"/>
-            <a:ext cx="167640" cy="182880"/>
-          </a:xfrm>
-          <a:prstGeom prst="ellipse">
-            <a:avLst/>
-          </a:prstGeom>
-          <a:solidFill>
-            <a:srgbClr val="FF0000"/>
-          </a:solidFill>
-          <a:ln>
-            <a:noFill/>
-          </a:ln>
-        </p:spPr>
-        <p:style>
-          <a:lnRef idx="2">
-            <a:schemeClr val="accent1">
-              <a:shade val="50000"/>
-            </a:schemeClr>
-          </a:lnRef>
-          <a:fillRef idx="1">
-            <a:schemeClr val="accent1"/>
-          </a:fillRef>
-          <a:effectRef idx="0">
-            <a:schemeClr val="accent1"/>
-          </a:effectRef>
-          <a:fontRef idx="minor">
-            <a:schemeClr val="lt1"/>
-          </a:fontRef>
-        </p:style>
-        <p:txBody>
-          <a:bodyPr rtlCol="0" anchor="ctr"/>
-          <a:lstStyle/>
-          <a:p>
-            <a:pPr algn="ctr"/>
-            <a:endParaRPr lang="en-US"/>
-          </a:p>
-        </p:txBody>
-      </p:sp>
-      <p:sp>
-        <p:nvSpPr>
-          <p:cNvPr id="9" name="TextBox 8"/>
-          <p:cNvSpPr txBox="1"/>
-          <p:nvPr/>
-        </p:nvSpPr>
-        <p:spPr>
-          <a:xfrm>
-            <a:off x="5836920" y="2514600"/>
-            <a:ext cx="370614" cy="461665"/>
-          </a:xfrm>
-          <a:prstGeom prst="rect">
-            <a:avLst/>
-          </a:prstGeom>
-          <a:noFill/>
-        </p:spPr>
-        <p:txBody>
-          <a:bodyPr wrap="none" rtlCol="0">
-            <a:spAutoFit/>
-          </a:bodyPr>
-          <a:lstStyle/>
-          <a:p>
-            <a:r>
-              <a:rPr lang="en-US" sz="2400" b="1" dirty="0" smtClean="0">
-                <a:solidFill>
-                  <a:srgbClr val="FF0000"/>
-                </a:solidFill>
-              </a:rPr>
-              <a:t>A</a:t>
-            </a:r>
-            <a:endParaRPr lang="en-US" b="1" dirty="0">
-              <a:solidFill>
-                <a:srgbClr val="FF0000"/>
-              </a:solidFill>
-            </a:endParaRPr>
-          </a:p>
-        </p:txBody>
-      </p:sp>
-      <p:sp>
-        <p:nvSpPr>
-          <p:cNvPr id="10" name="TextBox 9"/>
-          <p:cNvSpPr txBox="1"/>
-          <p:nvPr/>
-        </p:nvSpPr>
-        <p:spPr>
-          <a:xfrm>
-            <a:off x="5768340" y="3738265"/>
-            <a:ext cx="370614" cy="461665"/>
-          </a:xfrm>
-          <a:prstGeom prst="rect">
-            <a:avLst/>
-          </a:prstGeom>
-          <a:noFill/>
-        </p:spPr>
-        <p:txBody>
-          <a:bodyPr wrap="none" rtlCol="0">
-            <a:spAutoFit/>
-          </a:bodyPr>
-          <a:lstStyle/>
-          <a:p>
-            <a:r>
-              <a:rPr lang="en-US" sz="2400" b="1" dirty="0" smtClean="0">
-                <a:solidFill>
-                  <a:srgbClr val="FF0000"/>
-                </a:solidFill>
-              </a:rPr>
-              <a:t>B</a:t>
-            </a:r>
-            <a:endParaRPr lang="en-US" b="1" dirty="0">
-              <a:solidFill>
-                <a:srgbClr val="FF0000"/>
-              </a:solidFill>
-            </a:endParaRPr>
-          </a:p>
-        </p:txBody>
-      </p:sp>
-      <p:sp>
-        <p:nvSpPr>
-          <p:cNvPr id="11" name="TextBox 10"/>
-          <p:cNvSpPr txBox="1"/>
-          <p:nvPr/>
-        </p:nvSpPr>
-        <p:spPr>
-          <a:xfrm>
-            <a:off x="7018020" y="3662800"/>
-            <a:ext cx="348172" cy="461665"/>
-          </a:xfrm>
-          <a:prstGeom prst="rect">
-            <a:avLst/>
-          </a:prstGeom>
-          <a:noFill/>
-        </p:spPr>
-        <p:txBody>
-          <a:bodyPr wrap="none" rtlCol="0">
-            <a:spAutoFit/>
-          </a:bodyPr>
-          <a:lstStyle/>
-          <a:p>
-            <a:r>
-              <a:rPr lang="en-US" sz="2400" b="1" dirty="0" smtClean="0">
-                <a:solidFill>
-                  <a:srgbClr val="FF0000"/>
-                </a:solidFill>
-              </a:rPr>
-              <a:t>C</a:t>
-            </a:r>
-            <a:endParaRPr lang="en-US" b="1" dirty="0">
-              <a:solidFill>
-                <a:srgbClr val="FF0000"/>
-              </a:solidFill>
-            </a:endParaRPr>
-          </a:p>
-        </p:txBody>
-      </p:sp>
-      <p:sp>
-        <p:nvSpPr>
-          <p:cNvPr id="12" name="TextBox 11"/>
-          <p:cNvSpPr txBox="1"/>
-          <p:nvPr/>
-        </p:nvSpPr>
-        <p:spPr>
-          <a:xfrm>
-            <a:off x="6908992" y="2473345"/>
-            <a:ext cx="378630" cy="461665"/>
-          </a:xfrm>
-          <a:prstGeom prst="rect">
-            <a:avLst/>
-          </a:prstGeom>
-          <a:noFill/>
-        </p:spPr>
-        <p:txBody>
-          <a:bodyPr wrap="none" rtlCol="0">
-            <a:spAutoFit/>
-          </a:bodyPr>
-          <a:lstStyle/>
-          <a:p>
-            <a:r>
-              <a:rPr lang="en-US" sz="2400" b="1" dirty="0" smtClean="0">
-                <a:solidFill>
-                  <a:srgbClr val="FF0000"/>
-                </a:solidFill>
-              </a:rPr>
-              <a:t>D</a:t>
-            </a:r>
-            <a:endParaRPr lang="en-US" b="1" dirty="0">
-              <a:solidFill>
-                <a:srgbClr val="FF0000"/>
-              </a:solidFill>
-            </a:endParaRPr>
-          </a:p>
-        </p:txBody>
-      </p:sp>
-    </p:spTree>
-    <p:extLst>
-      <p:ext uri="{BB962C8B-B14F-4D97-AF65-F5344CB8AC3E}">
-        <p14:creationId xmlns:p14="http://schemas.microsoft.com/office/powerpoint/2010/main" val="1827203326"/>
-      </p:ext>
-    </p:extLst>
-  </p:cSld>
-  <p:clrMapOvr>
-    <a:masterClrMapping/>
-  </p:clrMapOvr>
-</p:sld>
-</file>
-
-<file path=ppt/slides/slide8.xml><?xml version="1.0" encoding="utf-8"?>
-<p:sld xmlns:a="http://schemas.openxmlformats.org/drawingml/2006/main" xmlns:r="http://schemas.openxmlformats.org/officeDocument/2006/relationships" xmlns:p="http://schemas.openxmlformats.org/presentationml/2006/main">
-  <p:cSld>
-    <p:spTree>
-      <p:nvGrpSpPr>
-        <p:cNvPr id="1" name=""/>
-        <p:cNvGrpSpPr/>
-        <p:nvPr/>
-      </p:nvGrpSpPr>
-      <p:grpSpPr>
-        <a:xfrm>
-          <a:off x="0" y="0"/>
-          <a:ext cx="0" cy="0"/>
-          <a:chOff x="0" y="0"/>
-          <a:chExt cx="0" cy="0"/>
-        </a:xfrm>
-      </p:grpSpPr>
       <p:sp>
         <p:nvSpPr>
           <p:cNvPr id="4" name="Right Triangle 3"/>
@@ -7987,7 +10765,7 @@
         <p:spPr>
           <a:xfrm>
             <a:off x="3348681" y="939114"/>
-            <a:ext cx="3793524" cy="4349578"/>
+            <a:ext cx="2637945" cy="4976494"/>
           </a:xfrm>
           <a:prstGeom prst="rtTriangle">
             <a:avLst/>
@@ -8028,120 +10806,16 @@
       </p:sp>
       <p:cxnSp>
         <p:nvCxnSpPr>
-          <p:cNvPr id="6" name="Straight Connector 5"/>
-          <p:cNvCxnSpPr/>
+          <p:cNvPr id="14" name="Straight Arrow Connector 13"/>
+          <p:cNvCxnSpPr>
+            <a:cxnSpLocks/>
+          </p:cNvCxnSpPr>
           <p:nvPr/>
         </p:nvCxnSpPr>
         <p:spPr>
           <a:xfrm>
-            <a:off x="3348681" y="2347784"/>
-            <a:ext cx="1235675" cy="0"/>
-          </a:xfrm>
-          <a:prstGeom prst="line">
-            <a:avLst/>
-          </a:prstGeom>
-          <a:ln w="76200">
-            <a:solidFill>
-              <a:srgbClr val="C00000"/>
-            </a:solidFill>
-          </a:ln>
-        </p:spPr>
-        <p:style>
-          <a:lnRef idx="1">
-            <a:schemeClr val="accent1"/>
-          </a:lnRef>
-          <a:fillRef idx="0">
-            <a:schemeClr val="accent1"/>
-          </a:fillRef>
-          <a:effectRef idx="0">
-            <a:schemeClr val="accent1"/>
-          </a:effectRef>
-          <a:fontRef idx="minor">
-            <a:schemeClr val="tx1"/>
-          </a:fontRef>
-        </p:style>
-      </p:cxnSp>
-      <p:cxnSp>
-        <p:nvCxnSpPr>
-          <p:cNvPr id="7" name="Straight Connector 6"/>
-          <p:cNvCxnSpPr/>
-          <p:nvPr/>
-        </p:nvCxnSpPr>
-        <p:spPr>
-          <a:xfrm>
-            <a:off x="3348681" y="3859427"/>
-            <a:ext cx="2545492" cy="0"/>
-          </a:xfrm>
-          <a:prstGeom prst="line">
-            <a:avLst/>
-          </a:prstGeom>
-          <a:ln w="76200">
-            <a:solidFill>
-              <a:srgbClr val="C00000"/>
-            </a:solidFill>
-          </a:ln>
-        </p:spPr>
-        <p:style>
-          <a:lnRef idx="1">
-            <a:schemeClr val="accent1"/>
-          </a:lnRef>
-          <a:fillRef idx="0">
-            <a:schemeClr val="accent1"/>
-          </a:fillRef>
-          <a:effectRef idx="0">
-            <a:schemeClr val="accent1"/>
-          </a:effectRef>
-          <a:fontRef idx="minor">
-            <a:schemeClr val="tx1"/>
-          </a:fontRef>
-        </p:style>
-      </p:cxnSp>
-      <p:cxnSp>
-        <p:nvCxnSpPr>
-          <p:cNvPr id="10" name="Straight Connector 9"/>
-          <p:cNvCxnSpPr/>
-          <p:nvPr/>
-        </p:nvCxnSpPr>
-        <p:spPr>
-          <a:xfrm flipV="1">
-            <a:off x="5894173" y="3859428"/>
-            <a:ext cx="0" cy="1429264"/>
-          </a:xfrm>
-          <a:prstGeom prst="line">
-            <a:avLst/>
-          </a:prstGeom>
-          <a:ln w="76200">
-            <a:solidFill>
-              <a:srgbClr val="0070C0"/>
-            </a:solidFill>
-            <a:prstDash val="sysDash"/>
-          </a:ln>
-        </p:spPr>
-        <p:style>
-          <a:lnRef idx="1">
-            <a:schemeClr val="accent1"/>
-          </a:lnRef>
-          <a:fillRef idx="0">
-            <a:schemeClr val="accent1"/>
-          </a:fillRef>
-          <a:effectRef idx="0">
-            <a:schemeClr val="accent1"/>
-          </a:effectRef>
-          <a:fontRef idx="minor">
-            <a:schemeClr val="tx1"/>
-          </a:fontRef>
-        </p:style>
-      </p:cxnSp>
-      <p:cxnSp>
-        <p:nvCxnSpPr>
-          <p:cNvPr id="14" name="Straight Arrow Connector 13"/>
-          <p:cNvCxnSpPr/>
-          <p:nvPr/>
-        </p:nvCxnSpPr>
-        <p:spPr>
-          <a:xfrm>
-            <a:off x="3348681" y="6275173"/>
-            <a:ext cx="4003589" cy="0"/>
+            <a:off x="3348681" y="6125937"/>
+            <a:ext cx="2545492" cy="22990"/>
           </a:xfrm>
           <a:prstGeom prst="straightConnector1">
             <a:avLst/>
@@ -8177,8 +10851,8 @@
         </p:nvSpPr>
         <p:spPr>
           <a:xfrm>
-            <a:off x="5090593" y="6122773"/>
-            <a:ext cx="381836" cy="769441"/>
+            <a:off x="4118301" y="6084504"/>
+            <a:ext cx="915635" cy="584775"/>
           </a:xfrm>
           <a:prstGeom prst="rect">
             <a:avLst/>
@@ -8192,12 +10866,12 @@
           <a:lstStyle/>
           <a:p>
             <a:r>
-              <a:rPr lang="en-US" sz="4400" dirty="0" smtClean="0">
+              <a:rPr lang="en-US" sz="3200" dirty="0" err="1">
                 <a:solidFill>
                   <a:srgbClr val="00B050"/>
                 </a:solidFill>
               </a:rPr>
-              <a:t>r</a:t>
+              <a:t>Raio</a:t>
             </a:r>
             <a:endParaRPr lang="en-US" sz="3200" dirty="0">
               <a:solidFill>
@@ -8215,8 +10889,8 @@
         </p:nvSpPr>
         <p:spPr>
           <a:xfrm>
-            <a:off x="2788920" y="939114"/>
-            <a:ext cx="320040" cy="4349578"/>
+            <a:off x="2837592" y="939114"/>
+            <a:ext cx="320040" cy="4976494"/>
           </a:xfrm>
           <a:prstGeom prst="leftBrace">
             <a:avLst/>
@@ -8259,8 +10933,8 @@
         </p:nvSpPr>
         <p:spPr>
           <a:xfrm rot="16200000">
-            <a:off x="1151097" y="2821516"/>
-            <a:ext cx="2026517" cy="584775"/>
+            <a:off x="1601814" y="3134973"/>
+            <a:ext cx="1235210" cy="584775"/>
           </a:xfrm>
           <a:prstGeom prst="rect">
             <a:avLst/>
@@ -8274,37 +10948,83 @@
           <a:lstStyle/>
           <a:p>
             <a:r>
-              <a:rPr lang="en-US" sz="3200" b="1" dirty="0" smtClean="0"/>
-              <a:t>3 </a:t>
-            </a:r>
-            <a:r>
-              <a:rPr lang="en-US" sz="3200" b="1" dirty="0" err="1" smtClean="0"/>
-              <a:t>Camadas</a:t>
+              <a:rPr lang="en-US" sz="3200" b="1" dirty="0" err="1"/>
+              <a:t>Altura</a:t>
             </a:r>
             <a:endParaRPr lang="en-US" sz="3200" b="1" dirty="0"/>
+          </a:p>
+        </p:txBody>
+      </p:sp>
+      <p:sp>
+        <p:nvSpPr>
+          <p:cNvPr id="23" name="TextBox 22"/>
+          <p:cNvSpPr txBox="1"/>
+          <p:nvPr/>
+        </p:nvSpPr>
+        <p:spPr>
+          <a:xfrm>
+            <a:off x="3415479" y="2670250"/>
+            <a:ext cx="1235675" cy="369332"/>
+          </a:xfrm>
+          <a:prstGeom prst="rect">
+            <a:avLst/>
+          </a:prstGeom>
+          <a:noFill/>
+        </p:spPr>
+        <p:txBody>
+          <a:bodyPr wrap="square" rtlCol="0">
+            <a:spAutoFit/>
+          </a:bodyPr>
+          <a:lstStyle/>
+          <a:p>
+            <a:r>
+              <a:rPr lang="en-US" dirty="0">
+                <a:solidFill>
+                  <a:schemeClr val="accent5"/>
+                </a:solidFill>
+              </a:rPr>
+              <a:t>d*sin(</a:t>
+            </a:r>
+            <a:r>
+              <a:rPr lang="el-GR" b="1" dirty="0">
+                <a:solidFill>
+                  <a:srgbClr val="002060"/>
+                </a:solidFill>
+              </a:rPr>
+              <a:t>α</a:t>
+            </a:r>
+            <a:r>
+              <a:rPr lang="en-US" dirty="0">
+                <a:solidFill>
+                  <a:schemeClr val="accent5"/>
+                </a:solidFill>
+              </a:rPr>
+              <a:t>)</a:t>
+            </a:r>
           </a:p>
         </p:txBody>
       </p:sp>
       <p:cxnSp>
         <p:nvCxnSpPr>
-          <p:cNvPr id="18" name="Straight Arrow Connector 17"/>
-          <p:cNvCxnSpPr/>
+          <p:cNvPr id="24" name="Straight Connector 23"/>
+          <p:cNvCxnSpPr>
+            <a:cxnSpLocks/>
+          </p:cNvCxnSpPr>
           <p:nvPr/>
         </p:nvCxnSpPr>
         <p:spPr>
-          <a:xfrm>
-            <a:off x="5824151" y="5486400"/>
-            <a:ext cx="1318054" cy="0"/>
-          </a:xfrm>
-          <a:prstGeom prst="straightConnector1">
-            <a:avLst/>
-          </a:prstGeom>
-          <a:ln w="76200">
+          <a:xfrm flipV="1">
+            <a:off x="3348681" y="2665584"/>
+            <a:ext cx="922962" cy="12303"/>
+          </a:xfrm>
+          <a:prstGeom prst="line">
+            <a:avLst/>
+          </a:prstGeom>
+          <a:ln w="34925">
             <a:solidFill>
-              <a:srgbClr val="00B050"/>
+              <a:srgbClr val="C00000"/>
             </a:solidFill>
-            <a:headEnd type="triangle"/>
-            <a:tailEnd type="triangle"/>
+            <a:prstDash val="sysDash"/>
           </a:ln>
         </p:spPr>
         <p:style>
@@ -8324,61 +11044,26 @@
       </p:cxnSp>
       <p:sp>
         <p:nvSpPr>
-          <p:cNvPr id="21" name="TextBox 20"/>
-          <p:cNvSpPr txBox="1"/>
-          <p:nvPr/>
-        </p:nvSpPr>
-        <p:spPr>
-          <a:xfrm>
-            <a:off x="6117206" y="5431133"/>
-            <a:ext cx="1024999" cy="646331"/>
-          </a:xfrm>
-          <a:prstGeom prst="rect">
-            <a:avLst/>
+          <p:cNvPr id="25" name="Left Brace 24"/>
+          <p:cNvSpPr/>
+          <p:nvPr/>
+        </p:nvSpPr>
+        <p:spPr>
+          <a:xfrm rot="10800000">
+            <a:off x="4509884" y="951415"/>
+            <a:ext cx="320040" cy="1726472"/>
+          </a:xfrm>
+          <a:prstGeom prst="leftBrace">
+            <a:avLst>
+              <a:gd name="adj1" fmla="val 17079"/>
+              <a:gd name="adj2" fmla="val 50000"/>
+            </a:avLst>
           </a:prstGeom>
           <a:noFill/>
-        </p:spPr>
-        <p:txBody>
-          <a:bodyPr wrap="square" rtlCol="0">
-            <a:spAutoFit/>
-          </a:bodyPr>
-          <a:lstStyle/>
-          <a:p>
-            <a:r>
-              <a:rPr lang="en-US" sz="3600" dirty="0" smtClean="0">
-                <a:solidFill>
-                  <a:srgbClr val="00B050"/>
-                </a:solidFill>
-              </a:rPr>
-              <a:t>r/3</a:t>
-            </a:r>
-            <a:endParaRPr lang="en-US" sz="2400" dirty="0">
-              <a:solidFill>
-                <a:srgbClr val="00B050"/>
-              </a:solidFill>
-            </a:endParaRPr>
-          </a:p>
-        </p:txBody>
-      </p:sp>
-      <p:cxnSp>
-        <p:nvCxnSpPr>
-          <p:cNvPr id="12" name="Straight Connector 11"/>
-          <p:cNvCxnSpPr/>
-          <p:nvPr/>
-        </p:nvCxnSpPr>
-        <p:spPr>
-          <a:xfrm flipH="1" flipV="1">
-            <a:off x="4576119" y="2347784"/>
-            <a:ext cx="8237" cy="2940909"/>
-          </a:xfrm>
-          <a:prstGeom prst="line">
-            <a:avLst/>
-          </a:prstGeom>
-          <a:ln w="76200">
+          <a:ln w="57150">
             <a:solidFill>
-              <a:srgbClr val="0070C0"/>
+              <a:schemeClr val="tx1"/>
             </a:solidFill>
-            <a:prstDash val="sysDash"/>
           </a:ln>
         </p:spPr>
         <p:style>
@@ -8395,54 +11080,170 @@
             <a:schemeClr val="tx1"/>
           </a:fontRef>
         </p:style>
-      </p:cxnSp>
-      <p:cxnSp>
-        <p:nvCxnSpPr>
-          <p:cNvPr id="19" name="Straight Arrow Connector 18"/>
-          <p:cNvCxnSpPr/>
-          <p:nvPr/>
-        </p:nvCxnSpPr>
-        <p:spPr>
-          <a:xfrm>
-            <a:off x="4576119" y="5496359"/>
-            <a:ext cx="1318054" cy="0"/>
-          </a:xfrm>
-          <a:prstGeom prst="straightConnector1">
-            <a:avLst/>
-          </a:prstGeom>
-          <a:ln w="76200">
-            <a:solidFill>
-              <a:srgbClr val="00B050"/>
-            </a:solidFill>
-            <a:headEnd type="triangle"/>
-            <a:tailEnd type="triangle"/>
+        <p:txBody>
+          <a:bodyPr rtlCol="0" anchor="ctr"/>
+          <a:lstStyle/>
+          <a:p>
+            <a:pPr algn="ctr"/>
+            <a:endParaRPr lang="en-US"/>
+          </a:p>
+        </p:txBody>
+      </p:sp>
+      <p:sp>
+        <p:nvSpPr>
+          <p:cNvPr id="27" name="TextBox 26"/>
+          <p:cNvSpPr txBox="1"/>
+          <p:nvPr/>
+        </p:nvSpPr>
+        <p:spPr>
+          <a:xfrm>
+            <a:off x="5070285" y="1523748"/>
+            <a:ext cx="2789033" cy="461665"/>
+          </a:xfrm>
+          <a:prstGeom prst="rect">
+            <a:avLst/>
+          </a:prstGeom>
+          <a:noFill/>
+        </p:spPr>
+        <p:txBody>
+          <a:bodyPr wrap="none" rtlCol="0">
+            <a:spAutoFit/>
+          </a:bodyPr>
+          <a:lstStyle/>
+          <a:p>
+            <a:r>
+              <a:rPr lang="en-US" sz="2400" b="1" dirty="0">
+                <a:solidFill>
+                  <a:schemeClr val="accent5"/>
+                </a:solidFill>
+              </a:rPr>
+              <a:t>d = </a:t>
+            </a:r>
+            <a:r>
+              <a:rPr lang="en-US" sz="2400" b="1" dirty="0" err="1">
+                <a:solidFill>
+                  <a:schemeClr val="accent5"/>
+                </a:solidFill>
+              </a:rPr>
+              <a:t>altura</a:t>
+            </a:r>
+            <a:r>
+              <a:rPr lang="en-US" sz="2400" b="1" dirty="0">
+                <a:solidFill>
+                  <a:schemeClr val="accent5"/>
+                </a:solidFill>
+              </a:rPr>
+              <a:t> / </a:t>
+            </a:r>
+            <a:r>
+              <a:rPr lang="en-US" sz="2400" b="1" dirty="0" err="1">
+                <a:solidFill>
+                  <a:schemeClr val="accent5"/>
+                </a:solidFill>
+              </a:rPr>
+              <a:t>camadas</a:t>
+            </a:r>
+            <a:endParaRPr lang="en-US" sz="2400" b="1" dirty="0">
+              <a:solidFill>
+                <a:schemeClr val="accent5"/>
+              </a:solidFill>
+            </a:endParaRPr>
+          </a:p>
+        </p:txBody>
+      </p:sp>
+      <p:sp>
+        <p:nvSpPr>
+          <p:cNvPr id="28" name="Freeform 19"/>
+          <p:cNvSpPr/>
+          <p:nvPr/>
+        </p:nvSpPr>
+        <p:spPr>
+          <a:xfrm rot="21353354">
+            <a:off x="3421394" y="1897723"/>
+            <a:ext cx="403186" cy="179492"/>
+          </a:xfrm>
+          <a:custGeom>
+            <a:avLst/>
+            <a:gdLst>
+              <a:gd name="connsiteX0" fmla="*/ 0 w 243840"/>
+              <a:gd name="connsiteY0" fmla="*/ 121920 h 121920"/>
+              <a:gd name="connsiteX1" fmla="*/ 152400 w 243840"/>
+              <a:gd name="connsiteY1" fmla="*/ 91440 h 121920"/>
+              <a:gd name="connsiteX2" fmla="*/ 243840 w 243840"/>
+              <a:gd name="connsiteY2" fmla="*/ 0 h 121920"/>
+            </a:gdLst>
+            <a:ahLst/>
+            <a:cxnLst>
+              <a:cxn ang="0">
+                <a:pos x="connsiteX0" y="connsiteY0"/>
+              </a:cxn>
+              <a:cxn ang="0">
+                <a:pos x="connsiteX1" y="connsiteY1"/>
+              </a:cxn>
+              <a:cxn ang="0">
+                <a:pos x="connsiteX2" y="connsiteY2"/>
+              </a:cxn>
+            </a:cxnLst>
+            <a:rect l="l" t="t" r="r" b="b"/>
+            <a:pathLst>
+              <a:path w="243840" h="121920">
+                <a:moveTo>
+                  <a:pt x="0" y="121920"/>
+                </a:moveTo>
+                <a:cubicBezTo>
+                  <a:pt x="55880" y="116840"/>
+                  <a:pt x="111760" y="111760"/>
+                  <a:pt x="152400" y="91440"/>
+                </a:cubicBezTo>
+                <a:cubicBezTo>
+                  <a:pt x="193040" y="71120"/>
+                  <a:pt x="208280" y="58420"/>
+                  <a:pt x="243840" y="0"/>
+                </a:cubicBezTo>
+              </a:path>
+            </a:pathLst>
+          </a:custGeom>
+          <a:noFill/>
+          <a:ln w="25400">
+            <a:headEnd type="triangle" w="lg" len="med"/>
+            <a:tailEnd type="triangle" w="lg" len="med"/>
           </a:ln>
         </p:spPr>
         <p:style>
-          <a:lnRef idx="1">
-            <a:schemeClr val="accent1"/>
+          <a:lnRef idx="2">
+            <a:schemeClr val="accent1">
+              <a:shade val="50000"/>
+            </a:schemeClr>
           </a:lnRef>
-          <a:fillRef idx="0">
+          <a:fillRef idx="1">
             <a:schemeClr val="accent1"/>
           </a:fillRef>
           <a:effectRef idx="0">
             <a:schemeClr val="accent1"/>
           </a:effectRef>
           <a:fontRef idx="minor">
-            <a:schemeClr val="tx1"/>
+            <a:schemeClr val="lt1"/>
           </a:fontRef>
         </p:style>
-      </p:cxnSp>
-      <p:sp>
-        <p:nvSpPr>
-          <p:cNvPr id="20" name="TextBox 19"/>
+        <p:txBody>
+          <a:bodyPr rtlCol="0" anchor="ctr"/>
+          <a:lstStyle/>
+          <a:p>
+            <a:pPr algn="ctr"/>
+            <a:endParaRPr lang="en-US"/>
+          </a:p>
+        </p:txBody>
+      </p:sp>
+      <p:sp>
+        <p:nvSpPr>
+          <p:cNvPr id="29" name="TextBox 28"/>
           <p:cNvSpPr txBox="1"/>
           <p:nvPr/>
         </p:nvSpPr>
         <p:spPr>
           <a:xfrm>
-            <a:off x="4869174" y="5441092"/>
-            <a:ext cx="1024999" cy="646331"/>
+            <a:off x="3527451" y="1963537"/>
+            <a:ext cx="320922" cy="369332"/>
           </a:xfrm>
           <a:prstGeom prst="rect">
             <a:avLst/>
@@ -8450,97 +11251,22 @@
           <a:noFill/>
         </p:spPr>
         <p:txBody>
-          <a:bodyPr wrap="square" rtlCol="0">
+          <a:bodyPr wrap="none" rtlCol="0">
             <a:spAutoFit/>
           </a:bodyPr>
           <a:lstStyle/>
           <a:p>
             <a:r>
-              <a:rPr lang="en-US" sz="3600" dirty="0" smtClean="0">
-                <a:solidFill>
-                  <a:srgbClr val="00B050"/>
+              <a:rPr lang="el-GR" b="1" dirty="0">
+                <a:solidFill>
+                  <a:srgbClr val="002060"/>
                 </a:solidFill>
               </a:rPr>
-              <a:t>r/3</a:t>
-            </a:r>
-            <a:endParaRPr lang="en-US" sz="2400" dirty="0">
+              <a:t>α</a:t>
+            </a:r>
+            <a:endParaRPr lang="en-US" b="1" dirty="0">
               <a:solidFill>
-                <a:srgbClr val="00B050"/>
-              </a:solidFill>
-            </a:endParaRPr>
-          </a:p>
-        </p:txBody>
-      </p:sp>
-      <p:cxnSp>
-        <p:nvCxnSpPr>
-          <p:cNvPr id="22" name="Straight Arrow Connector 21"/>
-          <p:cNvCxnSpPr/>
-          <p:nvPr/>
-        </p:nvCxnSpPr>
-        <p:spPr>
-          <a:xfrm>
-            <a:off x="3266302" y="5493440"/>
-            <a:ext cx="1318054" cy="0"/>
-          </a:xfrm>
-          <a:prstGeom prst="straightConnector1">
-            <a:avLst/>
-          </a:prstGeom>
-          <a:ln w="76200">
-            <a:solidFill>
-              <a:srgbClr val="00B050"/>
-            </a:solidFill>
-            <a:headEnd type="triangle"/>
-            <a:tailEnd type="triangle"/>
-          </a:ln>
-        </p:spPr>
-        <p:style>
-          <a:lnRef idx="1">
-            <a:schemeClr val="accent1"/>
-          </a:lnRef>
-          <a:fillRef idx="0">
-            <a:schemeClr val="accent1"/>
-          </a:fillRef>
-          <a:effectRef idx="0">
-            <a:schemeClr val="accent1"/>
-          </a:effectRef>
-          <a:fontRef idx="minor">
-            <a:schemeClr val="tx1"/>
-          </a:fontRef>
-        </p:style>
-      </p:cxnSp>
-      <p:sp>
-        <p:nvSpPr>
-          <p:cNvPr id="23" name="TextBox 22"/>
-          <p:cNvSpPr txBox="1"/>
-          <p:nvPr/>
-        </p:nvSpPr>
-        <p:spPr>
-          <a:xfrm>
-            <a:off x="3559357" y="5438173"/>
-            <a:ext cx="1024999" cy="646331"/>
-          </a:xfrm>
-          <a:prstGeom prst="rect">
-            <a:avLst/>
-          </a:prstGeom>
-          <a:noFill/>
-        </p:spPr>
-        <p:txBody>
-          <a:bodyPr wrap="square" rtlCol="0">
-            <a:spAutoFit/>
-          </a:bodyPr>
-          <a:lstStyle/>
-          <a:p>
-            <a:r>
-              <a:rPr lang="en-US" sz="3600" dirty="0" smtClean="0">
-                <a:solidFill>
-                  <a:srgbClr val="00B050"/>
-                </a:solidFill>
-              </a:rPr>
-              <a:t>r/3</a:t>
-            </a:r>
-            <a:endParaRPr lang="en-US" sz="2400" dirty="0">
-              <a:solidFill>
-                <a:srgbClr val="00B050"/>
+                <a:srgbClr val="002060"/>
               </a:solidFill>
             </a:endParaRPr>
           </a:p>
